--- a/test_report/ondex_graphdb_eval.pptx
+++ b/test_report/ondex_graphdb_eval.pptx
@@ -39,11 +39,13 @@
     <p:sldId id="284" r:id="rId36"/>
     <p:sldId id="285" r:id="rId37"/>
     <p:sldId id="286" r:id="rId38"/>
-    <p:sldId id="287" r:id="rId40"/>
-    <p:sldId id="288" r:id="rId41"/>
-    <p:sldId id="289" r:id="rId42"/>
-    <p:sldId id="290" r:id="rId43"/>
-    <p:sldId id="291" r:id="rId44"/>
+    <p:sldId id="287" r:id="rId39"/>
+    <p:sldId id="288" r:id="rId40"/>
+    <p:sldId id="289" r:id="rId41"/>
+    <p:sldId id="290" r:id="rId42"/>
+    <p:sldId id="291" r:id="rId43"/>
+    <p:sldId id="292" r:id="rId44"/>
+    <p:sldId id="293" r:id="rId45"/>
   </p:sldIdLst>
   <p:sldSz cx="24384000" cy="13716000"/>
   <p:notesSz cx="6858000" cy="9144000"/>
@@ -349,28 +351,7 @@
 </file>
 
 <file path=ppt/commentAuthors.xml><?xml version="1.0" encoding="utf-8"?>
-<p:cmAuthorLst xmlns:a="http://schemas.openxmlformats.org/drawingml/2006/main" xmlns:r="http://schemas.openxmlformats.org/officeDocument/2006/relationships" xmlns:p="http://schemas.openxmlformats.org/presentationml/2006/main">
-  <p:cmAuthor id="0" name="Marco Brandizi" initials="MB" lastIdx="1" clrIdx="0"/>
-</p:cmAuthorLst>
-</file>
-
-<file path=ppt/comments/comment1.xml><?xml version="1.0" encoding="utf-8"?>
-<p:cmLst xmlns:a="http://schemas.openxmlformats.org/drawingml/2006/main" xmlns:r="http://schemas.openxmlformats.org/officeDocument/2006/relationships" xmlns:p="http://schemas.openxmlformats.org/presentationml/2006/main">
-  <p:cm authorId="0" dt="2017-10-15T17:19:52.894" idx="1">
-    <p:pos x="3317" y="-13"/>
-    <p:text>General issues -No data exchange format -&gt; RDF -Is it Open Source? -Other options? -&gt; Gremlin, TinkerPop - -Conclusions</p:text>
-    <p:extLst>
-      <p:ext uri="{C676402C-5697-4E1C-873F-D02D1690AC5C}">
-        <p15:threadingInfo xmlns:p15="http://schemas.microsoft.com/office/powerpoint/2012/main" timeZoneBias="-60"/>
-      </p:ext>
-    </p:extLst>
-  </p:cm>
-</p:cmLst>
+<p:cmAuthorLst xmlns:a="http://schemas.openxmlformats.org/drawingml/2006/main" xmlns:r="http://schemas.openxmlformats.org/officeDocument/2006/relationships" xmlns:p="http://schemas.openxmlformats.org/presentationml/2006/main"/>
 </file>
 
 <file path=ppt/notesMasters/notesMaster1.xml><?xml version="1.0" encoding="utf-8"?>
@@ -830,8 +811,8 @@
         </p:nvSpPr>
         <p:spPr>
           <a:xfrm>
-            <a:off x="12192000" y="6861167"/>
-            <a:ext cx="9144000" cy="6858001"/>
+            <a:off x="12191999" y="6861167"/>
+            <a:ext cx="9144001" cy="6858001"/>
           </a:xfrm>
           <a:prstGeom prst="rect">
             <a:avLst/>
@@ -3823,7 +3804,7 @@
       </p:grpSpPr>
       <p:sp>
         <p:nvSpPr>
-          <p:cNvPr id="174" name="Example QuerieS"/>
+          <p:cNvPr id="176" name="Example QuerieS"/>
           <p:cNvSpPr txBox="1"/>
           <p:nvPr>
             <p:ph type="title"/>
@@ -3832,7 +3813,7 @@
         <p:spPr>
           <a:xfrm>
             <a:off x="723904" y="320675"/>
-            <a:ext cx="16430626" cy="2000251"/>
+            <a:ext cx="16430626" cy="2000250"/>
           </a:xfrm>
           <a:prstGeom prst="rect">
             <a:avLst/>
@@ -3851,13 +3832,13 @@
       </p:sp>
       <p:sp>
         <p:nvSpPr>
-          <p:cNvPr id="175" name="Count concepts (classes) in Trait Ontology: select count (distinct ?c) WHERE {     ?c a odxcc:TO_TERM. }"/>
+          <p:cNvPr id="177" name="Count concepts (classes) in Trait Ontology: select count (distinct ?c) WHERE {     ?c a odxcc:TO_TERM. }"/>
           <p:cNvSpPr txBox="1"/>
           <p:nvPr/>
         </p:nvSpPr>
         <p:spPr>
           <a:xfrm>
-            <a:off x="736604" y="2061282"/>
+            <a:off x="736604" y="2061283"/>
             <a:ext cx="10788169" cy="3063876"/>
           </a:xfrm>
           <a:prstGeom prst="rect">
@@ -3913,7 +3894,7 @@
       </p:sp>
       <p:sp>
         <p:nvSpPr>
-          <p:cNvPr id="176" name="Parts of membrane (transitively): select distinct ?csup ?supName ?c ?name  WHERE {   ?csup odx:conceptName ?supName.   FILTER ( ?supName = &quot;cellular membrane&quot; )…"/>
+          <p:cNvPr id="178" name="Parts of membrane (transitively): select distinct ?csup ?supName ?c ?name  WHERE {   ?csup odx:conceptName ?supName.   FILTER ( ?supName = &quot;cellular membrane&quot; )…"/>
           <p:cNvSpPr txBox="1"/>
           <p:nvPr/>
         </p:nvSpPr>
@@ -4002,14 +3983,14 @@
       </p:sp>
       <p:sp>
         <p:nvSpPr>
-          <p:cNvPr id="177" name="Proteins related to pathways: select distinct ?prot ?pway {    ?prot odxrt:pd_by|odxrt:cs_by ?react;              a odxcc:Protein.      ?react a odxcc:Reaction.…"/>
+          <p:cNvPr id="179" name="Proteins related to pathways: select distinct ?prot ?pway {    ?prot odxrt:pd_by|odxrt:cs_by ?react;              a odxcc:Protein.      ?react a odxcc:Reaction.…"/>
           <p:cNvSpPr txBox="1"/>
           <p:nvPr/>
         </p:nvSpPr>
         <p:spPr>
           <a:xfrm>
-            <a:off x="14733825" y="4079122"/>
-            <a:ext cx="9390660" cy="7254876"/>
+            <a:off x="14733824" y="4079122"/>
+            <a:ext cx="9390661" cy="7254876"/>
           </a:xfrm>
           <a:prstGeom prst="rect">
             <a:avLst/>
@@ -4098,13 +4079,13 @@
       </p:sp>
       <p:sp>
         <p:nvSpPr>
-          <p:cNvPr id="178" name="optimised order"/>
+          <p:cNvPr id="180" name="optimised order"/>
           <p:cNvSpPr txBox="1"/>
           <p:nvPr/>
         </p:nvSpPr>
         <p:spPr>
           <a:xfrm>
-            <a:off x="10118491" y="12823492"/>
+            <a:off x="10118491" y="12823493"/>
             <a:ext cx="3960318" cy="866776"/>
           </a:xfrm>
           <a:prstGeom prst="rect">
@@ -4146,14 +4127,14 @@
       </p:sp>
       <p:sp>
         <p:nvSpPr>
-          <p:cNvPr id="179" name="‘|’ for property paths"/>
+          <p:cNvPr id="181" name="‘|’ for property paths"/>
           <p:cNvSpPr txBox="1"/>
           <p:nvPr/>
         </p:nvSpPr>
         <p:spPr>
           <a:xfrm>
-            <a:off x="16775482" y="11713273"/>
-            <a:ext cx="4959909" cy="866776"/>
+            <a:off x="16775481" y="11713273"/>
+            <a:ext cx="4959910" cy="866776"/>
           </a:xfrm>
           <a:prstGeom prst="rect">
             <a:avLst/>
@@ -4220,7 +4201,7 @@
       </p:grpSpPr>
       <p:sp>
         <p:nvSpPr>
-          <p:cNvPr id="181" name="Example QuerieS"/>
+          <p:cNvPr id="183" name="Example QuerieS"/>
           <p:cNvSpPr txBox="1"/>
           <p:nvPr>
             <p:ph type="title"/>
@@ -4248,7 +4229,7 @@
       </p:sp>
       <p:sp>
         <p:nvSpPr>
-          <p:cNvPr id="182" name="# part 2   union {     # Branch 2    ?prot ^odxrt:ac_by|odxrt:is_a ?enz.    ?prot a odxcc:Protein.      ?enz a odxcc:Enzyme.     {          # Branch 2.1        ?enz odxrt:ac_by|odxrt:in_by ?comp.        ?comp a odxcc:Compound.          ?comp odxrt:cs_by|odxrt:pd_by ?trns        ?trns a odxcc:Transport      }       union {        # Branch 2.2        ?enz ^odxrt:ca_by ?trns.        ?comp a odxcc:Compound.         ?trns a odxcc:Transport      }      ?trns odxrt:part_of ?pway.   ?pway a odxcc:Path.   } }  LIMIT 1000"/>
+          <p:cNvPr id="184" name="# part 2   union {     # Branch 2    ?prot ^odxrt:ac_by|odxrt:is_a ?enz.    ?prot a odxcc:Protein.      ?enz a odxcc:Enzyme.     {          # Branch 2.1        ?enz odxrt:ac_by|odxrt:in_by ?comp.        ?comp a odxcc:Compound.          ?comp odxrt:cs_by|odxrt:pd_by ?trns        ?trns a odxcc:Transport      }       union {        # Branch 2.2        ?enz ^odxrt:ca_by ?trns.        ?comp a odxcc:Compound.         ?trns a odxcc:Transport      }      ?trns odxrt:part_of ?pway.   ?pway a odxcc:Path.   } }  LIMIT 1000"/>
           <p:cNvSpPr txBox="1"/>
           <p:nvPr/>
         </p:nvSpPr>
@@ -4417,7 +4398,7 @@
       </p:sp>
       <p:sp>
         <p:nvSpPr>
-          <p:cNvPr id="183" name="prefix odx: &lt;http://ondex.sourceforge.net/ondex-core#&gt; prefix odxcc: &lt;http://www.ondex.org/ex/conceptClass/&gt; prefix odxc: &lt;http://www.ondex.org/ex/concept/&gt; prefix odxrt: &lt;http://www.ondex.org/ex/relationType/&gt; prefix odxr: &lt;http://www.ondex.org/ex/relation/&gt; prefix rdfs: &lt;http://www.w3.org/2000/01/rdf-schema#&gt;…"/>
+          <p:cNvPr id="185" name="prefix odx: &lt;http://ondex.sourceforge.net/ondex-core#&gt; prefix odxcc: &lt;http://www.ondex.org/ex/conceptClass/&gt; prefix odxc: &lt;http://www.ondex.org/ex/concept/&gt; prefix odxrt: &lt;http://www.ondex.org/ex/relationType/&gt; prefix odxr: &lt;http://www.ondex.org/ex/relation/&gt; prefix rdfs: &lt;http://www.w3.org/2000/01/rdf-schema#&gt;…"/>
           <p:cNvSpPr txBox="1"/>
           <p:nvPr/>
         </p:nvSpPr>
@@ -4541,7 +4522,7 @@
       </p:sp>
       <p:sp>
         <p:nvSpPr>
-          <p:cNvPr id="184" name="Proteins related to pathways:"/>
+          <p:cNvPr id="186" name="Proteins related to pathways:"/>
           <p:cNvSpPr txBox="1"/>
           <p:nvPr/>
         </p:nvSpPr>
@@ -4602,7 +4583,7 @@
       </p:sp>
       <p:grpSp>
         <p:nvGrpSpPr>
-          <p:cNvPr id="187" name="Group"/>
+          <p:cNvPr id="189" name="Group"/>
           <p:cNvGrpSpPr/>
           <p:nvPr/>
         </p:nvGrpSpPr>
@@ -4616,7 +4597,7 @@
         </p:grpSpPr>
         <p:sp>
           <p:nvSpPr>
-            <p:cNvPr id="185" name="Rounded Rectangle"/>
+            <p:cNvPr id="187" name="Rounded Rectangle"/>
             <p:cNvSpPr/>
             <p:nvPr/>
           </p:nvSpPr>
@@ -4658,7 +4639,7 @@
         </p:sp>
         <p:pic>
           <p:nvPicPr>
-            <p:cNvPr id="186" name="ara_knet_pattern.png" descr="ara_knet_pattern.png"/>
+            <p:cNvPr id="188" name="ara_knet_pattern.png" descr="ara_knet_pattern.png"/>
             <p:cNvPicPr>
               <a:picLocks noChangeAspect="1"/>
             </p:cNvPicPr>
@@ -4716,7 +4697,7 @@
       </p:grpSpPr>
       <p:sp>
         <p:nvSpPr>
-          <p:cNvPr id="189" name="RDF PerformancE"/>
+          <p:cNvPr id="191" name="RDF PerformancE"/>
           <p:cNvSpPr txBox="1"/>
           <p:nvPr>
             <p:ph type="title"/>
@@ -4740,7 +4721,7 @@
       </p:sp>
       <p:pic>
         <p:nvPicPr>
-          <p:cNvPr id="190" name="Image" descr="Image"/>
+          <p:cNvPr id="192" name="Image" descr="Image"/>
           <p:cNvPicPr>
             <a:picLocks noChangeAspect="1"/>
           </p:cNvPicPr>
@@ -4769,14 +4750,14 @@
       </p:pic>
       <p:sp>
         <p:nvSpPr>
-          <p:cNvPr id="191" name="Simple, common queries (Fuseki)"/>
+          <p:cNvPr id="193" name="Simple, common queries (Fuseki)"/>
           <p:cNvSpPr txBox="1"/>
           <p:nvPr/>
         </p:nvSpPr>
         <p:spPr>
           <a:xfrm>
             <a:off x="3976687" y="2303462"/>
-            <a:ext cx="10565410" cy="1108076"/>
+            <a:ext cx="10565411" cy="1108076"/>
           </a:xfrm>
           <a:prstGeom prst="rect">
             <a:avLst/>
@@ -4831,7 +4812,7 @@
       </p:grpSpPr>
       <p:sp>
         <p:nvSpPr>
-          <p:cNvPr id="193" name="RDF PerformancE"/>
+          <p:cNvPr id="195" name="RDF PerformancE"/>
           <p:cNvSpPr txBox="1"/>
           <p:nvPr>
             <p:ph type="title"/>
@@ -4859,14 +4840,14 @@
       </p:sp>
       <p:sp>
         <p:nvSpPr>
-          <p:cNvPr id="194" name="Queries over ONDEX paths, Fuseki"/>
+          <p:cNvPr id="196" name="Queries over ONDEX paths (Fuseki)"/>
           <p:cNvSpPr txBox="1"/>
           <p:nvPr/>
         </p:nvSpPr>
         <p:spPr>
           <a:xfrm>
-            <a:off x="1201965" y="2447924"/>
-            <a:ext cx="11225404" cy="1108076"/>
+            <a:off x="1109509" y="2447924"/>
+            <a:ext cx="11410316" cy="1108076"/>
           </a:xfrm>
           <a:prstGeom prst="rect">
             <a:avLst/>
@@ -4888,14 +4869,14 @@
           <a:p>
             <a:pPr/>
             <a:r>
-              <a:t>Queries over ONDEX paths, Fuseki</a:t>
+              <a:t>Queries over ONDEX paths (Fuseki)</a:t>
             </a:r>
           </a:p>
         </p:txBody>
       </p:sp>
       <p:pic>
         <p:nvPicPr>
-          <p:cNvPr id="195" name="Image" descr="Image"/>
+          <p:cNvPr id="197" name="Image" descr="Image"/>
           <p:cNvPicPr>
             <a:picLocks noChangeAspect="1"/>
           </p:cNvPicPr>
@@ -4911,8 +4892,8 @@
         </p:blipFill>
         <p:spPr>
           <a:xfrm>
-            <a:off x="1247165" y="3555999"/>
-            <a:ext cx="22360406" cy="10032280"/>
+            <a:off x="1247165" y="3556000"/>
+            <a:ext cx="22360406" cy="10032279"/>
           </a:xfrm>
           <a:prstGeom prst="rect">
             <a:avLst/>
@@ -4950,7 +4931,7 @@
       </p:grpSpPr>
       <p:sp>
         <p:nvSpPr>
-          <p:cNvPr id="197" name="RDF PerformancE"/>
+          <p:cNvPr id="199" name="RDF PerformancE"/>
           <p:cNvSpPr txBox="1"/>
           <p:nvPr>
             <p:ph type="title"/>
@@ -4978,7 +4959,7 @@
       </p:sp>
       <p:sp>
         <p:nvSpPr>
-          <p:cNvPr id="198" name="Queries over ONDEX paths, Virtuoso"/>
+          <p:cNvPr id="200" name="Queries over ONDEX paths, Virtuoso"/>
           <p:cNvSpPr txBox="1"/>
           <p:nvPr/>
         </p:nvSpPr>
@@ -5014,7 +4995,7 @@
       </p:sp>
       <p:pic>
         <p:nvPicPr>
-          <p:cNvPr id="199" name="Image" descr="Image"/>
+          <p:cNvPr id="201" name="Image" descr="Image"/>
           <p:cNvPicPr>
             <a:picLocks noChangeAspect="1"/>
           </p:cNvPicPr>
@@ -5031,7 +5012,7 @@
         <p:spPr>
           <a:xfrm>
             <a:off x="3623745" y="3556000"/>
-            <a:ext cx="14581999" cy="9684086"/>
+            <a:ext cx="14582000" cy="9684086"/>
           </a:xfrm>
           <a:prstGeom prst="rect">
             <a:avLst/>
@@ -5069,7 +5050,7 @@
       </p:grpSpPr>
       <p:sp>
         <p:nvSpPr>
-          <p:cNvPr id="201" name="neo4j"/>
+          <p:cNvPr id="203" name="neo4j"/>
           <p:cNvSpPr txBox="1"/>
           <p:nvPr>
             <p:ph type="title"/>
@@ -5119,7 +5100,7 @@
       </p:grpSpPr>
       <p:sp>
         <p:nvSpPr>
-          <p:cNvPr id="203" name="Neo4j Essentials"/>
+          <p:cNvPr id="205" name="Neo4j Essentials"/>
           <p:cNvSpPr txBox="1"/>
           <p:nvPr>
             <p:ph type="title"/>
@@ -5147,7 +5128,7 @@
       </p:sp>
       <p:sp>
         <p:nvSpPr>
-          <p:cNvPr id="204" name="Designed to backup applications…"/>
+          <p:cNvPr id="206" name="Designed to backup applications…"/>
           <p:cNvSpPr txBox="1"/>
           <p:nvPr>
             <p:ph type="body" idx="1"/>
@@ -5155,8 +5136,8 @@
         </p:nvSpPr>
         <p:spPr>
           <a:xfrm>
-            <a:off x="391503" y="1834637"/>
-            <a:ext cx="11509577" cy="11637265"/>
+            <a:off x="391503" y="1536700"/>
+            <a:ext cx="11800498" cy="11935202"/>
           </a:xfrm>
           <a:prstGeom prst="rect">
             <a:avLst/>
@@ -5166,121 +5147,121 @@
           <a:bodyPr/>
           <a:lstStyle/>
           <a:p>
-            <a:pPr marL="435432" indent="-435432" defTabSz="649009">
+            <a:pPr marL="424408" indent="-424408" defTabSz="632579">
               <a:spcBef>
-                <a:spcPts val="3500"/>
+                <a:spcPts val="3400"/>
               </a:spcBef>
-              <a:defRPr sz="3318"/>
+              <a:defRPr sz="3234"/>
             </a:pPr>
             <a:r>
               <a:t>Designed to backup applications</a:t>
             </a:r>
           </a:p>
           <a:p>
-            <a:pPr lvl="1" marL="746455" indent="-435432" defTabSz="649009">
+            <a:pPr lvl="1" marL="727557" indent="-424408" defTabSz="632579">
               <a:spcBef>
-                <a:spcPts val="3500"/>
+                <a:spcPts val="3400"/>
               </a:spcBef>
-              <a:defRPr sz="3318"/>
+              <a:defRPr sz="3234"/>
             </a:pPr>
             <a:r>
-              <a:t>much less for standards or Web-based sharing</a:t>
-            </a:r>
-          </a:p>
-          <a:p>
-            <a:pPr lvl="1" marL="746455" indent="-435432" defTabSz="649009">
+              <a:t>much less about standards or Web-based sharing</a:t>
+            </a:r>
+          </a:p>
+          <a:p>
+            <a:pPr lvl="1" marL="727557" indent="-424408" defTabSz="632579">
               <a:spcBef>
-                <a:spcPts val="3500"/>
+                <a:spcPts val="3400"/>
               </a:spcBef>
-              <a:defRPr sz="3318"/>
+              <a:defRPr sz="3234"/>
             </a:pPr>
             <a:r>
-              <a:t>Very little to manage schemas (more to come)</a:t>
-            </a:r>
-          </a:p>
-          <a:p>
-            <a:pPr lvl="1" marL="746455" indent="-435432" defTabSz="649009">
+              <a:t>Very little to manage schemas (more later)</a:t>
+            </a:r>
+          </a:p>
+          <a:p>
+            <a:pPr lvl="1" marL="727557" indent="-424408" defTabSz="632579">
               <a:spcBef>
-                <a:spcPts val="3500"/>
+                <a:spcPts val="3400"/>
               </a:spcBef>
-              <a:defRPr sz="3318"/>
+              <a:defRPr sz="3234"/>
             </a:pPr>
             <a:r>
-              <a:t>No data format (except Cypher, GraphML, RDF)</a:t>
-            </a:r>
-          </a:p>
-          <a:p>
-            <a:pPr marL="435432" indent="-435432" defTabSz="649009">
+              <a:t>No native data format (except Cypher, support for GraphML, RDF)</a:t>
+            </a:r>
+          </a:p>
+          <a:p>
+            <a:pPr marL="424408" indent="-424408" defTabSz="632579">
               <a:spcBef>
-                <a:spcPts val="3500"/>
+                <a:spcPts val="3400"/>
               </a:spcBef>
-              <a:defRPr sz="3318"/>
+              <a:defRPr sz="3234"/>
             </a:pPr>
             <a:r>
               <a:t>Initially based on API only, now Cypher available</a:t>
             </a:r>
           </a:p>
           <a:p>
-            <a:pPr lvl="1" marL="746455" indent="-435432" defTabSz="649009">
+            <a:pPr lvl="1" marL="727557" indent="-424408" defTabSz="632579">
               <a:spcBef>
-                <a:spcPts val="3500"/>
+                <a:spcPts val="3400"/>
               </a:spcBef>
-              <a:defRPr sz="3318"/>
+              <a:defRPr sz="3234"/>
             </a:pPr>
             <a:r>
-              <a:t>Compact, easy, no URIs (unless you need them)</a:t>
-            </a:r>
-          </a:p>
-          <a:p>
-            <a:pPr marL="435432" indent="-435432" defTabSz="649009">
+              <a:t>Compact, easy, no URIs (can be used as strings)</a:t>
+            </a:r>
+          </a:p>
+          <a:p>
+            <a:pPr marL="424408" indent="-424408" defTabSz="632579">
               <a:spcBef>
-                <a:spcPts val="3500"/>
+                <a:spcPts val="3400"/>
               </a:spcBef>
-              <a:defRPr sz="3318"/>
+              <a:defRPr sz="3234"/>
             </a:pPr>
             <a:r>
               <a:t>Very performant</a:t>
             </a:r>
           </a:p>
           <a:p>
-            <a:pPr lvl="1" marL="746455" indent="-435432" defTabSz="649009">
+            <a:pPr lvl="1" marL="727557" indent="-424408" defTabSz="632579">
               <a:spcBef>
-                <a:spcPts val="3500"/>
+                <a:spcPts val="3400"/>
               </a:spcBef>
-              <a:defRPr sz="3318"/>
+              <a:defRPr sz="3234"/>
             </a:pPr>
             <a:r>
               <a:t>Hasn’t much for clustering/federation, but Cypher can be used in TinkerPop</a:t>
             </a:r>
           </a:p>
           <a:p>
-            <a:pPr marL="435432" indent="-435432" defTabSz="649009">
+            <a:pPr marL="424408" indent="-424408" defTabSz="632579">
               <a:spcBef>
-                <a:spcPts val="3500"/>
+                <a:spcPts val="3400"/>
               </a:spcBef>
-              <a:defRPr sz="3318"/>
+              <a:defRPr sz="3234"/>
             </a:pPr>
             <a:r>
               <a:t>More commercial (not necessarily good)</a:t>
             </a:r>
           </a:p>
           <a:p>
-            <a:pPr lvl="1" marL="746455" indent="-435432" defTabSz="649009">
+            <a:pPr lvl="1" marL="727557" indent="-424408" defTabSz="632579">
               <a:spcBef>
-                <a:spcPts val="3500"/>
+                <a:spcPts val="3400"/>
               </a:spcBef>
-              <a:defRPr sz="3318"/>
+              <a:defRPr sz="3234"/>
             </a:pPr>
             <a:r>
               <a:t>Cool management interface</a:t>
             </a:r>
           </a:p>
           <a:p>
-            <a:pPr lvl="1" marL="746455" indent="-435432" defTabSz="649009">
+            <a:pPr lvl="1" marL="727557" indent="-424408" defTabSz="632579">
               <a:spcBef>
-                <a:spcPts val="3500"/>
+                <a:spcPts val="3400"/>
               </a:spcBef>
-              <a:defRPr sz="3318"/>
+              <a:defRPr sz="3234"/>
             </a:pPr>
             <a:r>
               <a:t>Probably easier to use for the average Java developer</a:t>
@@ -5290,7 +5271,7 @@
       </p:sp>
       <p:sp>
         <p:nvSpPr>
-          <p:cNvPr id="205" name="Image credits: https://goo.gl/YLhCXG"/>
+          <p:cNvPr id="207" name="Image credits: https://goo.gl/YLhCXG"/>
           <p:cNvSpPr txBox="1"/>
           <p:nvPr/>
         </p:nvSpPr>
@@ -5335,7 +5316,7 @@
       </p:sp>
       <p:pic>
         <p:nvPicPr>
-          <p:cNvPr id="206" name="graphdb_model.jpg" descr="graphdb_model.jpg"/>
+          <p:cNvPr id="208" name="graphdb_model.jpg" descr="graphdb_model.jpg"/>
           <p:cNvPicPr>
             <a:picLocks noChangeAspect="1"/>
           </p:cNvPicPr>
@@ -5391,7 +5372,7 @@
       </p:grpSpPr>
       <p:sp>
         <p:nvSpPr>
-          <p:cNvPr id="208" name="Neo4j Data Model"/>
+          <p:cNvPr id="210" name="Neo4j Data Model"/>
           <p:cNvSpPr txBox="1"/>
           <p:nvPr>
             <p:ph type="body" idx="14"/>
@@ -5399,7 +5380,7 @@
         </p:nvSpPr>
         <p:spPr>
           <a:xfrm>
-            <a:off x="1833839" y="-1"/>
+            <a:off x="1833839" y="0"/>
             <a:ext cx="14716126" cy="1222376"/>
           </a:xfrm>
           <a:prstGeom prst="rect">
@@ -5423,7 +5404,7 @@
       </p:sp>
       <p:pic>
         <p:nvPicPr>
-          <p:cNvPr id="209" name="neo4j_graph.png" descr="neo4j_graph.png"/>
+          <p:cNvPr id="211" name="neo4j_graph.png" descr="neo4j_graph.png"/>
           <p:cNvPicPr>
             <a:picLocks noChangeAspect="1"/>
           </p:cNvPicPr>
@@ -5440,8 +5421,8 @@
         </p:blipFill>
         <p:spPr>
           <a:xfrm>
-            <a:off x="1833839" y="1701800"/>
-            <a:ext cx="20448374" cy="11804966"/>
+            <a:off x="1833839" y="1701799"/>
+            <a:ext cx="20448374" cy="11804967"/>
           </a:xfrm>
           <a:prstGeom prst="rect">
             <a:avLst/>
@@ -5453,14 +5434,14 @@
       </p:pic>
       <p:sp>
         <p:nvSpPr>
-          <p:cNvPr id="210" name="Text"/>
+          <p:cNvPr id="212" name="Text"/>
           <p:cNvSpPr txBox="1"/>
           <p:nvPr/>
         </p:nvSpPr>
         <p:spPr>
           <a:xfrm>
             <a:off x="15118810" y="11693610"/>
-            <a:ext cx="1459206" cy="1108076"/>
+            <a:ext cx="1459205" cy="1108076"/>
           </a:xfrm>
           <a:prstGeom prst="rect">
             <a:avLst/>
@@ -5481,7 +5462,7 @@
       </p:sp>
       <p:sp>
         <p:nvSpPr>
-          <p:cNvPr id="211" name="Both nodes and relations can have attributes"/>
+          <p:cNvPr id="213" name="Both nodes and relations can have attributes"/>
           <p:cNvSpPr txBox="1"/>
           <p:nvPr/>
         </p:nvSpPr>
@@ -5532,7 +5513,7 @@
       </p:sp>
       <p:sp>
         <p:nvSpPr>
-          <p:cNvPr id="212" name="Nodes &amp; relations have labels  (i.e., string-based types)"/>
+          <p:cNvPr id="214" name="Nodes &amp; relations have labels  (i.e., string-based types)"/>
           <p:cNvSpPr txBox="1"/>
           <p:nvPr/>
         </p:nvSpPr>
@@ -5585,7 +5566,7 @@
       </p:sp>
       <p:sp>
         <p:nvSpPr>
-          <p:cNvPr id="213" name="Cool management interface (SPARQL version might be a student project)"/>
+          <p:cNvPr id="215" name="Cool management interface (SPARQL version might be a student project)"/>
           <p:cNvSpPr txBox="1"/>
           <p:nvPr/>
         </p:nvSpPr>
@@ -5664,7 +5645,7 @@
       </p:grpSpPr>
       <p:sp>
         <p:nvSpPr>
-          <p:cNvPr id="215" name="Cypher Query/DM Language"/>
+          <p:cNvPr id="217" name="Cypher Query/DM Language"/>
           <p:cNvSpPr txBox="1"/>
           <p:nvPr>
             <p:ph type="body" idx="14"/>
@@ -5696,7 +5677,7 @@
       </p:sp>
       <p:sp>
         <p:nvSpPr>
-          <p:cNvPr id="216" name="Proteins-&gt;Reactions-&gt;Pathways: // chain of paths, node selection via property (exploits indices) MATCH (prot:Protein) - [csby:consumed_by] -&gt; (:Reaction) - [:part_of] -&gt; (pway:Path{ title: ‘apoptosis’ }) // further conditions, but often not performant WHERE protein.name =~ ‘(?i)^DNA.+’ // Usual projection and post-selection operators RETURN prot.name, pway // Relations can have properties ORDER BY csby.pvalue LIMIT 1000"/>
+          <p:cNvPr id="218" name="Proteins-&gt;Reactions-&gt;Pathways: // chain of paths, node selection via property (exploits indices) MATCH (prot:Protein) - [csby:consumed_by] -&gt; (:Reaction) - [:part_of] -&gt; (pway:Path{ title: ‘apoptosis’ }) // further conditions, but often not performant WHERE protein.name =~ ‘(?i)^DNA.+’ // Usual projection and post-selection operators RETURN prot.name, pway // Relations can have properties ORDER BY csby.pvalue LIMIT 1000"/>
           <p:cNvSpPr txBox="1"/>
           <p:nvPr/>
         </p:nvSpPr>
@@ -5782,7 +5763,7 @@
       </p:sp>
       <p:sp>
         <p:nvSpPr>
-          <p:cNvPr id="217" name="Single-path (or same-direction branching) easy to write: MATCH (prot:Protein) - [:pd_by|cs_by] -&gt; (:Reaction) - [:part_of*1..3] -&gt; (pway:Path) RETURN ID(prot), ID(pway) LIMIT 1000 // Very compact forms available, depending on the data MATCH (prot:Protein) - (pway:Path) RETURN pway"/>
+          <p:cNvPr id="219" name="Single-path (or same-direction branching) easy to write: MATCH (prot:Protein) - [:pd_by|cs_by] -&gt; (:Reaction) - [:part_of*1..3] -&gt; (pway:Path) RETURN ID(prot), ID(pway) LIMIT 1000 // Very compact forms available, depending on the data MATCH (prot:Protein) - (pway:Path) RETURN pway"/>
           <p:cNvSpPr txBox="1"/>
           <p:nvPr/>
         </p:nvSpPr>
@@ -5874,7 +5855,7 @@
       </p:grpSpPr>
       <p:sp>
         <p:nvSpPr>
-          <p:cNvPr id="219" name="Cypher Query/DM Language"/>
+          <p:cNvPr id="221" name="Cypher Query/DM Language"/>
           <p:cNvSpPr txBox="1"/>
           <p:nvPr>
             <p:ph type="body" idx="14"/>
@@ -5906,13 +5887,13 @@
       </p:sp>
       <p:sp>
         <p:nvSpPr>
-          <p:cNvPr id="220" name="DML features: MATCH (prot:Protein{ name:’P53’ }), (pway:Path{ title:’apoptosis’}) CREATE (prot) - [:participates_in] -&gt; (pway)"/>
+          <p:cNvPr id="222" name="DML features: MATCH (prot:Protein{ name:’P53’ }), (pway:Path{ title:’apoptosis’}) CREATE (prot) - [:participates_in] -&gt; (pway)"/>
           <p:cNvSpPr txBox="1"/>
           <p:nvPr/>
         </p:nvSpPr>
         <p:spPr>
           <a:xfrm>
-            <a:off x="776450" y="2492491"/>
+            <a:off x="776450" y="2492492"/>
             <a:ext cx="14531799" cy="2860676"/>
           </a:xfrm>
           <a:prstGeom prst="rect">
@@ -5965,7 +5946,7 @@
       </p:sp>
       <p:sp>
         <p:nvSpPr>
-          <p:cNvPr id="221" name="DML features, embeddable in Java/Python/etc: UNWIND $rows AS row // $rows set by the invoker, programmatically MATCH (prot:Protein{ id: row.protId }), (pway:Path{ id:row.pathId }) CREATE (prot) - [relation:participates_in] -&gt; (pway) SET relation = row.relationAttributes"/>
+          <p:cNvPr id="223" name="DML features, embeddable in Java/Python/etc: UNWIND $rows AS row // $rows set by the invoker, programmatically MATCH (prot:Protein{ id: row.protId }), (pway:Path{ id:row.pathId }) CREATE (prot) - [relation:participates_in] -&gt; (pway) SET relation = row.relationAttributes"/>
           <p:cNvSpPr txBox="1"/>
           <p:nvPr/>
         </p:nvSpPr>
@@ -6064,6 +6045,10 @@
           </p:nvPr>
         </p:nvSpPr>
         <p:spPr>
+          <a:xfrm>
+            <a:off x="923494" y="320675"/>
+            <a:ext cx="16430626" cy="2000250"/>
+          </a:xfrm>
           <a:prstGeom prst="rect">
             <a:avLst/>
           </a:prstGeom>
@@ -6089,8 +6074,8 @@
         </p:nvSpPr>
         <p:spPr>
           <a:xfrm>
-            <a:off x="3976687" y="2857500"/>
-            <a:ext cx="18126206" cy="10577069"/>
+            <a:off x="923494" y="2808808"/>
+            <a:ext cx="22745598" cy="10625761"/>
           </a:xfrm>
           <a:prstGeom prst="rect">
             <a:avLst/>
@@ -6100,11 +6085,11 @@
           <a:bodyPr/>
           <a:lstStyle/>
           <a:p>
-            <a:pPr marL="528637" indent="-528637" defTabSz="665440">
+            <a:pPr marL="639586" indent="-639586" defTabSz="805100">
               <a:spcBef>
-                <a:spcPts val="4700"/>
+                <a:spcPts val="5700"/>
               </a:spcBef>
-              <a:defRPr sz="4050"/>
+              <a:defRPr sz="4900"/>
             </a:pPr>
             <a:r>
               <a:t>Evaluate </a:t>
@@ -6122,25 +6107,33 @@
             </a:r>
           </a:p>
           <a:p>
-            <a:pPr marL="528637" indent="-528637" defTabSz="665440">
+            <a:pPr marL="639586" indent="-639586" defTabSz="805100">
               <a:spcBef>
-                <a:spcPts val="4700"/>
+                <a:spcPts val="5700"/>
               </a:spcBef>
-              <a:defRPr sz="4050"/>
+              <a:defRPr sz="4900"/>
             </a:pPr>
             <a:r>
-              <a:t>Assess GDBs as kNetMiner/ONDEX backends</a:t>
-            </a:r>
-          </a:p>
-          <a:p>
-            <a:pPr marL="528637" indent="-528637" defTabSz="665440">
+              <a:t>Assess GDBs as kNetMiner/ONDEX </a:t>
+            </a:r>
+            <a:r>
+              <a:rPr>
+                <a:solidFill>
+                  <a:srgbClr val="FFFB00"/>
+                </a:solidFill>
+              </a:rPr>
+              <a:t>backends</a:t>
+            </a:r>
+          </a:p>
+          <a:p>
+            <a:pPr marL="639586" indent="-639586" defTabSz="805100">
               <a:spcBef>
-                <a:spcPts val="4700"/>
+                <a:spcPts val="5700"/>
               </a:spcBef>
-              <a:defRPr sz="4050"/>
+              <a:defRPr sz="4900"/>
             </a:pPr>
             <a:r>
-              <a:t>Evaluate </a:t>
+              <a:t>Evaluate a </a:t>
             </a:r>
             <a:r>
               <a:rPr>
@@ -6155,14 +6148,14 @@
             </a:r>
           </a:p>
           <a:p>
-            <a:pPr marL="528637" indent="-528637" defTabSz="665440">
+            <a:pPr marL="639586" indent="-639586" defTabSz="805100">
               <a:spcBef>
-                <a:spcPts val="4700"/>
+                <a:spcPts val="5700"/>
               </a:spcBef>
-              <a:defRPr sz="4050"/>
+              <a:defRPr sz="4900"/>
             </a:pPr>
             <a:r>
-              <a:t>Establish a </a:t>
+              <a:t>Evaluate a new </a:t>
             </a:r>
             <a:r>
               <a:rPr>
@@ -6177,14 +6170,14 @@
             </a:r>
           </a:p>
           <a:p>
-            <a:pPr marL="528637" indent="-528637" defTabSz="665440">
+            <a:pPr lvl="1" marL="1100088" indent="-639586" defTabSz="805100">
               <a:spcBef>
-                <a:spcPts val="4700"/>
+                <a:spcPts val="5700"/>
               </a:spcBef>
-              <a:defRPr sz="4050"/>
+              <a:defRPr sz="4900"/>
             </a:pPr>
             <a:r>
-              <a:t>And hence, </a:t>
+              <a:t>and hence, </a:t>
             </a:r>
             <a:r>
               <a:rPr>
@@ -6199,11 +6192,11 @@
             </a:r>
           </a:p>
           <a:p>
-            <a:pPr marL="528637" indent="-528637" defTabSz="665440">
+            <a:pPr marL="639586" indent="-639586" defTabSz="805100">
               <a:spcBef>
-                <a:spcPts val="4700"/>
+                <a:spcPts val="5700"/>
               </a:spcBef>
-              <a:defRPr sz="4050"/>
+              <a:defRPr sz="4900"/>
             </a:pPr>
             <a:r>
               <a:t>Assess </a:t>
@@ -6221,11 +6214,11 @@
             </a:r>
           </a:p>
           <a:p>
-            <a:pPr marL="528637" indent="-528637" defTabSz="665440">
+            <a:pPr marL="639586" indent="-639586" defTabSz="805100">
               <a:spcBef>
-                <a:spcPts val="4700"/>
+                <a:spcPts val="5700"/>
               </a:spcBef>
-              <a:defRPr sz="4050"/>
+              <a:defRPr sz="4900"/>
             </a:pPr>
             <a:r>
               <a:t>Assess that </a:t>
@@ -6272,7 +6265,7 @@
       </p:grpSpPr>
       <p:sp>
         <p:nvSpPr>
-          <p:cNvPr id="223" name="Cypher/Neo4j Performance"/>
+          <p:cNvPr id="225" name="Cypher/Neo4j Performance"/>
           <p:cNvSpPr txBox="1"/>
           <p:nvPr>
             <p:ph type="title"/>
@@ -6281,7 +6274,7 @@
         <p:spPr>
           <a:xfrm>
             <a:off x="2000167" y="857250"/>
-            <a:ext cx="16430626" cy="2000251"/>
+            <a:ext cx="16430626" cy="2000250"/>
           </a:xfrm>
           <a:prstGeom prst="rect">
             <a:avLst/>
@@ -6300,7 +6293,7 @@
       </p:sp>
       <p:sp>
         <p:nvSpPr>
-          <p:cNvPr id="224" name="Simple, common queries"/>
+          <p:cNvPr id="226" name="Simple, common queries"/>
           <p:cNvSpPr txBox="1"/>
           <p:nvPr/>
         </p:nvSpPr>
@@ -6336,7 +6329,7 @@
       </p:sp>
       <p:pic>
         <p:nvPicPr>
-          <p:cNvPr id="225" name="Image" descr="Image"/>
+          <p:cNvPr id="227" name="Image" descr="Image"/>
           <p:cNvPicPr>
             <a:picLocks noChangeAspect="1"/>
           </p:cNvPicPr>
@@ -6391,7 +6384,7 @@
       </p:grpSpPr>
       <p:sp>
         <p:nvSpPr>
-          <p:cNvPr id="227" name="Cypher/Neo4j Performance"/>
+          <p:cNvPr id="229" name="Cypher/Neo4j Performance"/>
           <p:cNvSpPr txBox="1"/>
           <p:nvPr>
             <p:ph type="title"/>
@@ -6415,7 +6408,7 @@
       </p:sp>
       <p:sp>
         <p:nvSpPr>
-          <p:cNvPr id="228" name="Path Queries"/>
+          <p:cNvPr id="230" name="Path Queries"/>
           <p:cNvSpPr txBox="1"/>
           <p:nvPr/>
         </p:nvSpPr>
@@ -6451,7 +6444,7 @@
       </p:sp>
       <p:pic>
         <p:nvPicPr>
-          <p:cNvPr id="229" name="Image" descr="Image"/>
+          <p:cNvPr id="231" name="Image" descr="Image"/>
           <p:cNvPicPr>
             <a:picLocks noChangeAspect="1"/>
           </p:cNvPicPr>
@@ -6506,7 +6499,7 @@
       </p:grpSpPr>
       <p:sp>
         <p:nvSpPr>
-          <p:cNvPr id="231" name="Sounds Good, But…"/>
+          <p:cNvPr id="233" name="Sounds Good, But…"/>
           <p:cNvSpPr txBox="1"/>
           <p:nvPr>
             <p:ph type="body" idx="14"/>
@@ -6538,7 +6531,7 @@
       </p:sp>
       <p:sp>
         <p:nvSpPr>
-          <p:cNvPr id="232" name="select distinct ?prot ?pway { where {     # Branch 1     …   } union {      # Branch 2      …      {          # Branch 2.1      }       union {        # Branch 2.2     }      …  } }"/>
+          <p:cNvPr id="234" name="select distinct ?prot ?pway { where {     # Branch 1     …   } union {      # Branch 2      …      {          # Branch 2.1      }       union {        # Branch 2.2     }      …  } }"/>
           <p:cNvSpPr txBox="1"/>
           <p:nvPr/>
         </p:nvSpPr>
@@ -6716,28 +6709,28 @@
       </p:sp>
       <p:grpSp>
         <p:nvGrpSpPr>
-          <p:cNvPr id="235" name="Group"/>
+          <p:cNvPr id="237" name="Group"/>
           <p:cNvGrpSpPr/>
           <p:nvPr/>
         </p:nvGrpSpPr>
         <p:grpSpPr>
           <a:xfrm>
-            <a:off x="13320319" y="8581121"/>
-            <a:ext cx="7953356" cy="5134879"/>
+            <a:off x="13320318" y="8581121"/>
+            <a:ext cx="7953357" cy="5134879"/>
             <a:chOff x="0" y="0"/>
             <a:chExt cx="7953355" cy="5134878"/>
           </a:xfrm>
         </p:grpSpPr>
         <p:sp>
           <p:nvSpPr>
-            <p:cNvPr id="233" name="Rounded Rectangle"/>
+            <p:cNvPr id="235" name="Rounded Rectangle"/>
             <p:cNvSpPr/>
             <p:nvPr/>
           </p:nvSpPr>
           <p:spPr>
             <a:xfrm>
               <a:off x="95674" y="125832"/>
-              <a:ext cx="7762009" cy="4930361"/>
+              <a:ext cx="7762008" cy="4930361"/>
             </a:xfrm>
             <a:prstGeom prst="roundRect">
               <a:avLst>
@@ -6772,7 +6765,7 @@
         </p:sp>
         <p:pic>
           <p:nvPicPr>
-            <p:cNvPr id="234" name="ara_knet_pattern.png" descr="ara_knet_pattern.png"/>
+            <p:cNvPr id="236" name="ara_knet_pattern.png" descr="ara_knet_pattern.png"/>
             <p:cNvPicPr>
               <a:picLocks noChangeAspect="1"/>
             </p:cNvPicPr>
@@ -6804,7 +6797,7 @@
       </p:grpSp>
       <p:sp>
         <p:nvSpPr>
-          <p:cNvPr id="236" name="In Cypher?!…"/>
+          <p:cNvPr id="238" name="In Cypher?!…"/>
           <p:cNvSpPr txBox="1"/>
           <p:nvPr>
             <p:ph type="body" sz="half" idx="4294967295"/>
@@ -6876,7 +6869,7 @@
       </p:sp>
       <p:sp>
         <p:nvSpPr>
-          <p:cNvPr id="237" name="MATCH (prot:Protein) &lt;- [:ac_by] - (:Enzyme) &lt;- [:ca_by] - (:Transport) &lt;- [:part_of] - (pway:Path) RETURN prot, pway LIMIT 100 UNION MATCH (prot:Protein) - [:is_a] -&gt; (:Enzyme) &lt;- [:ca_by] - (:Transport) &lt;- [:part_of] - (pway:Path) RETURN prot, pway LIMIT 100"/>
+          <p:cNvPr id="239" name="MATCH (prot:Protein) &lt;- [:ac_by] - (:Enzyme) &lt;- [:ca_by] - (:Transport) &lt;- [:part_of] - (pway:Path) RETURN prot, pway LIMIT 100 UNION MATCH (prot:Protein) - [:is_a] -&gt; (:Enzyme) &lt;- [:ca_by] - (:Transport) &lt;- [:part_of] - (pway:Path) RETURN prot, pway LIMIT 100"/>
           <p:cNvSpPr txBox="1"/>
           <p:nvPr/>
         </p:nvSpPr>
@@ -6959,7 +6952,7 @@
       </p:grpSpPr>
       <p:sp>
         <p:nvSpPr>
-          <p:cNvPr id="239" name="Sounds Good, But…"/>
+          <p:cNvPr id="241" name="ADDENDUM"/>
           <p:cNvSpPr txBox="1"/>
           <p:nvPr>
             <p:ph type="body" idx="14"/>
@@ -6967,7 +6960,7 @@
         </p:nvSpPr>
         <p:spPr>
           <a:xfrm>
-            <a:off x="462987" y="307095"/>
+            <a:off x="210100" y="283352"/>
             <a:ext cx="15231051" cy="1222376"/>
           </a:xfrm>
           <a:prstGeom prst="rect">
@@ -6984,23 +6977,289 @@
           <a:p>
             <a:pPr/>
             <a:r>
-              <a:t>Sounds Good, But…</a:t>
+              <a:t>ADDENDUM</a:t>
             </a:r>
           </a:p>
         </p:txBody>
       </p:sp>
       <p:sp>
         <p:nvSpPr>
-          <p:cNvPr id="240" name="What about schemas/metadata/ontologies?…"/>
+          <p:cNvPr id="242" name="select distinct ?prot ?pway { where {     # Branch 1     …   } union {      # Branch 2      …      {          # Branch 2.1      }       union {        # Branch 2.2     }      …  } }"/>
+          <p:cNvSpPr txBox="1"/>
+          <p:nvPr/>
+        </p:nvSpPr>
+        <p:spPr>
+          <a:xfrm>
+            <a:off x="210100" y="2024062"/>
+            <a:ext cx="5164659" cy="9667876"/>
+          </a:xfrm>
+          <a:prstGeom prst="rect">
+            <a:avLst/>
+          </a:prstGeom>
+          <a:ln w="25400">
+            <a:solidFill>
+              <a:srgbClr val="FFFFFF"/>
+            </a:solidFill>
+            <a:miter lim="400000"/>
+          </a:ln>
+          <a:extLst>
+            <a:ext uri="{C572A759-6A51-4108-AA02-DFA0A04FC94B}">
+              <ma14:wrappingTextBoxFlag xmlns:ma14="http://schemas.microsoft.com/office/mac/drawingml/2011/main" val="1"/>
+            </a:ext>
+          </a:extLst>
+        </p:spPr>
+        <p:txBody>
+          <a:bodyPr wrap="none" lIns="71437" tIns="71437" rIns="71437" bIns="71437" anchor="ctr">
+            <a:spAutoFit/>
+          </a:bodyPr>
+          <a:lstStyle/>
+          <a:p>
+            <a:pPr algn="l">
+              <a:spcBef>
+                <a:spcPts val="4500"/>
+              </a:spcBef>
+              <a:defRPr sz="3200"/>
+            </a:pPr>
+            <a:r>
+              <a:t>select distinct ?prot ?pway {</a:t>
+            </a:r>
+            <a:br/>
+            <a:r>
+              <a:t>where {</a:t>
+            </a:r>
+            <a:br/>
+            <a:r>
+              <a:t>    </a:t>
+            </a:r>
+            <a:r>
+              <a:rPr>
+                <a:solidFill>
+                  <a:schemeClr val="accent5">
+                    <a:hueOff val="-129837"/>
+                    <a:lumOff val="6998"/>
+                  </a:schemeClr>
+                </a:solidFill>
+                <a:latin typeface="Avenir Heavy"/>
+                <a:ea typeface="Avenir Heavy"/>
+                <a:cs typeface="Avenir Heavy"/>
+                <a:sym typeface="Avenir Heavy"/>
+              </a:rPr>
+              <a:t># Branch 1</a:t>
+            </a:r>
+            <a:br/>
+            <a:r>
+              <a:t>    …</a:t>
+            </a:r>
+            <a:br/>
+            <a:r>
+              <a:t>  }</a:t>
+            </a:r>
+            <a:br/>
+            <a:r>
+              <a:t>union {</a:t>
+            </a:r>
+            <a:br/>
+            <a:r>
+              <a:t>     </a:t>
+            </a:r>
+            <a:r>
+              <a:rPr>
+                <a:solidFill>
+                  <a:srgbClr val="0433FF"/>
+                </a:solidFill>
+                <a:latin typeface="Avenir Heavy"/>
+                <a:ea typeface="Avenir Heavy"/>
+                <a:cs typeface="Avenir Heavy"/>
+                <a:sym typeface="Avenir Heavy"/>
+              </a:rPr>
+              <a:t># Branch 2</a:t>
+            </a:r>
+            <a:br>
+              <a:rPr>
+                <a:solidFill>
+                  <a:srgbClr val="0433FF"/>
+                </a:solidFill>
+                <a:latin typeface="Avenir Heavy"/>
+                <a:ea typeface="Avenir Heavy"/>
+                <a:cs typeface="Avenir Heavy"/>
+                <a:sym typeface="Avenir Heavy"/>
+              </a:rPr>
+            </a:br>
+            <a:r>
+              <a:rPr>
+                <a:solidFill>
+                  <a:srgbClr val="0433FF"/>
+                </a:solidFill>
+                <a:latin typeface="Avenir Heavy"/>
+                <a:ea typeface="Avenir Heavy"/>
+                <a:cs typeface="Avenir Heavy"/>
+                <a:sym typeface="Avenir Heavy"/>
+              </a:rPr>
+              <a:t>     …</a:t>
+            </a:r>
+            <a:br/>
+            <a:r>
+              <a:t>     {  </a:t>
+            </a:r>
+            <a:br/>
+            <a:r>
+              <a:t>       </a:t>
+            </a:r>
+            <a:r>
+              <a:rPr>
+                <a:solidFill>
+                  <a:srgbClr val="0433FF"/>
+                </a:solidFill>
+                <a:latin typeface="Avenir Heavy"/>
+                <a:ea typeface="Avenir Heavy"/>
+                <a:cs typeface="Avenir Heavy"/>
+                <a:sym typeface="Avenir Heavy"/>
+              </a:rPr>
+              <a:t># Branch 2.1</a:t>
+            </a:r>
+            <a:br/>
+            <a:r>
+              <a:t>     } </a:t>
+            </a:r>
+            <a:br/>
+            <a:r>
+              <a:t>     union {</a:t>
+            </a:r>
+            <a:br/>
+            <a:r>
+              <a:t>       </a:t>
+            </a:r>
+            <a:r>
+              <a:rPr>
+                <a:solidFill>
+                  <a:srgbClr val="00FCFF"/>
+                </a:solidFill>
+                <a:latin typeface="Avenir Heavy"/>
+                <a:ea typeface="Avenir Heavy"/>
+                <a:cs typeface="Avenir Heavy"/>
+                <a:sym typeface="Avenir Heavy"/>
+              </a:rPr>
+              <a:t># Branch 2.2</a:t>
+            </a:r>
+            <a:br/>
+            <a:r>
+              <a:t>    }   </a:t>
+            </a:r>
+            <a:br/>
+            <a:r>
+              <a:t>  …</a:t>
+            </a:r>
+            <a:br/>
+            <a:r>
+              <a:t> }</a:t>
+            </a:r>
+            <a:br/>
+            <a:r>
+              <a:t>}</a:t>
+            </a:r>
+          </a:p>
+        </p:txBody>
+      </p:sp>
+      <p:grpSp>
+        <p:nvGrpSpPr>
+          <p:cNvPr id="245" name="Group"/>
+          <p:cNvGrpSpPr/>
+          <p:nvPr/>
+        </p:nvGrpSpPr>
+        <p:grpSpPr>
+          <a:xfrm>
+            <a:off x="16430644" y="8581121"/>
+            <a:ext cx="7953357" cy="5134880"/>
+            <a:chOff x="0" y="0"/>
+            <a:chExt cx="7953355" cy="5134878"/>
+          </a:xfrm>
+        </p:grpSpPr>
+        <p:sp>
+          <p:nvSpPr>
+            <p:cNvPr id="243" name="Rounded Rectangle"/>
+            <p:cNvSpPr/>
+            <p:nvPr/>
+          </p:nvSpPr>
+          <p:spPr>
+            <a:xfrm>
+              <a:off x="95674" y="125832"/>
+              <a:ext cx="7762008" cy="4930361"/>
+            </a:xfrm>
+            <a:prstGeom prst="roundRect">
+              <a:avLst>
+                <a:gd name="adj" fmla="val 2568"/>
+              </a:avLst>
+            </a:prstGeom>
+            <a:solidFill>
+              <a:srgbClr val="FFFFFF"/>
+            </a:solidFill>
+            <a:ln w="12700" cap="flat">
+              <a:noFill/>
+              <a:miter lim="400000"/>
+            </a:ln>
+            <a:effectLst/>
+          </p:spPr>
+          <p:txBody>
+            <a:bodyPr wrap="square" lIns="71437" tIns="71437" rIns="71437" bIns="71437" numCol="1" anchor="ctr">
+              <a:noAutofit/>
+            </a:bodyPr>
+            <a:lstStyle/>
+            <a:p>
+              <a:pPr>
+                <a:defRPr cap="all" spc="512" sz="3200">
+                  <a:latin typeface="Avenir Medium"/>
+                  <a:ea typeface="Avenir Medium"/>
+                  <a:cs typeface="Avenir Medium"/>
+                  <a:sym typeface="Avenir Medium"/>
+                </a:defRPr>
+              </a:pPr>
+            </a:p>
+          </p:txBody>
+        </p:sp>
+        <p:pic>
+          <p:nvPicPr>
+            <p:cNvPr id="244" name="ara_knet_pattern.png" descr="ara_knet_pattern.png"/>
+            <p:cNvPicPr>
+              <a:picLocks noChangeAspect="1"/>
+            </p:cNvPicPr>
+            <p:nvPr/>
+          </p:nvPicPr>
+          <p:blipFill>
+            <a:blip r:embed="rId2">
+              <a:extLst/>
+            </a:blip>
+            <a:stretch>
+              <a:fillRect/>
+            </a:stretch>
+          </p:blipFill>
+          <p:spPr>
+            <a:xfrm>
+              <a:off x="0" y="0"/>
+              <a:ext cx="7953356" cy="5134879"/>
+            </a:xfrm>
+            <a:prstGeom prst="rect">
+              <a:avLst/>
+            </a:prstGeom>
+            <a:ln w="12700" cap="flat">
+              <a:noFill/>
+              <a:miter lim="400000"/>
+            </a:ln>
+            <a:effectLst/>
+          </p:spPr>
+        </p:pic>
+      </p:grpSp>
+      <p:sp>
+        <p:nvSpPr>
+          <p:cNvPr id="246" name="In Cypher?! Unions+branches partially possible by means of paths in WHERE:"/>
           <p:cNvSpPr txBox="1"/>
           <p:nvPr>
-            <p:ph type="body" idx="4294967295"/>
+            <p:ph type="body" sz="quarter" idx="4294967295"/>
           </p:nvPr>
         </p:nvSpPr>
         <p:spPr>
           <a:xfrm>
-            <a:off x="462987" y="2060505"/>
-            <a:ext cx="23219717" cy="10679275"/>
+            <a:off x="6493694" y="960479"/>
+            <a:ext cx="18375507" cy="2101767"/>
           </a:xfrm>
           <a:prstGeom prst="rect">
             <a:avLst/>
@@ -7012,7 +7271,7 @@
           <a:p>
             <a:pPr marL="678744" indent="-678744">
               <a:buClrTx/>
-              <a:defRPr sz="5200">
+              <a:defRPr sz="3900">
                 <a:latin typeface="Avenir Heavy"/>
                 <a:ea typeface="Avenir Heavy"/>
                 <a:cs typeface="Avenir Heavy"/>
@@ -7020,43 +7279,215 @@
               </a:defRPr>
             </a:pPr>
             <a:r>
-              <a:t>What about schemas/metadata/ontologies?</a:t>
-            </a:r>
-          </a:p>
-          <a:p>
-            <a:pPr marL="678744" indent="-678744">
-              <a:buClrTx/>
-              <a:defRPr sz="5200"/>
+              <a:t>In Cypher?!</a:t>
+            </a:r>
+            <a:br/>
+            <a:r>
+              <a:rPr>
+                <a:latin typeface="+mn-lt"/>
+                <a:ea typeface="+mn-ea"/>
+                <a:cs typeface="+mn-cs"/>
+                <a:sym typeface="Avenir Light"/>
+              </a:rPr>
+              <a:t>Unions+branches partially possible by means of paths in WHERE:</a:t>
+            </a:r>
+          </a:p>
+        </p:txBody>
+      </p:sp>
+      <p:sp>
+        <p:nvSpPr>
+          <p:cNvPr id="247" name="// Branch 2 MATCH (prot:Protein), (enz:Enzyme), (tns:Transport) - [:part_of] -&gt; (path:Path) WHERE (    (enz) - [:ac_by|:in_by] -&gt; (:Comp) - [:pd_by|:cs_by] -&gt; (tns) // Branch 2.1     OR (tns) - [:ca_by] -&gt; (enz) ) // Branch 2.2    AND ( (prot) - [:is_a] -&gt; (enz) OR (prot) &lt;- [:ac_by] - (enz) ) RETURN prot, path LIMIT 30 UNION  // Branch1 MATCH (prot:Protein) - [:pd_by|:cs_by] -&gt; (:Reaction) - [:part_of] -&gt; (path:Path) RETURN prot, path LIMIT 30"/>
+          <p:cNvSpPr txBox="1"/>
+          <p:nvPr/>
+        </p:nvSpPr>
+        <p:spPr>
+          <a:xfrm>
+            <a:off x="5716527" y="2577197"/>
+            <a:ext cx="18208472" cy="5997576"/>
+          </a:xfrm>
+          <a:prstGeom prst="rect">
+            <a:avLst/>
+          </a:prstGeom>
+          <a:ln w="12700">
+            <a:solidFill>
+              <a:srgbClr val="FFFFFF"/>
+            </a:solidFill>
+            <a:miter lim="400000"/>
+          </a:ln>
+          <a:extLst>
+            <a:ext uri="{C572A759-6A51-4108-AA02-DFA0A04FC94B}">
+              <ma14:wrappingTextBoxFlag xmlns:ma14="http://schemas.microsoft.com/office/mac/drawingml/2011/main" val="1"/>
+            </a:ext>
+          </a:extLst>
+        </p:spPr>
+        <p:txBody>
+          <a:bodyPr lIns="71437" tIns="71437" rIns="71437" bIns="71437" anchor="ctr">
+            <a:spAutoFit/>
+          </a:bodyPr>
+          <a:lstStyle/>
+          <a:p>
+            <a:pPr algn="l">
+              <a:spcBef>
+                <a:spcPts val="4500"/>
+              </a:spcBef>
+              <a:defRPr sz="3400"/>
             </a:pPr>
             <a:r>
-              <a:t>Node and relations can only have multiple labels attached, which are just strings. Rich schema-operations not so easy:</a:t>
-            </a:r>
-          </a:p>
-          <a:p>
-            <a:pPr lvl="1" marL="1148644" indent="-678744">
-              <a:buClrTx/>
-              <a:defRPr sz="5200"/>
+              <a:rPr>
+                <a:latin typeface="Avenir Heavy"/>
+                <a:ea typeface="Avenir Heavy"/>
+                <a:cs typeface="Avenir Heavy"/>
+                <a:sym typeface="Avenir Heavy"/>
+              </a:rPr>
+              <a:t>// Branch 2</a:t>
+            </a:r>
+            <a:br>
+              <a:rPr>
+                <a:latin typeface="Avenir Heavy"/>
+                <a:ea typeface="Avenir Heavy"/>
+                <a:cs typeface="Avenir Heavy"/>
+                <a:sym typeface="Avenir Heavy"/>
+              </a:rPr>
+            </a:br>
+            <a:r>
+              <a:t>MATCH (prot:Protein), (enz:Enzyme), (tns:Transport) - [:part_of] -&gt; (path:Path)</a:t>
+            </a:r>
+            <a:br/>
+            <a:r>
+              <a:t>WHERE (    (enz) - [:ac_by|:in_by] -&gt; (:Comp) - [:pd_by|:cs_by] -&gt; (tns) </a:t>
+            </a:r>
+            <a:r>
+              <a:rPr>
+                <a:latin typeface="Avenir Heavy"/>
+                <a:ea typeface="Avenir Heavy"/>
+                <a:cs typeface="Avenir Heavy"/>
+                <a:sym typeface="Avenir Heavy"/>
+              </a:rPr>
+              <a:t>// Branch 2.1</a:t>
+            </a:r>
+            <a:br/>
+            <a:r>
+              <a:t>    OR (tns) - [:ca_by] -&gt; (enz) ) </a:t>
+            </a:r>
+            <a:r>
+              <a:rPr>
+                <a:latin typeface="Avenir Heavy"/>
+                <a:ea typeface="Avenir Heavy"/>
+                <a:cs typeface="Avenir Heavy"/>
+                <a:sym typeface="Avenir Heavy"/>
+              </a:rPr>
+              <a:t>// Branch 2.2</a:t>
+            </a:r>
+            <a:br/>
+            <a:r>
+              <a:t>   AND ( (prot) - [:is_a] -&gt; (enz) OR (prot) &lt;- [:ac_by] - (enz) )</a:t>
+            </a:r>
+            <a:br/>
+            <a:r>
+              <a:t>RETURN prot, path LIMIT 30</a:t>
+            </a:r>
+            <a:br/>
+            <a:r>
+              <a:t>UNION </a:t>
+            </a:r>
+            <a:br/>
+            <a:r>
+              <a:rPr>
+                <a:latin typeface="Avenir Heavy"/>
+                <a:ea typeface="Avenir Heavy"/>
+                <a:cs typeface="Avenir Heavy"/>
+                <a:sym typeface="Avenir Heavy"/>
+              </a:rPr>
+              <a:t>// Branch1</a:t>
+            </a:r>
+            <a:br>
+              <a:rPr>
+                <a:latin typeface="Avenir Heavy"/>
+                <a:ea typeface="Avenir Heavy"/>
+                <a:cs typeface="Avenir Heavy"/>
+                <a:sym typeface="Avenir Heavy"/>
+              </a:rPr>
+            </a:br>
+            <a:r>
+              <a:t>MATCH (prot:Protein) - [:pd_by|:cs_by] -&gt; (:Reaction) - [:part_of] -&gt; (path:Path)</a:t>
+            </a:r>
+            <a:br/>
+            <a:r>
+              <a:t>RETURN prot, path LIMIT 30</a:t>
+            </a:r>
+          </a:p>
+        </p:txBody>
+      </p:sp>
+      <p:sp>
+        <p:nvSpPr>
+          <p:cNvPr id="248" name="However,…"/>
+          <p:cNvSpPr txBox="1"/>
+          <p:nvPr/>
+        </p:nvSpPr>
+        <p:spPr>
+          <a:xfrm>
+            <a:off x="5710177" y="8824833"/>
+            <a:ext cx="10720468" cy="4647456"/>
+          </a:xfrm>
+          <a:prstGeom prst="rect">
+            <a:avLst/>
+          </a:prstGeom>
+          <a:ln w="12700">
+            <a:miter lim="400000"/>
+          </a:ln>
+          <a:extLst>
+            <a:ext uri="{C572A759-6A51-4108-AA02-DFA0A04FC94B}">
+              <ma14:wrappingTextBoxFlag xmlns:ma14="http://schemas.microsoft.com/office/mac/drawingml/2011/main" val="1"/>
+            </a:ext>
+          </a:extLst>
+        </p:spPr>
+        <p:txBody>
+          <a:bodyPr lIns="71437" tIns="71437" rIns="71437" bIns="71437">
+            <a:normAutofit fontScale="100000" lnSpcReduction="0"/>
+          </a:bodyPr>
+          <a:lstStyle/>
+          <a:p>
+            <a:pPr marL="678744" indent="-678744" algn="l">
+              <a:spcBef>
+                <a:spcPts val="5900"/>
+              </a:spcBef>
+              <a:buSzPct val="90000"/>
+              <a:buChar char="•"/>
+              <a:defRPr sz="3900">
+                <a:latin typeface="Avenir Heavy"/>
+                <a:ea typeface="Avenir Heavy"/>
+                <a:cs typeface="Avenir Heavy"/>
+                <a:sym typeface="Avenir Heavy"/>
+              </a:defRPr>
             </a:pPr>
             <a:r>
-              <a:t>Select any kind of protein, including enzymes, cytokines</a:t>
-            </a:r>
-          </a:p>
-          <a:p>
-            <a:pPr lvl="1" marL="1148644" indent="-678744">
-              <a:buClrTx/>
-              <a:defRPr sz="5200"/>
+              <a:t>However, </a:t>
+            </a:r>
+          </a:p>
+          <a:p>
+            <a:pPr marL="678744" indent="-678744" algn="l">
+              <a:spcBef>
+                <a:spcPts val="5900"/>
+              </a:spcBef>
+              <a:buSzPct val="90000"/>
+              <a:buChar char="•"/>
+              <a:defRPr sz="3900"/>
             </a:pPr>
             <a:r>
-              <a:t>Select any type of interaction, including catalysed by, consumed by, produced by (requires ‘inverse of’ declaration)</a:t>
-            </a:r>
-          </a:p>
-          <a:p>
-            <a:pPr marL="678744" indent="-678744">
-              <a:buClrTx/>
-              <a:defRPr sz="5200"/>
+              <a:t>41249ms  to execute against wheat net.</a:t>
+            </a:r>
+          </a:p>
+          <a:p>
+            <a:pPr marL="678744" indent="-678744" algn="l">
+              <a:spcBef>
+                <a:spcPts val="5900"/>
+              </a:spcBef>
+              <a:buSzPct val="90000"/>
+              <a:buChar char="•"/>
+              <a:defRPr sz="3900"/>
             </a:pPr>
             <a:r>
-              <a:t>Basically, has a relational-oriented view about the schemas</a:t>
+              <a:t>it generates cartesian products and can easily explode</a:t>
             </a:r>
           </a:p>
         </p:txBody>
@@ -7089,7 +7520,7 @@
       </p:grpSpPr>
       <p:sp>
         <p:nvSpPr>
-          <p:cNvPr id="242" name="Sounds Good, But…"/>
+          <p:cNvPr id="250" name="Sounds Good, But…"/>
           <p:cNvSpPr txBox="1"/>
           <p:nvPr>
             <p:ph type="body" idx="14"/>
@@ -7097,7 +7528,7 @@
         </p:nvSpPr>
         <p:spPr>
           <a:xfrm>
-            <a:off x="462987" y="212123"/>
+            <a:off x="462987" y="307095"/>
             <a:ext cx="15231051" cy="1222376"/>
           </a:xfrm>
           <a:prstGeom prst="rect">
@@ -7121,7 +7552,7 @@
       </p:sp>
       <p:sp>
         <p:nvSpPr>
-          <p:cNvPr id="243" name="Basically, it’s relational-oriented, we might still be OK with metadata modelled the same way, however:…"/>
+          <p:cNvPr id="251" name="What about schemas/metadata/ontologies?…"/>
           <p:cNvSpPr txBox="1"/>
           <p:nvPr>
             <p:ph type="body" idx="4294967295"/>
@@ -7129,8 +7560,8 @@
         </p:nvSpPr>
         <p:spPr>
           <a:xfrm>
-            <a:off x="462987" y="1701799"/>
-            <a:ext cx="23596821" cy="11723929"/>
+            <a:off x="462987" y="2060505"/>
+            <a:ext cx="23219717" cy="10679275"/>
           </a:xfrm>
           <a:prstGeom prst="rect">
             <a:avLst/>
@@ -7140,44 +7571,9 @@
           <a:bodyPr anchor="t"/>
           <a:lstStyle/>
           <a:p>
-            <a:pPr marL="515845" indent="-515845" defTabSz="624363">
-              <a:spcBef>
-                <a:spcPts val="4400"/>
-              </a:spcBef>
+            <a:pPr marL="678744" indent="-678744">
               <a:buClrTx/>
-              <a:defRPr sz="3952"/>
-            </a:pPr>
-            <a:r>
-              <a:t>Basically, it’s relational-oriented, we might still be OK with metadata modelled the same way, however:</a:t>
-            </a:r>
-          </a:p>
-          <a:p>
-            <a:pPr marL="515845" indent="-515845" defTabSz="624363">
-              <a:spcBef>
-                <a:spcPts val="4400"/>
-              </a:spcBef>
-              <a:buClrTx/>
-              <a:defRPr sz="3952"/>
-            </a:pPr>
-            <a:r>
-              <a:t>MATCH (molecule:Molecule),</a:t>
-            </a:r>
-            <a:br/>
-            <a:r>
-              <a:t>    (molType:Class)-[:is_a*]-&gt;(:Class{ name:’Protein’ })</a:t>
-            </a:r>
-            <a:br/>
-            <a:r>
-              <a:t>WHERE LABELS molType IN LABELS (molecule)</a:t>
-            </a:r>
-          </a:p>
-          <a:p>
-            <a:pPr lvl="1" marL="872969" indent="-515845" defTabSz="624363">
-              <a:spcBef>
-                <a:spcPts val="4400"/>
-              </a:spcBef>
-              <a:buClrTx/>
-              <a:defRPr sz="3952">
+              <a:defRPr sz="5200">
                 <a:latin typeface="Avenir Heavy"/>
                 <a:ea typeface="Avenir Heavy"/>
                 <a:cs typeface="Avenir Heavy"/>
@@ -7185,72 +7581,43 @@
               </a:defRPr>
             </a:pPr>
             <a:r>
-              <a:t>It’s expensive to compute (doesn’t exploit indices)</a:t>
-            </a:r>
-          </a:p>
-          <a:p>
-            <a:pPr marL="515845" indent="-515845" defTabSz="624363">
-              <a:spcBef>
-                <a:spcPts val="4400"/>
-              </a:spcBef>
+              <a:t>What about schemas/metadata/ontologies?</a:t>
+            </a:r>
+          </a:p>
+          <a:p>
+            <a:pPr marL="678744" indent="-678744">
               <a:buClrTx/>
-              <a:defRPr sz="3952"/>
+              <a:defRPr sz="5200"/>
             </a:pPr>
             <a:r>
-              <a:t>MATCH (molecule:Molecule:$additionalLabel) CREATE …</a:t>
-            </a:r>
-          </a:p>
-          <a:p>
-            <a:pPr lvl="1" marL="872969" indent="-515845" defTabSz="624363">
-              <a:spcBef>
-                <a:spcPts val="4400"/>
-              </a:spcBef>
+              <a:t>Node and relations can only have multiple labels attached, which are just strings. Rich schema-operations not so easy:</a:t>
+            </a:r>
+          </a:p>
+          <a:p>
+            <a:pPr lvl="1" marL="1148644" indent="-678744">
               <a:buClrTx/>
-              <a:defRPr sz="3952"/>
+              <a:defRPr sz="5200"/>
             </a:pPr>
             <a:r>
-              <a:t>Parameterising on labels not possible</a:t>
-            </a:r>
-          </a:p>
-          <a:p>
-            <a:pPr lvl="1" marL="872969" indent="-515845" defTabSz="624363">
-              <a:spcBef>
-                <a:spcPts val="4400"/>
-              </a:spcBef>
+              <a:t>Select any kind of protein, including enzymes, cytokines</a:t>
+            </a:r>
+          </a:p>
+          <a:p>
+            <a:pPr lvl="1" marL="1148644" indent="-678744">
               <a:buClrTx/>
-              <a:defRPr sz="3952"/>
+              <a:defRPr sz="5200"/>
             </a:pPr>
             <a:r>
-              <a:t>Requires non parametric Cypher string =&gt; UNWIND-based bulk loading impossible </a:t>
-            </a:r>
-          </a:p>
-          <a:p>
-            <a:pPr lvl="2" marL="1230093" indent="-515845" defTabSz="624363">
-              <a:spcBef>
-                <a:spcPts val="4400"/>
-              </a:spcBef>
+              <a:t>Select any type of ‘interacts with’, including ‘catalysed by’, ‘consumed by’, ‘produced by’ (might require ‘inverse of’)</a:t>
+            </a:r>
+          </a:p>
+          <a:p>
+            <a:pPr marL="678744" indent="-678744">
               <a:buClrTx/>
-              <a:defRPr sz="3952">
-                <a:latin typeface="Avenir Heavy"/>
-                <a:ea typeface="Avenir Heavy"/>
-                <a:cs typeface="Avenir Heavy"/>
-                <a:sym typeface="Avenir Heavy"/>
-              </a:defRPr>
+              <a:defRPr sz="5200"/>
             </a:pPr>
             <a:r>
-              <a:t>=&gt; bad performance</a:t>
-            </a:r>
-          </a:p>
-          <a:p>
-            <a:pPr lvl="1" marL="872969" indent="-515845" defTabSz="624363">
-              <a:spcBef>
-                <a:spcPts val="4400"/>
-              </a:spcBef>
-              <a:buClrTx/>
-              <a:defRPr sz="3952"/>
-            </a:pPr>
-            <a:r>
-              <a:t>Programmatic approach possible, but a lot of problems with things like Lucene version mismatches</a:t>
+              <a:t>Basically, has a relational-oriented view about the schemas</a:t>
             </a:r>
           </a:p>
         </p:txBody>
@@ -7283,7 +7650,7 @@
       </p:grpSpPr>
       <p:sp>
         <p:nvSpPr>
-          <p:cNvPr id="245" name="Flat, RDF-Like Model"/>
+          <p:cNvPr id="253" name="Sounds Good, But…"/>
           <p:cNvSpPr txBox="1"/>
           <p:nvPr>
             <p:ph type="body" idx="14"/>
@@ -7291,8 +7658,8 @@
         </p:nvSpPr>
         <p:spPr>
           <a:xfrm>
-            <a:off x="571376" y="0"/>
-            <a:ext cx="18116931" cy="1222375"/>
+            <a:off x="462987" y="212123"/>
+            <a:ext cx="15231051" cy="1222376"/>
           </a:xfrm>
           <a:prstGeom prst="rect">
             <a:avLst/>
@@ -7308,41 +7675,147 @@
           <a:p>
             <a:pPr/>
             <a:r>
-              <a:t>Flat, RDF-Like Model</a:t>
+              <a:t>Sounds Good, But…</a:t>
             </a:r>
           </a:p>
         </p:txBody>
       </p:sp>
-      <p:pic>
-        <p:nvPicPr>
-          <p:cNvPr id="246" name="no4j_flat_model.png" descr="no4j_flat_model.png"/>
-          <p:cNvPicPr>
-            <a:picLocks noChangeAspect="1"/>
-          </p:cNvPicPr>
-          <p:nvPr/>
-        </p:nvPicPr>
-        <p:blipFill>
-          <a:blip r:embed="rId2">
-            <a:extLst/>
-          </a:blip>
-          <a:srcRect l="3804" t="8427" r="5586" b="15187"/>
-          <a:stretch>
-            <a:fillRect/>
-          </a:stretch>
-        </p:blipFill>
+      <p:sp>
+        <p:nvSpPr>
+          <p:cNvPr id="254" name="Basically, it’s relational-oriented, we might still be OK with metadata modelled the same way, however:…"/>
+          <p:cNvSpPr txBox="1"/>
+          <p:nvPr>
+            <p:ph type="body" idx="4294967295"/>
+          </p:nvPr>
+        </p:nvSpPr>
         <p:spPr>
           <a:xfrm>
-            <a:off x="571376" y="1343953"/>
-            <a:ext cx="23457474" cy="12093346"/>
+            <a:off x="462987" y="1701800"/>
+            <a:ext cx="23596821" cy="11723928"/>
           </a:xfrm>
           <a:prstGeom prst="rect">
             <a:avLst/>
           </a:prstGeom>
-          <a:ln w="12700">
-            <a:miter lim="400000"/>
-          </a:ln>
-        </p:spPr>
-      </p:pic>
+        </p:spPr>
+        <p:txBody>
+          <a:bodyPr anchor="t"/>
+          <a:lstStyle/>
+          <a:p>
+            <a:pPr marL="515845" indent="-515845" defTabSz="624363">
+              <a:spcBef>
+                <a:spcPts val="4400"/>
+              </a:spcBef>
+              <a:buClrTx/>
+              <a:defRPr sz="3952"/>
+            </a:pPr>
+            <a:r>
+              <a:t>Basically, it’s relational-oriented, we might still be OK with metadata modelled the same way, however:</a:t>
+            </a:r>
+          </a:p>
+          <a:p>
+            <a:pPr marL="515845" indent="-515845" defTabSz="624363">
+              <a:spcBef>
+                <a:spcPts val="4400"/>
+              </a:spcBef>
+              <a:buClrTx/>
+              <a:defRPr sz="3952"/>
+            </a:pPr>
+            <a:r>
+              <a:t>MATCH (molecule:Molecule),</a:t>
+            </a:r>
+            <a:br/>
+            <a:r>
+              <a:t>    (molType:Class)-[:is_a*]-&gt;(:Class{ name:’Protein’ })</a:t>
+            </a:r>
+            <a:br/>
+            <a:r>
+              <a:t>WHERE LABELS molType IN LABELS (molecule)</a:t>
+            </a:r>
+          </a:p>
+          <a:p>
+            <a:pPr lvl="1" marL="872969" indent="-515845" defTabSz="624363">
+              <a:spcBef>
+                <a:spcPts val="4400"/>
+              </a:spcBef>
+              <a:buClrTx/>
+              <a:defRPr sz="3952">
+                <a:latin typeface="Avenir Heavy"/>
+                <a:ea typeface="Avenir Heavy"/>
+                <a:cs typeface="Avenir Heavy"/>
+                <a:sym typeface="Avenir Heavy"/>
+              </a:defRPr>
+            </a:pPr>
+            <a:r>
+              <a:t>It’s expensive to compute (doesn’t exploit indexes)</a:t>
+            </a:r>
+          </a:p>
+          <a:p>
+            <a:pPr marL="515845" indent="-515845" defTabSz="624363">
+              <a:spcBef>
+                <a:spcPts val="4400"/>
+              </a:spcBef>
+              <a:buClrTx/>
+              <a:defRPr sz="3952"/>
+            </a:pPr>
+            <a:r>
+              <a:t>MATCH (molecule:Molecule:$additionalLabel) CREATE …</a:t>
+            </a:r>
+          </a:p>
+          <a:p>
+            <a:pPr lvl="1" marL="872969" indent="-515845" defTabSz="624363">
+              <a:spcBef>
+                <a:spcPts val="4400"/>
+              </a:spcBef>
+              <a:buClrTx/>
+              <a:defRPr sz="3952"/>
+            </a:pPr>
+            <a:r>
+              <a:t>Parameterising on labels not possible</a:t>
+            </a:r>
+          </a:p>
+          <a:p>
+            <a:pPr lvl="1" marL="872969" indent="-515845" defTabSz="624363">
+              <a:spcBef>
+                <a:spcPts val="4400"/>
+              </a:spcBef>
+              <a:buClrTx/>
+              <a:defRPr sz="3952"/>
+            </a:pPr>
+            <a:r>
+              <a:t>Requires non parametric Cypher string =&gt; UNWIND-based bulk loading impossible </a:t>
+            </a:r>
+          </a:p>
+          <a:p>
+            <a:pPr lvl="2" marL="1230093" indent="-515845" defTabSz="624363">
+              <a:spcBef>
+                <a:spcPts val="4400"/>
+              </a:spcBef>
+              <a:buClrTx/>
+              <a:defRPr sz="3952">
+                <a:latin typeface="Avenir Heavy"/>
+                <a:ea typeface="Avenir Heavy"/>
+                <a:cs typeface="Avenir Heavy"/>
+                <a:sym typeface="Avenir Heavy"/>
+              </a:defRPr>
+            </a:pPr>
+            <a:r>
+              <a:t>=&gt; bad performance</a:t>
+            </a:r>
+          </a:p>
+          <a:p>
+            <a:pPr lvl="1" marL="872969" indent="-515845" defTabSz="624363">
+              <a:spcBef>
+                <a:spcPts val="4400"/>
+              </a:spcBef>
+              <a:buClrTx/>
+              <a:defRPr sz="3952"/>
+            </a:pPr>
+            <a:r>
+              <a:t>Programmatic approach possible, but a lot of problems with things like Lucene version mismatches (one reason being that ONDEX would require review and proper plug-in architecture)</a:t>
+            </a:r>
+          </a:p>
+        </p:txBody>
+      </p:sp>
     </p:spTree>
   </p:cSld>
   <p:clrMapOvr>
@@ -7371,7 +7844,7 @@
       </p:grpSpPr>
       <p:sp>
         <p:nvSpPr>
-          <p:cNvPr id="248" name="Flat Model Impact on Cypher"/>
+          <p:cNvPr id="256" name="Flat, RDF-Like Model"/>
           <p:cNvSpPr txBox="1"/>
           <p:nvPr>
             <p:ph type="body" idx="14"/>
@@ -7379,8 +7852,8 @@
         </p:nvSpPr>
         <p:spPr>
           <a:xfrm>
-            <a:off x="502578" y="212123"/>
-            <a:ext cx="16317106" cy="1222376"/>
+            <a:off x="571376" y="0"/>
+            <a:ext cx="18116931" cy="1222376"/>
           </a:xfrm>
           <a:prstGeom prst="rect">
             <a:avLst/>
@@ -7396,29 +7869,56 @@
           <a:p>
             <a:pPr/>
             <a:r>
-              <a:t>Flat Model Impact on Cypher</a:t>
+              <a:t>Flat, RDF-Like Model</a:t>
             </a:r>
           </a:p>
         </p:txBody>
       </p:sp>
+      <p:pic>
+        <p:nvPicPr>
+          <p:cNvPr id="257" name="no4j_flat_model.png" descr="no4j_flat_model.png"/>
+          <p:cNvPicPr>
+            <a:picLocks noChangeAspect="1"/>
+          </p:cNvPicPr>
+          <p:nvPr/>
+        </p:nvPicPr>
+        <p:blipFill>
+          <a:blip r:embed="rId2">
+            <a:extLst/>
+          </a:blip>
+          <a:srcRect l="3804" t="8427" r="5586" b="15187"/>
+          <a:stretch>
+            <a:fillRect/>
+          </a:stretch>
+        </p:blipFill>
+        <p:spPr>
+          <a:xfrm>
+            <a:off x="571376" y="1343953"/>
+            <a:ext cx="23457475" cy="12093346"/>
+          </a:xfrm>
+          <a:prstGeom prst="rect">
+            <a:avLst/>
+          </a:prstGeom>
+          <a:ln w="12700">
+            <a:miter lim="400000"/>
+          </a:ln>
+        </p:spPr>
+      </p:pic>
       <p:sp>
         <p:nvSpPr>
-          <p:cNvPr id="249" name="Structured model: MATCH (prot:Protein{ id: '250169' }) - [:cs_by] -&gt; (react:Reaction) - [:part_of] -&gt; (pway:Path) RETURN * LIMIT 100"/>
+          <p:cNvPr id="258" name="Code for both converters: github:/marco-brandizi/odx_neo4j_converter_test"/>
           <p:cNvSpPr txBox="1"/>
           <p:nvPr/>
         </p:nvSpPr>
         <p:spPr>
           <a:xfrm>
-            <a:off x="515278" y="2175786"/>
-            <a:ext cx="21331353" cy="2339976"/>
+            <a:off x="1159636" y="12266754"/>
+            <a:ext cx="7154546" cy="1006476"/>
           </a:xfrm>
           <a:prstGeom prst="rect">
             <a:avLst/>
           </a:prstGeom>
-          <a:ln w="25400">
-            <a:solidFill>
-              <a:srgbClr val="F3F7F5"/>
-            </a:solidFill>
+          <a:ln w="12700">
             <a:miter lim="400000"/>
           </a:ln>
           <a:extLst>
@@ -7434,166 +7934,25 @@
           <a:lstStyle/>
           <a:p>
             <a:pPr algn="l">
-              <a:spcBef>
-                <a:spcPts val="4500"/>
-              </a:spcBef>
-              <a:defRPr sz="4200"/>
+              <a:defRPr sz="2500">
+                <a:solidFill>
+                  <a:schemeClr val="accent5">
+                    <a:hueOff val="-129837"/>
+                    <a:lumOff val="6998"/>
+                  </a:schemeClr>
+                </a:solidFill>
+                <a:latin typeface="Avenir Book Oblique"/>
+                <a:ea typeface="Avenir Book Oblique"/>
+                <a:cs typeface="Avenir Book Oblique"/>
+                <a:sym typeface="Avenir Book Oblique"/>
+              </a:defRPr>
             </a:pPr>
             <a:r>
-              <a:rPr>
-                <a:latin typeface="Avenir Heavy"/>
-                <a:ea typeface="Avenir Heavy"/>
-                <a:cs typeface="Avenir Heavy"/>
-                <a:sym typeface="Avenir Heavy"/>
-              </a:rPr>
-              <a:t>Structured model:</a:t>
+              <a:t>Code for both converters:</a:t>
             </a:r>
             <a:br/>
             <a:r>
-              <a:t>MATCH (prot:Protein{ id: '250169' }) - [:cs_by] -&gt; (react:Reaction) - [:part_of] -&gt; (pway:Path)</a:t>
-            </a:r>
-            <a:br/>
-            <a:r>
-              <a:t>RETURN * LIMIT 100</a:t>
-            </a:r>
-          </a:p>
-        </p:txBody>
-      </p:sp>
-      <p:sp>
-        <p:nvSpPr>
-          <p:cNvPr id="250" name="Flat model: MATCH (prot:Concept {id: '250169', ccName: 'Protein'})  &lt;- [:from] - (csby:Relation {name: 'cs_by' })  - [:to] -&gt; (react:Concept { ccName: 'Reaction'})  &lt;- [:from] - (partof:Relation {name:'part_of'}) - [:to]  -&gt; (pway:Concept {ccName:'Path'}) RETURN * LIMIT 100"/>
-          <p:cNvSpPr txBox="1"/>
-          <p:nvPr/>
-        </p:nvSpPr>
-        <p:spPr>
-          <a:xfrm>
-            <a:off x="3601860" y="5269748"/>
-            <a:ext cx="13423165" cy="5235576"/>
-          </a:xfrm>
-          <a:prstGeom prst="rect">
-            <a:avLst/>
-          </a:prstGeom>
-          <a:ln w="25400">
-            <a:solidFill>
-              <a:srgbClr val="F3F7F5"/>
-            </a:solidFill>
-            <a:miter lim="400000"/>
-          </a:ln>
-          <a:extLst>
-            <a:ext uri="{C572A759-6A51-4108-AA02-DFA0A04FC94B}">
-              <ma14:wrappingTextBoxFlag xmlns:ma14="http://schemas.microsoft.com/office/mac/drawingml/2011/main" val="1"/>
-            </a:ext>
-          </a:extLst>
-        </p:spPr>
-        <p:txBody>
-          <a:bodyPr wrap="none" lIns="71437" tIns="71437" rIns="71437" bIns="71437" anchor="ctr">
-            <a:spAutoFit/>
-          </a:bodyPr>
-          <a:lstStyle/>
-          <a:p>
-            <a:pPr algn="l">
-              <a:spcBef>
-                <a:spcPts val="4500"/>
-              </a:spcBef>
-              <a:defRPr sz="4200"/>
-            </a:pPr>
-            <a:r>
-              <a:rPr>
-                <a:latin typeface="Avenir Heavy"/>
-                <a:ea typeface="Avenir Heavy"/>
-                <a:cs typeface="Avenir Heavy"/>
-                <a:sym typeface="Avenir Heavy"/>
-              </a:rPr>
-              <a:t>Flat model:</a:t>
-            </a:r>
-            <a:br/>
-            <a:r>
-              <a:t>MATCH (prot:Concept {id: '250169', ccName: 'Protein'}) </a:t>
-            </a:r>
-            <a:br/>
-            <a:r>
-              <a:t>&lt;- [:from] - (csby:Relation {name: 'cs_by' }) </a:t>
-            </a:r>
-            <a:br/>
-            <a:r>
-              <a:t>- [:to] -&gt; (react:Concept { ccName: 'Reaction'}) </a:t>
-            </a:r>
-            <a:br/>
-            <a:r>
-              <a:t>&lt;- [:from] - (partof:Relation {name:'part_of'}) - [:to] </a:t>
-            </a:r>
-            <a:br/>
-            <a:r>
-              <a:t>-&gt; (pway:Concept {ccName:'Path'})</a:t>
-            </a:r>
-            <a:br/>
-            <a:r>
-              <a:t>RETURN * LIMIT 100</a:t>
-            </a:r>
-          </a:p>
-        </p:txBody>
-      </p:sp>
-      <p:sp>
-        <p:nvSpPr>
-          <p:cNvPr id="251" name="Rich schema-based queries MATCH (mol:{Concept}) &lt;- [:conceptClass] - (cc:ConceptClass),   (cc) &lt;- [:specializationOf*] - (:ConceptClass{name:’Protein’}"/>
-          <p:cNvSpPr txBox="1"/>
-          <p:nvPr/>
-        </p:nvSpPr>
-        <p:spPr>
-          <a:xfrm>
-            <a:off x="8043755" y="11055795"/>
-            <a:ext cx="15331448" cy="2339976"/>
-          </a:xfrm>
-          <a:prstGeom prst="rect">
-            <a:avLst/>
-          </a:prstGeom>
-          <a:ln w="25400">
-            <a:solidFill>
-              <a:srgbClr val="F3F7F5"/>
-            </a:solidFill>
-            <a:miter lim="400000"/>
-          </a:ln>
-          <a:extLst>
-            <a:ext uri="{C572A759-6A51-4108-AA02-DFA0A04FC94B}">
-              <ma14:wrappingTextBoxFlag xmlns:ma14="http://schemas.microsoft.com/office/mac/drawingml/2011/main" val="1"/>
-            </a:ext>
-          </a:extLst>
-        </p:spPr>
-        <p:txBody>
-          <a:bodyPr lIns="71437" tIns="71437" rIns="71437" bIns="71437" anchor="ctr">
-            <a:spAutoFit/>
-          </a:bodyPr>
-          <a:lstStyle/>
-          <a:p>
-            <a:pPr algn="l">
-              <a:spcBef>
-                <a:spcPts val="4500"/>
-              </a:spcBef>
-              <a:defRPr sz="4200"/>
-            </a:pPr>
-            <a:r>
-              <a:rPr>
-                <a:latin typeface="Avenir Heavy"/>
-                <a:ea typeface="Avenir Heavy"/>
-                <a:cs typeface="Avenir Heavy"/>
-                <a:sym typeface="Avenir Heavy"/>
-              </a:rPr>
-              <a:t>Rich schema-based queries</a:t>
-            </a:r>
-            <a:br>
-              <a:rPr>
-                <a:latin typeface="Avenir Heavy"/>
-                <a:ea typeface="Avenir Heavy"/>
-                <a:cs typeface="Avenir Heavy"/>
-                <a:sym typeface="Avenir Heavy"/>
-              </a:rPr>
-            </a:br>
-            <a:r>
-              <a:t>MATCH (mol:{Concept}) &lt;- [:conceptClass] - (cc:ConceptClass),</a:t>
-            </a:r>
-            <a:br/>
-            <a:r>
-              <a:t>  (cc) &lt;- [:specializationOf*] - (:ConceptClass{name:’Protein’} </a:t>
+              <a:t>github:/marco-brandizi/odx_neo4j_converter_test</a:t>
             </a:r>
           </a:p>
         </p:txBody>
@@ -7626,43 +7985,54 @@
       </p:grpSpPr>
       <p:sp>
         <p:nvSpPr>
-          <p:cNvPr id="253" name="Flat Model Performance"/>
+          <p:cNvPr id="260" name="Flat Model Impact on Cypher"/>
           <p:cNvSpPr txBox="1"/>
           <p:nvPr>
-            <p:ph type="title"/>
+            <p:ph type="body" idx="14"/>
           </p:nvPr>
         </p:nvSpPr>
         <p:spPr>
+          <a:xfrm>
+            <a:off x="502578" y="212123"/>
+            <a:ext cx="16317106" cy="1222376"/>
+          </a:xfrm>
           <a:prstGeom prst="rect">
             <a:avLst/>
           </a:prstGeom>
         </p:spPr>
         <p:txBody>
           <a:bodyPr/>
-          <a:lstStyle/>
+          <a:lstStyle>
+            <a:lvl1pPr algn="l">
+              <a:defRPr cap="all" spc="992" sz="6200"/>
+            </a:lvl1pPr>
+          </a:lstStyle>
           <a:p>
             <a:pPr/>
             <a:r>
-              <a:t>Flat Model Performance</a:t>
+              <a:t>Flat Model Impact on Cypher</a:t>
             </a:r>
           </a:p>
         </p:txBody>
       </p:sp>
       <p:sp>
         <p:nvSpPr>
-          <p:cNvPr id="254" name="Simple, common queries"/>
+          <p:cNvPr id="261" name="Structured model: MATCH (prot:Protein{ id: '250169' }) - [:cs_by] -&gt; (react:Reaction) - [:part_of] -&gt; (pway:Path) RETURN * LIMIT 100"/>
           <p:cNvSpPr txBox="1"/>
           <p:nvPr/>
         </p:nvSpPr>
         <p:spPr>
           <a:xfrm>
-            <a:off x="2000167" y="2303462"/>
-            <a:ext cx="8008647" cy="1108076"/>
+            <a:off x="515278" y="2175786"/>
+            <a:ext cx="21331353" cy="2339976"/>
           </a:xfrm>
           <a:prstGeom prst="rect">
             <a:avLst/>
           </a:prstGeom>
-          <a:ln w="12700">
+          <a:ln w="25400">
+            <a:solidFill>
+              <a:srgbClr val="F3F7F5"/>
+            </a:solidFill>
             <a:miter lim="400000"/>
           </a:ln>
           <a:extLst>
@@ -7677,42 +8047,171 @@
           </a:bodyPr>
           <a:lstStyle/>
           <a:p>
-            <a:pPr/>
-            <a:r>
-              <a:t>Simple, common queries</a:t>
+            <a:pPr algn="l">
+              <a:spcBef>
+                <a:spcPts val="4500"/>
+              </a:spcBef>
+              <a:defRPr sz="4200"/>
+            </a:pPr>
+            <a:r>
+              <a:rPr>
+                <a:latin typeface="Avenir Heavy"/>
+                <a:ea typeface="Avenir Heavy"/>
+                <a:cs typeface="Avenir Heavy"/>
+                <a:sym typeface="Avenir Heavy"/>
+              </a:rPr>
+              <a:t>Structured model:</a:t>
+            </a:r>
+            <a:br/>
+            <a:r>
+              <a:t>MATCH (prot:Protein{ id: '250169' }) - [:cs_by] -&gt; (react:Reaction) - [:part_of] -&gt; (pway:Path)</a:t>
+            </a:r>
+            <a:br/>
+            <a:r>
+              <a:t>RETURN * LIMIT 100</a:t>
             </a:r>
           </a:p>
         </p:txBody>
       </p:sp>
-      <p:pic>
-        <p:nvPicPr>
-          <p:cNvPr id="255" name="Image" descr="Image"/>
-          <p:cNvPicPr>
-            <a:picLocks noChangeAspect="1"/>
-          </p:cNvPicPr>
+      <p:sp>
+        <p:nvSpPr>
+          <p:cNvPr id="262" name="Flat model: MATCH (prot:Concept {id: '250169', ccName: 'Protein'})  &lt;- [:from] - (csby:Relation {name: 'cs_by' })  - [:to] -&gt; (react:Concept { ccName: 'Reaction'})  &lt;- [:from] - (partof:Relation {name:'part_of'}) - [:to]  -&gt; (pway:Concept {ccName:'Path'}) RETURN * LIMIT 100"/>
+          <p:cNvSpPr txBox="1"/>
           <p:nvPr/>
-        </p:nvPicPr>
-        <p:blipFill>
-          <a:blip r:embed="rId2">
-            <a:extLst/>
-          </a:blip>
-          <a:stretch>
-            <a:fillRect/>
-          </a:stretch>
-        </p:blipFill>
+        </p:nvSpPr>
         <p:spPr>
           <a:xfrm>
-            <a:off x="2000167" y="3601481"/>
-            <a:ext cx="20103201" cy="9835803"/>
+            <a:off x="3601860" y="5269748"/>
+            <a:ext cx="13423165" cy="5235576"/>
           </a:xfrm>
           <a:prstGeom prst="rect">
             <a:avLst/>
           </a:prstGeom>
-          <a:ln w="12700">
+          <a:ln w="25400">
+            <a:solidFill>
+              <a:srgbClr val="F3F7F5"/>
+            </a:solidFill>
             <a:miter lim="400000"/>
           </a:ln>
-        </p:spPr>
-      </p:pic>
+          <a:extLst>
+            <a:ext uri="{C572A759-6A51-4108-AA02-DFA0A04FC94B}">
+              <ma14:wrappingTextBoxFlag xmlns:ma14="http://schemas.microsoft.com/office/mac/drawingml/2011/main" val="1"/>
+            </a:ext>
+          </a:extLst>
+        </p:spPr>
+        <p:txBody>
+          <a:bodyPr wrap="none" lIns="71437" tIns="71437" rIns="71437" bIns="71437" anchor="ctr">
+            <a:spAutoFit/>
+          </a:bodyPr>
+          <a:lstStyle/>
+          <a:p>
+            <a:pPr algn="l">
+              <a:spcBef>
+                <a:spcPts val="4500"/>
+              </a:spcBef>
+              <a:defRPr sz="4200"/>
+            </a:pPr>
+            <a:r>
+              <a:rPr>
+                <a:latin typeface="Avenir Heavy"/>
+                <a:ea typeface="Avenir Heavy"/>
+                <a:cs typeface="Avenir Heavy"/>
+                <a:sym typeface="Avenir Heavy"/>
+              </a:rPr>
+              <a:t>Flat model:</a:t>
+            </a:r>
+            <a:br/>
+            <a:r>
+              <a:t>MATCH (prot:Concept {id: '250169', ccName: 'Protein'}) </a:t>
+            </a:r>
+            <a:br/>
+            <a:r>
+              <a:t>&lt;- [:from] - (csby:Relation {name: 'cs_by' }) </a:t>
+            </a:r>
+            <a:br/>
+            <a:r>
+              <a:t>- [:to] -&gt; (react:Concept { ccName: 'Reaction'}) </a:t>
+            </a:r>
+            <a:br/>
+            <a:r>
+              <a:t>&lt;- [:from] - (partof:Relation {name:'part_of'}) - [:to] </a:t>
+            </a:r>
+            <a:br/>
+            <a:r>
+              <a:t>-&gt; (pway:Concept {ccName:'Path'})</a:t>
+            </a:r>
+            <a:br/>
+            <a:r>
+              <a:t>RETURN * LIMIT 100</a:t>
+            </a:r>
+          </a:p>
+        </p:txBody>
+      </p:sp>
+      <p:sp>
+        <p:nvSpPr>
+          <p:cNvPr id="263" name="Rich schema-based queries MATCH (mol:{Concept}) &lt;- [:conceptClass] - (cc:ConceptClass),   (cc) &lt;- [:specializationOf*] - (:ConceptClass{name:’Protein’}"/>
+          <p:cNvSpPr txBox="1"/>
+          <p:nvPr/>
+        </p:nvSpPr>
+        <p:spPr>
+          <a:xfrm>
+            <a:off x="8043754" y="11055794"/>
+            <a:ext cx="15331448" cy="2339976"/>
+          </a:xfrm>
+          <a:prstGeom prst="rect">
+            <a:avLst/>
+          </a:prstGeom>
+          <a:ln w="25400">
+            <a:solidFill>
+              <a:srgbClr val="F3F7F5"/>
+            </a:solidFill>
+            <a:miter lim="400000"/>
+          </a:ln>
+          <a:extLst>
+            <a:ext uri="{C572A759-6A51-4108-AA02-DFA0A04FC94B}">
+              <ma14:wrappingTextBoxFlag xmlns:ma14="http://schemas.microsoft.com/office/mac/drawingml/2011/main" val="1"/>
+            </a:ext>
+          </a:extLst>
+        </p:spPr>
+        <p:txBody>
+          <a:bodyPr lIns="71437" tIns="71437" rIns="71437" bIns="71437" anchor="ctr">
+            <a:spAutoFit/>
+          </a:bodyPr>
+          <a:lstStyle/>
+          <a:p>
+            <a:pPr algn="l">
+              <a:spcBef>
+                <a:spcPts val="4500"/>
+              </a:spcBef>
+              <a:defRPr sz="4200"/>
+            </a:pPr>
+            <a:r>
+              <a:rPr>
+                <a:latin typeface="Avenir Heavy"/>
+                <a:ea typeface="Avenir Heavy"/>
+                <a:cs typeface="Avenir Heavy"/>
+                <a:sym typeface="Avenir Heavy"/>
+              </a:rPr>
+              <a:t>Rich schema-based queries</a:t>
+            </a:r>
+            <a:br>
+              <a:rPr>
+                <a:latin typeface="Avenir Heavy"/>
+                <a:ea typeface="Avenir Heavy"/>
+                <a:cs typeface="Avenir Heavy"/>
+                <a:sym typeface="Avenir Heavy"/>
+              </a:rPr>
+            </a:br>
+            <a:r>
+              <a:t>MATCH (mol:{Concept}) &lt;- [:conceptClass] - (cc:ConceptClass),</a:t>
+            </a:r>
+            <a:br/>
+            <a:r>
+              <a:t>  (cc) &lt;- [:specializationOf*] - (:ConceptClass{name:’Protein’} </a:t>
+            </a:r>
+          </a:p>
+        </p:txBody>
+      </p:sp>
     </p:spTree>
   </p:cSld>
   <p:clrMapOvr>
@@ -7741,17 +8240,13 @@
       </p:grpSpPr>
       <p:sp>
         <p:nvSpPr>
-          <p:cNvPr id="257" name="Flat Model Performance"/>
+          <p:cNvPr id="265" name="Flat Model Performance"/>
           <p:cNvSpPr txBox="1"/>
           <p:nvPr>
             <p:ph type="title"/>
           </p:nvPr>
         </p:nvSpPr>
         <p:spPr>
-          <a:xfrm>
-            <a:off x="3649732" y="857249"/>
-            <a:ext cx="16430626" cy="2000251"/>
-          </a:xfrm>
           <a:prstGeom prst="rect">
             <a:avLst/>
           </a:prstGeom>
@@ -7769,14 +8264,14 @@
       </p:sp>
       <p:sp>
         <p:nvSpPr>
-          <p:cNvPr id="258" name="Typical ONDEX Graph Queries"/>
+          <p:cNvPr id="266" name="Simple, common queries"/>
           <p:cNvSpPr txBox="1"/>
           <p:nvPr/>
         </p:nvSpPr>
         <p:spPr>
           <a:xfrm>
-            <a:off x="3649732" y="2303462"/>
-            <a:ext cx="9864879" cy="1108076"/>
+            <a:off x="2000167" y="2303462"/>
+            <a:ext cx="8008647" cy="1108076"/>
           </a:xfrm>
           <a:prstGeom prst="rect">
             <a:avLst/>
@@ -7798,14 +8293,14 @@
           <a:p>
             <a:pPr/>
             <a:r>
-              <a:t>Typical ONDEX Graph Queries</a:t>
+              <a:t>Simple, common queries</a:t>
             </a:r>
           </a:p>
         </p:txBody>
       </p:sp>
       <p:pic>
         <p:nvPicPr>
-          <p:cNvPr id="259" name="Image" descr="Image"/>
+          <p:cNvPr id="267" name="Image" descr="Image"/>
           <p:cNvPicPr>
             <a:picLocks noChangeAspect="1"/>
           </p:cNvPicPr>
@@ -7821,8 +8316,8 @@
         </p:blipFill>
         <p:spPr>
           <a:xfrm>
-            <a:off x="3649732" y="3657334"/>
-            <a:ext cx="16430626" cy="9759206"/>
+            <a:off x="2000167" y="3601480"/>
+            <a:ext cx="20103201" cy="9835804"/>
           </a:xfrm>
           <a:prstGeom prst="rect">
             <a:avLst/>
@@ -7860,16 +8355,16 @@
       </p:grpSpPr>
       <p:sp>
         <p:nvSpPr>
-          <p:cNvPr id="261" name="Impact on Cypher"/>
+          <p:cNvPr id="269" name="Flat Model Performance"/>
           <p:cNvSpPr txBox="1"/>
           <p:nvPr>
-            <p:ph type="body" idx="14"/>
+            <p:ph type="title"/>
           </p:nvPr>
         </p:nvSpPr>
         <p:spPr>
           <a:xfrm>
-            <a:off x="737290" y="479425"/>
-            <a:ext cx="15231051" cy="1222376"/>
+            <a:off x="3649733" y="857250"/>
+            <a:ext cx="16430626" cy="2000250"/>
           </a:xfrm>
           <a:prstGeom prst="rect">
             <a:avLst/>
@@ -7877,37 +8372,30 @@
         </p:spPr>
         <p:txBody>
           <a:bodyPr/>
-          <a:lstStyle>
-            <a:lvl1pPr algn="l">
-              <a:defRPr cap="all" spc="992" sz="6200"/>
-            </a:lvl1pPr>
-          </a:lstStyle>
+          <a:lstStyle/>
           <a:p>
             <a:pPr/>
             <a:r>
-              <a:t>Impact on Cypher</a:t>
+              <a:t>Flat Model Performance</a:t>
             </a:r>
           </a:p>
         </p:txBody>
       </p:sp>
       <p:sp>
         <p:nvSpPr>
-          <p:cNvPr id="262" name="Rich schema-based queries From: MATCH (molecule:Molecule), (molType:Class)-[:is_a*]-&gt;(:Class{ name:’Protein’ }) WHERE LABELS molType IN LABELS (molecule)  To: MATCH (mol:{Concept}) &lt;- [:conceptClass] - (cc:ConceptClass),   (cc) &lt;- [:specializationOf*] - (:ConceptClass{name:’Protein’}…"/>
+          <p:cNvPr id="270" name="Typical ONDEX Graph Queries"/>
           <p:cNvSpPr txBox="1"/>
           <p:nvPr/>
         </p:nvSpPr>
         <p:spPr>
           <a:xfrm>
-            <a:off x="749990" y="3225800"/>
-            <a:ext cx="22884021" cy="8550276"/>
+            <a:off x="3649732" y="2303462"/>
+            <a:ext cx="9864879" cy="1108076"/>
           </a:xfrm>
           <a:prstGeom prst="rect">
             <a:avLst/>
           </a:prstGeom>
-          <a:ln w="25400">
-            <a:solidFill>
-              <a:srgbClr val="F3F7F5"/>
-            </a:solidFill>
+          <a:ln w="12700">
             <a:miter lim="400000"/>
           </a:ln>
           <a:extLst>
@@ -7917,88 +8405,47 @@
           </a:extLst>
         </p:spPr>
         <p:txBody>
-          <a:bodyPr lIns="71437" tIns="71437" rIns="71437" bIns="71437" anchor="ctr">
+          <a:bodyPr wrap="none" lIns="71437" tIns="71437" rIns="71437" bIns="71437" anchor="ctr">
             <a:spAutoFit/>
           </a:bodyPr>
           <a:lstStyle/>
           <a:p>
-            <a:pPr algn="l">
-              <a:spcBef>
-                <a:spcPts val="4500"/>
-              </a:spcBef>
-              <a:defRPr sz="4200"/>
-            </a:pPr>
-            <a:r>
-              <a:rPr>
-                <a:latin typeface="Avenir Heavy"/>
-                <a:ea typeface="Avenir Heavy"/>
-                <a:cs typeface="Avenir Heavy"/>
-                <a:sym typeface="Avenir Heavy"/>
-              </a:rPr>
-              <a:t>Rich schema-based queries</a:t>
-            </a:r>
-            <a:br>
-              <a:rPr>
-                <a:latin typeface="Avenir Heavy"/>
-                <a:ea typeface="Avenir Heavy"/>
-                <a:cs typeface="Avenir Heavy"/>
-                <a:sym typeface="Avenir Heavy"/>
-              </a:rPr>
-            </a:br>
-            <a:r>
-              <a:t>From:</a:t>
-            </a:r>
-            <a:br/>
-            <a:r>
-              <a:t>MATCH (molecule:Molecule), (molType:Class)-[:is_a*]-&gt;(:Class{ name:’Protein’ })</a:t>
-            </a:r>
-            <a:br/>
-            <a:r>
-              <a:t>WHERE LABELS molType IN LABELS (molecule)</a:t>
-            </a:r>
-            <a:br/>
-            <a:br/>
-            <a:r>
-              <a:t>To:</a:t>
-            </a:r>
-            <a:br/>
-            <a:r>
-              <a:t>MATCH (mol:{Concept}) &lt;- [:conceptClass] - (cc:ConceptClass),</a:t>
-            </a:r>
-            <a:br/>
-            <a:r>
-              <a:t>  (cc) &lt;- [:specializationOf*] - (:ConceptClass{name:’Protein’} </a:t>
-            </a:r>
-          </a:p>
-          <a:p>
-            <a:pPr algn="l">
-              <a:spcBef>
-                <a:spcPts val="4500"/>
-              </a:spcBef>
-              <a:defRPr sz="4200"/>
-            </a:pPr>
-            <a:r>
-              <a:t>now it’s efficient-enough (especially with length restrictions)</a:t>
-            </a:r>
-          </a:p>
-          <a:p>
-            <a:pPr algn="l">
-              <a:spcBef>
-                <a:spcPts val="4500"/>
-              </a:spcBef>
-              <a:defRPr i="1" sz="4200">
-                <a:latin typeface="Avenir Heavy"/>
-                <a:ea typeface="Avenir Heavy"/>
-                <a:cs typeface="Avenir Heavy"/>
-                <a:sym typeface="Avenir Heavy"/>
-              </a:defRPr>
-            </a:pPr>
-            <a:r>
-              <a:t>However…</a:t>
+            <a:pPr/>
+            <a:r>
+              <a:t>Typical ONDEX Graph Queries</a:t>
             </a:r>
           </a:p>
         </p:txBody>
       </p:sp>
+      <p:pic>
+        <p:nvPicPr>
+          <p:cNvPr id="271" name="Image" descr="Image"/>
+          <p:cNvPicPr>
+            <a:picLocks noChangeAspect="1"/>
+          </p:cNvPicPr>
+          <p:nvPr/>
+        </p:nvPicPr>
+        <p:blipFill>
+          <a:blip r:embed="rId2">
+            <a:extLst/>
+          </a:blip>
+          <a:stretch>
+            <a:fillRect/>
+          </a:stretch>
+        </p:blipFill>
+        <p:spPr>
+          <a:xfrm>
+            <a:off x="3649733" y="3657334"/>
+            <a:ext cx="16430626" cy="9759206"/>
+          </a:xfrm>
+          <a:prstGeom prst="rect">
+            <a:avLst/>
+          </a:prstGeom>
+          <a:ln w="12700">
+            <a:miter lim="400000"/>
+          </a:ln>
+        </p:spPr>
+      </p:pic>
     </p:spTree>
   </p:cSld>
   <p:clrMapOvr>
@@ -8106,24 +8553,25 @@
                   <a:tcPr marL="50800" marR="50800" marT="50800" marB="50800" anchor="ctr" anchorCtr="0" horzOverflow="overflow">
                     <a:lnL w="3175">
                       <a:solidFill>
-                        <a:srgbClr val="F2F2F2"/>
+                        <a:srgbClr val="FFFFFF"/>
                       </a:solidFill>
                       <a:miter lim="400000"/>
                     </a:lnL>
                     <a:lnR w="3175">
+                      <a:solidFill>
+                        <a:srgbClr val="FFFFFF"/>
+                      </a:solidFill>
                       <a:miter lim="400000"/>
                     </a:lnR>
                     <a:lnT w="3175">
                       <a:solidFill>
-                        <a:srgbClr val="F2F2F2"/>
+                        <a:srgbClr val="FFFFFF"/>
                       </a:solidFill>
                       <a:miter lim="400000"/>
                     </a:lnT>
                     <a:lnB w="3175">
                       <a:solidFill>
-                        <a:srgbClr val="86B5C3">
-                          <a:alpha val="75000"/>
-                        </a:srgbClr>
+                        <a:srgbClr val="FFFFFF"/>
                       </a:solidFill>
                       <a:miter lim="400000"/>
                     </a:lnB>
@@ -8172,25 +8620,26 @@
                   </a:txBody>
                   <a:tcPr marL="50800" marR="50800" marT="50800" marB="50800" anchor="ctr" anchorCtr="0" horzOverflow="overflow">
                     <a:lnL w="3175">
+                      <a:solidFill>
+                        <a:srgbClr val="FFFFFF"/>
+                      </a:solidFill>
                       <a:miter lim="400000"/>
                     </a:lnL>
                     <a:lnR w="3175">
                       <a:solidFill>
-                        <a:srgbClr val="F2F2F2"/>
+                        <a:srgbClr val="FFFFFF"/>
                       </a:solidFill>
                       <a:miter lim="400000"/>
                     </a:lnR>
                     <a:lnT w="3175">
                       <a:solidFill>
-                        <a:srgbClr val="F2F2F2"/>
+                        <a:srgbClr val="FFFFFF"/>
                       </a:solidFill>
                       <a:miter lim="400000"/>
                     </a:lnT>
                     <a:lnB w="3175">
                       <a:solidFill>
-                        <a:srgbClr val="797979">
-                          <a:alpha val="38000"/>
-                        </a:srgbClr>
+                        <a:srgbClr val="FFFFFF"/>
                       </a:solidFill>
                       <a:miter lim="400000"/>
                     </a:lnB>
@@ -8231,26 +8680,25 @@
                   <a:tcPr marL="50800" marR="50800" marT="50800" marB="50800" anchor="ctr" anchorCtr="0" horzOverflow="overflow">
                     <a:lnL w="3175">
                       <a:solidFill>
-                        <a:srgbClr val="F2F2F2"/>
+                        <a:srgbClr val="FFFFFF"/>
                       </a:solidFill>
                       <a:miter lim="400000"/>
                     </a:lnL>
                     <a:lnR w="3175">
+                      <a:solidFill>
+                        <a:srgbClr val="FFFFFF"/>
+                      </a:solidFill>
                       <a:miter lim="400000"/>
                     </a:lnR>
                     <a:lnT w="3175">
                       <a:solidFill>
-                        <a:srgbClr val="86B5C3">
-                          <a:alpha val="75000"/>
-                        </a:srgbClr>
+                        <a:srgbClr val="FFFFFF"/>
                       </a:solidFill>
                       <a:miter lim="400000"/>
                     </a:lnT>
                     <a:lnB w="3175">
                       <a:solidFill>
-                        <a:srgbClr val="86B5C3">
-                          <a:alpha val="75000"/>
-                        </a:srgbClr>
+                        <a:srgbClr val="FFFFFF"/>
                       </a:solidFill>
                       <a:miter lim="400000"/>
                     </a:lnB>
@@ -8299,27 +8747,26 @@
                   </a:txBody>
                   <a:tcPr marL="50800" marR="50800" marT="50800" marB="50800" anchor="ctr" anchorCtr="0" horzOverflow="overflow">
                     <a:lnL w="3175">
+                      <a:solidFill>
+                        <a:srgbClr val="FFFFFF"/>
+                      </a:solidFill>
                       <a:miter lim="400000"/>
                     </a:lnL>
                     <a:lnR w="3175">
                       <a:solidFill>
-                        <a:srgbClr val="F2F2F2"/>
+                        <a:srgbClr val="FFFFFF"/>
                       </a:solidFill>
                       <a:miter lim="400000"/>
                     </a:lnR>
                     <a:lnT w="3175">
                       <a:solidFill>
-                        <a:srgbClr val="797979">
-                          <a:alpha val="38000"/>
-                        </a:srgbClr>
+                        <a:srgbClr val="FFFFFF"/>
                       </a:solidFill>
                       <a:miter lim="400000"/>
                     </a:lnT>
                     <a:lnB w="3175">
                       <a:solidFill>
-                        <a:srgbClr val="797979">
-                          <a:alpha val="38000"/>
-                        </a:srgbClr>
+                        <a:srgbClr val="FFFFFF"/>
                       </a:solidFill>
                       <a:miter lim="400000"/>
                     </a:lnB>
@@ -8360,26 +8807,25 @@
                   <a:tcPr marL="50800" marR="50800" marT="50800" marB="50800" anchor="ctr" anchorCtr="0" horzOverflow="overflow">
                     <a:lnL w="3175">
                       <a:solidFill>
-                        <a:srgbClr val="F2F2F2"/>
+                        <a:srgbClr val="FFFFFF"/>
                       </a:solidFill>
                       <a:miter lim="400000"/>
                     </a:lnL>
                     <a:lnR w="3175">
+                      <a:solidFill>
+                        <a:srgbClr val="FFFFFF"/>
+                      </a:solidFill>
                       <a:miter lim="400000"/>
                     </a:lnR>
                     <a:lnT w="3175">
                       <a:solidFill>
-                        <a:srgbClr val="86B5C3">
-                          <a:alpha val="75000"/>
-                        </a:srgbClr>
+                        <a:srgbClr val="FFFFFF"/>
                       </a:solidFill>
                       <a:miter lim="400000"/>
                     </a:lnT>
                     <a:lnB w="3175">
                       <a:solidFill>
-                        <a:srgbClr val="86B5C3">
-                          <a:alpha val="75000"/>
-                        </a:srgbClr>
+                        <a:srgbClr val="FFFFFF"/>
                       </a:solidFill>
                       <a:miter lim="400000"/>
                     </a:lnB>
@@ -8428,27 +8874,26 @@
                   </a:txBody>
                   <a:tcPr marL="50800" marR="50800" marT="50800" marB="50800" anchor="ctr" anchorCtr="0" horzOverflow="overflow">
                     <a:lnL w="3175">
+                      <a:solidFill>
+                        <a:srgbClr val="FFFFFF"/>
+                      </a:solidFill>
                       <a:miter lim="400000"/>
                     </a:lnL>
                     <a:lnR w="3175">
                       <a:solidFill>
-                        <a:srgbClr val="F2F2F2"/>
+                        <a:srgbClr val="FFFFFF"/>
                       </a:solidFill>
                       <a:miter lim="400000"/>
                     </a:lnR>
                     <a:lnT w="3175">
                       <a:solidFill>
-                        <a:srgbClr val="797979">
-                          <a:alpha val="38000"/>
-                        </a:srgbClr>
+                        <a:srgbClr val="FFFFFF"/>
                       </a:solidFill>
                       <a:miter lim="400000"/>
                     </a:lnT>
                     <a:lnB w="3175">
                       <a:solidFill>
-                        <a:srgbClr val="797979">
-                          <a:alpha val="38000"/>
-                        </a:srgbClr>
+                        <a:srgbClr val="FFFFFF"/>
                       </a:solidFill>
                       <a:miter lim="400000"/>
                     </a:lnB>
@@ -8489,24 +8934,25 @@
                   <a:tcPr marL="50800" marR="50800" marT="50800" marB="50800" anchor="ctr" anchorCtr="0" horzOverflow="overflow">
                     <a:lnL w="3175">
                       <a:solidFill>
-                        <a:srgbClr val="F2F2F2"/>
+                        <a:srgbClr val="FFFFFF"/>
                       </a:solidFill>
                       <a:miter lim="400000"/>
                     </a:lnL>
                     <a:lnR w="3175">
+                      <a:solidFill>
+                        <a:srgbClr val="FFFFFF"/>
+                      </a:solidFill>
                       <a:miter lim="400000"/>
                     </a:lnR>
                     <a:lnT w="3175">
                       <a:solidFill>
-                        <a:srgbClr val="86B5C3">
-                          <a:alpha val="75000"/>
-                        </a:srgbClr>
+                        <a:srgbClr val="FFFFFF"/>
                       </a:solidFill>
                       <a:miter lim="400000"/>
                     </a:lnT>
                     <a:lnB w="3175">
                       <a:solidFill>
-                        <a:srgbClr val="F2F2F2"/>
+                        <a:srgbClr val="FFFFFF"/>
                       </a:solidFill>
                       <a:miter lim="400000"/>
                     </a:lnB>
@@ -8555,25 +9001,26 @@
                   </a:txBody>
                   <a:tcPr marL="50800" marR="50800" marT="50800" marB="50800" anchor="ctr" anchorCtr="0" horzOverflow="overflow">
                     <a:lnL w="3175">
+                      <a:solidFill>
+                        <a:srgbClr val="FFFFFF"/>
+                      </a:solidFill>
                       <a:miter lim="400000"/>
                     </a:lnL>
                     <a:lnR w="3175">
                       <a:solidFill>
-                        <a:srgbClr val="F2F2F2"/>
+                        <a:srgbClr val="FFFFFF"/>
                       </a:solidFill>
                       <a:miter lim="400000"/>
                     </a:lnR>
                     <a:lnT w="3175">
                       <a:solidFill>
-                        <a:srgbClr val="797979">
-                          <a:alpha val="38000"/>
-                        </a:srgbClr>
+                        <a:srgbClr val="FFFFFF"/>
                       </a:solidFill>
                       <a:miter lim="400000"/>
                     </a:lnT>
                     <a:lnB w="3175">
                       <a:solidFill>
-                        <a:srgbClr val="F2F2F2"/>
+                        <a:srgbClr val="FFFFFF"/>
                       </a:solidFill>
                       <a:miter lim="400000"/>
                     </a:lnB>
@@ -8613,7 +9060,7 @@
       </p:grpSpPr>
       <p:sp>
         <p:nvSpPr>
-          <p:cNvPr id="264" name="Impact on Cypher"/>
+          <p:cNvPr id="273" name="Impact on Cypher"/>
           <p:cNvSpPr txBox="1"/>
           <p:nvPr>
             <p:ph type="body" idx="14"/>
@@ -8621,7 +9068,7 @@
         </p:nvSpPr>
         <p:spPr>
           <a:xfrm>
-            <a:off x="4699872" y="164637"/>
+            <a:off x="737290" y="479425"/>
             <a:ext cx="15231051" cy="1222376"/>
           </a:xfrm>
           <a:prstGeom prst="rect">
@@ -8645,14 +9092,14 @@
       </p:sp>
       <p:sp>
         <p:nvSpPr>
-          <p:cNvPr id="265" name="Rich schema-based queries MATCH (mol:{Concept}) &lt;- [:conceptClass] - (cc:ConceptClass),   (cc) &lt;- [:specializationOf*] - (:ConceptClass{name:’Protein’}…"/>
+          <p:cNvPr id="274" name="Rich schema-based queries From: MATCH (molecule:Molecule), (molType:Class)-[:is_a*]-&gt;(:Class{ name:’Protein’ }) WHERE LABELS molType IN LABELS (molecule)  To: MATCH (mol:{Concept}) &lt;- [:conceptClass] - (cc:ConceptClass),   (cc) &lt;- [:specializationOf*] - (:ConceptClass{name:’Protein’}…"/>
           <p:cNvSpPr txBox="1"/>
           <p:nvPr/>
         </p:nvSpPr>
         <p:spPr>
           <a:xfrm>
-            <a:off x="512561" y="1371599"/>
-            <a:ext cx="23153726" cy="11979276"/>
+            <a:off x="749990" y="3225799"/>
+            <a:ext cx="22884021" cy="8550276"/>
           </a:xfrm>
           <a:prstGeom prst="rect">
             <a:avLst/>
@@ -8679,7 +9126,7 @@
               <a:spcBef>
                 <a:spcPts val="4500"/>
               </a:spcBef>
-              <a:defRPr sz="4100"/>
+              <a:defRPr sz="4200"/>
             </a:pPr>
             <a:r>
               <a:rPr>
@@ -8699,6 +9146,23 @@
               </a:rPr>
             </a:br>
             <a:r>
+              <a:t>From:</a:t>
+            </a:r>
+            <a:br/>
+            <a:r>
+              <a:t>MATCH (molecule:Molecule), (molType:Class)-[:is_a*]-&gt;(:Class{ name:’Protein’ })</a:t>
+            </a:r>
+            <a:br/>
+            <a:r>
+              <a:t>WHERE LABELS molType IN LABELS (molecule)</a:t>
+            </a:r>
+            <a:br/>
+            <a:br/>
+            <a:r>
+              <a:t>To:</a:t>
+            </a:r>
+            <a:br/>
+            <a:r>
               <a:t>MATCH (mol:{Concept}) &lt;- [:conceptClass] - (cc:ConceptClass),</a:t>
             </a:r>
             <a:br/>
@@ -8711,7 +9175,7 @@
               <a:spcBef>
                 <a:spcPts val="4500"/>
               </a:spcBef>
-              <a:defRPr sz="4100"/>
+              <a:defRPr sz="4200"/>
             </a:pPr>
             <a:r>
               <a:t>now it’s efficient-enough (especially with length restrictions)</a:t>
@@ -8722,7 +9186,7 @@
               <a:spcBef>
                 <a:spcPts val="4500"/>
               </a:spcBef>
-              <a:defRPr i="1" sz="4100">
+              <a:defRPr i="1" sz="4200">
                 <a:latin typeface="Avenir Heavy"/>
                 <a:ea typeface="Avenir Heavy"/>
                 <a:cs typeface="Avenir Heavy"/>
@@ -8731,163 +9195,6 @@
             </a:pPr>
             <a:r>
               <a:t>However…</a:t>
-            </a:r>
-            <a:br/>
-            <a:r>
-              <a:rPr i="0">
-                <a:latin typeface="Avenir Book Oblique"/>
-                <a:ea typeface="Avenir Book Oblique"/>
-                <a:cs typeface="Avenir Book Oblique"/>
-                <a:sym typeface="Avenir Book Oblique"/>
-              </a:rPr>
-              <a:t>from: MATCH (react:Reaction) - [:part_of] -&gt; (pway:Path)</a:t>
-            </a:r>
-            <a:br>
-              <a:rPr i="0">
-                <a:latin typeface="Avenir Book Oblique"/>
-                <a:ea typeface="Avenir Book Oblique"/>
-                <a:cs typeface="Avenir Book Oblique"/>
-                <a:sym typeface="Avenir Book Oblique"/>
-              </a:rPr>
-            </a:br>
-            <a:r>
-              <a:rPr i="0">
-                <a:latin typeface="Avenir Book Oblique"/>
-                <a:ea typeface="Avenir Book Oblique"/>
-                <a:cs typeface="Avenir Book Oblique"/>
-                <a:sym typeface="Avenir Book Oblique"/>
-              </a:rPr>
-              <a:t>to: MATCH (react:Concept {ccName: ‘Reaction’}) </a:t>
-            </a:r>
-            <a:br>
-              <a:rPr i="0">
-                <a:latin typeface="Avenir Book Oblique"/>
-                <a:ea typeface="Avenir Book Oblique"/>
-                <a:cs typeface="Avenir Book Oblique"/>
-                <a:sym typeface="Avenir Book Oblique"/>
-              </a:rPr>
-            </a:br>
-            <a:r>
-              <a:rPr i="0">
-                <a:latin typeface="Avenir Book Oblique"/>
-                <a:ea typeface="Avenir Book Oblique"/>
-                <a:cs typeface="Avenir Book Oblique"/>
-                <a:sym typeface="Avenir Book Oblique"/>
-              </a:rPr>
-              <a:t>  &lt;- [:from] - (partof:Relation {name:'part_of'}) </a:t>
-            </a:r>
-            <a:br>
-              <a:rPr i="0">
-                <a:latin typeface="Avenir Book Oblique"/>
-                <a:ea typeface="Avenir Book Oblique"/>
-                <a:cs typeface="Avenir Book Oblique"/>
-                <a:sym typeface="Avenir Book Oblique"/>
-              </a:rPr>
-            </a:br>
-            <a:r>
-              <a:rPr i="0">
-                <a:latin typeface="Avenir Book Oblique"/>
-                <a:ea typeface="Avenir Book Oblique"/>
-                <a:cs typeface="Avenir Book Oblique"/>
-                <a:sym typeface="Avenir Book Oblique"/>
-              </a:rPr>
-              <a:t>  - [:to] -&gt; (pway:Concept {ccName:'Path'})</a:t>
-            </a:r>
-            <a:br>
-              <a:rPr i="0">
-                <a:latin typeface="Avenir Book Oblique"/>
-                <a:ea typeface="Avenir Book Oblique"/>
-                <a:cs typeface="Avenir Book Oblique"/>
-                <a:sym typeface="Avenir Book Oblique"/>
-              </a:rPr>
-            </a:br>
-            <a:br>
-              <a:rPr i="0">
-                <a:latin typeface="Avenir Book Oblique"/>
-                <a:ea typeface="Avenir Book Oblique"/>
-                <a:cs typeface="Avenir Book Oblique"/>
-                <a:sym typeface="Avenir Book Oblique"/>
-              </a:rPr>
-            </a:br>
-            <a:r>
-              <a:rPr i="0">
-                <a:latin typeface="Avenir Book Oblique"/>
-                <a:ea typeface="Avenir Book Oblique"/>
-                <a:cs typeface="Avenir Book Oblique"/>
-                <a:sym typeface="Avenir Book Oblique"/>
-              </a:rPr>
-              <a:t>What if we want variable-length part_of?</a:t>
-            </a:r>
-            <a:br>
-              <a:rPr i="0">
-                <a:latin typeface="Avenir Book Oblique"/>
-                <a:ea typeface="Avenir Book Oblique"/>
-                <a:cs typeface="Avenir Book Oblique"/>
-                <a:sym typeface="Avenir Book Oblique"/>
-              </a:rPr>
-            </a:br>
-            <a:r>
-              <a:t>    Not currently possible in Cypher (nor in SPARQL), </a:t>
-            </a:r>
-            <a:br/>
-            <a:r>
-              <a:rPr i="0">
-                <a:latin typeface="Avenir Book Oblique"/>
-                <a:ea typeface="Avenir Book Oblique"/>
-                <a:cs typeface="Avenir Book Oblique"/>
-                <a:sym typeface="Avenir Book Oblique"/>
-              </a:rPr>
-              <a:t>    maybe in future (</a:t>
-            </a:r>
-            <a:r>
-              <a:rPr i="0" u="sng">
-                <a:latin typeface="Avenir Book Oblique"/>
-                <a:ea typeface="Avenir Book Oblique"/>
-                <a:cs typeface="Avenir Book Oblique"/>
-                <a:sym typeface="Avenir Book Oblique"/>
-                <a:hlinkClick r:id="rId2" invalidUrl="" action="" tgtFrame="" tooltip="" history="1" highlightClick="0" endSnd="0"/>
-              </a:rPr>
-              <a:t>https://github.com/neo4j/neo4j/issues/88</a:t>
-            </a:r>
-            <a:r>
-              <a:rPr i="0">
-                <a:latin typeface="Avenir Book Oblique"/>
-                <a:ea typeface="Avenir Book Oblique"/>
-                <a:cs typeface="Avenir Book Oblique"/>
-                <a:sym typeface="Avenir Book Oblique"/>
-              </a:rPr>
-              <a:t>)</a:t>
-            </a:r>
-            <a:br>
-              <a:rPr i="0">
-                <a:latin typeface="Avenir Book Oblique"/>
-                <a:ea typeface="Avenir Book Oblique"/>
-                <a:cs typeface="Avenir Book Oblique"/>
-                <a:sym typeface="Avenir Book Oblique"/>
-              </a:rPr>
-            </a:br>
-            <a:r>
-              <a:t>=&gt; Having both model, redundantly, would probably be worth</a:t>
-            </a:r>
-            <a:br>
-              <a:rPr i="0">
-                <a:latin typeface="Avenir Book Oblique"/>
-                <a:ea typeface="Avenir Book Oblique"/>
-                <a:cs typeface="Avenir Book Oblique"/>
-                <a:sym typeface="Avenir Book Oblique"/>
-              </a:rPr>
-            </a:br>
-            <a:r>
-              <a:rPr i="0">
-                <a:latin typeface="Avenir Book Oblique"/>
-                <a:ea typeface="Avenir Book Oblique"/>
-                <a:cs typeface="Avenir Book Oblique"/>
-                <a:sym typeface="Avenir Book Oblique"/>
-              </a:rPr>
-              <a:t>     =&gt; makes it </a:t>
-            </a:r>
-            <a:r>
-              <a:t>not so different than RDF</a:t>
             </a:r>
           </a:p>
         </p:txBody>
@@ -8920,16 +9227,16 @@
       </p:grpSpPr>
       <p:sp>
         <p:nvSpPr>
-          <p:cNvPr id="267" name="Other Issues"/>
+          <p:cNvPr id="276" name="Impact on Cypher"/>
           <p:cNvSpPr txBox="1"/>
           <p:nvPr>
-            <p:ph type="title"/>
+            <p:ph type="body" idx="14"/>
           </p:nvPr>
         </p:nvSpPr>
         <p:spPr>
           <a:xfrm>
-            <a:off x="391503" y="232965"/>
-            <a:ext cx="9952003" cy="2607470"/>
+            <a:off x="499861" y="136525"/>
+            <a:ext cx="15231051" cy="1222376"/>
           </a:xfrm>
           <a:prstGeom prst="rect">
             <a:avLst/>
@@ -8937,216 +9244,37 @@
         </p:spPr>
         <p:txBody>
           <a:bodyPr/>
-          <a:lstStyle/>
+          <a:lstStyle>
+            <a:lvl1pPr algn="l">
+              <a:defRPr cap="all" spc="992" sz="6200"/>
+            </a:lvl1pPr>
+          </a:lstStyle>
           <a:p>
             <a:pPr/>
             <a:r>
-              <a:t>Other Issues</a:t>
+              <a:t>Impact on Cypher</a:t>
             </a:r>
           </a:p>
         </p:txBody>
       </p:sp>
       <p:sp>
         <p:nvSpPr>
-          <p:cNvPr id="268" name="Data Exchange format?…"/>
-          <p:cNvSpPr txBox="1"/>
-          <p:nvPr>
-            <p:ph type="body" idx="1"/>
-          </p:nvPr>
-        </p:nvSpPr>
-        <p:spPr>
-          <a:xfrm>
-            <a:off x="391503" y="1834637"/>
-            <a:ext cx="13563990" cy="11637265"/>
-          </a:xfrm>
-          <a:prstGeom prst="rect">
-            <a:avLst/>
-          </a:prstGeom>
-        </p:spPr>
-        <p:txBody>
-          <a:bodyPr/>
-          <a:lstStyle/>
-          <a:p>
-            <a:pPr marL="336219" indent="-336219" defTabSz="501134">
-              <a:spcBef>
-                <a:spcPts val="2700"/>
-              </a:spcBef>
-              <a:defRPr sz="3233"/>
-            </a:pPr>
-            <a:r>
-              <a:t>Data Exchange format?</a:t>
-            </a:r>
-          </a:p>
-          <a:p>
-            <a:pPr lvl="1" marL="576376" indent="-336219" defTabSz="501134">
-              <a:spcBef>
-                <a:spcPts val="2700"/>
-              </a:spcBef>
-              <a:defRPr sz="3233"/>
-            </a:pPr>
-            <a:r>
-              <a:t>None, except Cypher</a:t>
-            </a:r>
-          </a:p>
-          <a:p>
-            <a:pPr lvl="2" marL="816533" indent="-336219" defTabSz="501134">
-              <a:spcBef>
-                <a:spcPts val="2700"/>
-              </a:spcBef>
-              <a:defRPr sz="3233"/>
-            </a:pPr>
-            <a:r>
-              <a:t>DML Not so performant</a:t>
-            </a:r>
-          </a:p>
-          <a:p>
-            <a:pPr lvl="1" marL="576376" indent="-336219" defTabSz="501134">
-              <a:spcBef>
-                <a:spcPts val="2700"/>
-              </a:spcBef>
-              <a:defRPr sz="3233"/>
-            </a:pPr>
-            <a:r>
-              <a:t>In particular, no </a:t>
-            </a:r>
-            <a:r>
-              <a:rPr>
-                <a:latin typeface="Avenir Heavy"/>
-                <a:ea typeface="Avenir Heavy"/>
-                <a:cs typeface="Avenir Heavy"/>
-                <a:sym typeface="Avenir Heavy"/>
-              </a:rPr>
-              <a:t>standard</a:t>
-            </a:r>
-            <a:r>
-              <a:t> data exchange format</a:t>
-            </a:r>
-          </a:p>
-          <a:p>
-            <a:pPr lvl="1" marL="576376" indent="-336219" defTabSz="501134">
-              <a:spcBef>
-                <a:spcPts val="2700"/>
-              </a:spcBef>
-              <a:defRPr sz="3233"/>
-            </a:pPr>
-            <a:r>
-              <a:t>Could be combined with RDF</a:t>
-            </a:r>
-          </a:p>
-          <a:p>
-            <a:pPr marL="336219" indent="-336219" defTabSz="501134">
-              <a:spcBef>
-                <a:spcPts val="2700"/>
-              </a:spcBef>
-              <a:defRPr sz="3233"/>
-            </a:pPr>
-            <a:r>
-              <a:t>Is Neo4j Open Source?</a:t>
-            </a:r>
-          </a:p>
-          <a:p>
-            <a:pPr lvl="1" marL="576376" indent="-336219" defTabSz="501134">
-              <a:spcBef>
-                <a:spcPts val="2700"/>
-              </a:spcBef>
-              <a:defRPr sz="3233"/>
-            </a:pPr>
-            <a:r>
-              <a:t>Produced by a company, only the Community Edition is OSS</a:t>
-            </a:r>
-          </a:p>
-          <a:p>
-            <a:pPr marL="336219" indent="-336219" defTabSz="501134">
-              <a:spcBef>
-                <a:spcPts val="2700"/>
-              </a:spcBef>
-              <a:defRPr sz="3233"/>
-            </a:pPr>
-            <a:r>
-              <a:t>OpenCypher is available</a:t>
-            </a:r>
-          </a:p>
-          <a:p>
-            <a:pPr marL="336219" indent="-336219" defTabSz="501134">
-              <a:spcBef>
-                <a:spcPts val="2700"/>
-              </a:spcBef>
-              <a:defRPr sz="3233"/>
-            </a:pPr>
-            <a:r>
-              <a:t>Cypher backed by Gremlin/TinkerPop</a:t>
-            </a:r>
-          </a:p>
-          <a:p>
-            <a:pPr lvl="1" marL="576376" indent="-336219" defTabSz="501134">
-              <a:spcBef>
-                <a:spcPts val="2700"/>
-              </a:spcBef>
-              <a:defRPr sz="3233"/>
-            </a:pPr>
-            <a:r>
-              <a:t>Apache project, more reliable OSS-wide</a:t>
-            </a:r>
-          </a:p>
-          <a:p>
-            <a:pPr lvl="1" marL="576376" indent="-336219" defTabSz="501134">
-              <a:spcBef>
-                <a:spcPts val="2700"/>
-              </a:spcBef>
-              <a:defRPr sz="3233"/>
-            </a:pPr>
-            <a:r>
-              <a:t>Performance comparable with Neo4j (</a:t>
-            </a:r>
-            <a:r>
-              <a:rPr u="sng">
-                <a:hlinkClick r:id="rId3" invalidUrl="" action="" tgtFrame="" tooltip="" history="1" highlightClick="0" endSnd="0"/>
-              </a:rPr>
-              <a:t>https://goo.gl/NK1tn2</a:t>
-            </a:r>
-            <a:r>
-              <a:t>)</a:t>
-            </a:r>
-          </a:p>
-          <a:p>
-            <a:pPr lvl="1" marL="576376" indent="-336219" defTabSz="501134">
-              <a:spcBef>
-                <a:spcPts val="2700"/>
-              </a:spcBef>
-              <a:defRPr sz="3233"/>
-            </a:pPr>
-            <a:r>
-              <a:t>More choice of implementations</a:t>
-            </a:r>
-          </a:p>
-          <a:p>
-            <a:pPr lvl="1" marL="576376" indent="-336219" defTabSz="501134">
-              <a:spcBef>
-                <a:spcPts val="2700"/>
-              </a:spcBef>
-              <a:defRPr sz="3233"/>
-            </a:pPr>
-            <a:r>
-              <a:t>Alternative QL, but more complicated IMHO (Cypher supported)</a:t>
-            </a:r>
-          </a:p>
-        </p:txBody>
-      </p:sp>
-      <p:sp>
-        <p:nvSpPr>
-          <p:cNvPr id="269" name="Image credits: https://goo.gl/ysBFF2"/>
+          <p:cNvPr id="277" name="Rich schema-based queries MATCH (mol:{Concept}) &lt;- [:conceptClass] - (cc:ConceptClass),   (cc) &lt;- [:specializationOf*] - (:ConceptClass{name:’Protein’}…"/>
           <p:cNvSpPr txBox="1"/>
           <p:nvPr/>
         </p:nvSpPr>
         <p:spPr>
           <a:xfrm>
-            <a:off x="16992729" y="11296507"/>
-            <a:ext cx="7164554" cy="727076"/>
+            <a:off x="512561" y="1371600"/>
+            <a:ext cx="23153726" cy="11979276"/>
           </a:xfrm>
           <a:prstGeom prst="rect">
             <a:avLst/>
           </a:prstGeom>
-          <a:ln w="12700">
+          <a:ln w="25400">
+            <a:solidFill>
+              <a:srgbClr val="F3F7F5"/>
+            </a:solidFill>
             <a:miter lim="400000"/>
           </a:ln>
           <a:extLst>
@@ -9156,60 +9284,228 @@
           </a:extLst>
         </p:spPr>
         <p:txBody>
-          <a:bodyPr wrap="none" lIns="71437" tIns="71437" rIns="71437" bIns="71437" anchor="ctr">
+          <a:bodyPr lIns="71437" tIns="71437" rIns="71437" bIns="71437" anchor="ctr">
             <a:spAutoFit/>
           </a:bodyPr>
           <a:lstStyle/>
           <a:p>
-            <a:pPr algn="r">
-              <a:defRPr sz="3400">
+            <a:pPr algn="l">
+              <a:spcBef>
+                <a:spcPts val="4500"/>
+              </a:spcBef>
+              <a:defRPr sz="4100"/>
+            </a:pPr>
+            <a:r>
+              <a:rPr>
+                <a:latin typeface="Avenir Heavy"/>
+                <a:ea typeface="Avenir Heavy"/>
+                <a:cs typeface="Avenir Heavy"/>
+                <a:sym typeface="Avenir Heavy"/>
+              </a:rPr>
+              <a:t>Rich schema-based queries</a:t>
+            </a:r>
+            <a:br>
+              <a:rPr>
+                <a:latin typeface="Avenir Heavy"/>
+                <a:ea typeface="Avenir Heavy"/>
+                <a:cs typeface="Avenir Heavy"/>
+                <a:sym typeface="Avenir Heavy"/>
+              </a:rPr>
+            </a:br>
+            <a:r>
+              <a:t>MATCH (mol:{Concept}) &lt;- [:conceptClass] - (cc:ConceptClass),</a:t>
+            </a:r>
+            <a:br/>
+            <a:r>
+              <a:t>  (cc) &lt;- [:specializationOf*] - (:ConceptClass{name:’Protein’} </a:t>
+            </a:r>
+          </a:p>
+          <a:p>
+            <a:pPr algn="l">
+              <a:spcBef>
+                <a:spcPts val="4500"/>
+              </a:spcBef>
+              <a:defRPr sz="4100"/>
+            </a:pPr>
+            <a:r>
+              <a:t>now it’s efficient-enough (especially with length restrictions)</a:t>
+            </a:r>
+          </a:p>
+          <a:p>
+            <a:pPr algn="l">
+              <a:spcBef>
+                <a:spcPts val="4500"/>
+              </a:spcBef>
+              <a:defRPr i="1" sz="4100">
+                <a:latin typeface="Avenir Heavy"/>
+                <a:ea typeface="Avenir Heavy"/>
+                <a:cs typeface="Avenir Heavy"/>
+                <a:sym typeface="Avenir Heavy"/>
+              </a:defRPr>
+            </a:pPr>
+            <a:r>
+              <a:t>However…</a:t>
+            </a:r>
+            <a:br/>
+            <a:r>
+              <a:rPr i="0">
                 <a:latin typeface="Avenir Book Oblique"/>
                 <a:ea typeface="Avenir Book Oblique"/>
                 <a:cs typeface="Avenir Book Oblique"/>
                 <a:sym typeface="Avenir Book Oblique"/>
-              </a:defRPr>
-            </a:pPr>
-            <a:r>
-              <a:t>Image credits: </a:t>
-            </a:r>
-            <a:r>
-              <a:rPr u="sng">
-                <a:hlinkClick r:id="rId4" invalidUrl="" action="" tgtFrame="" tooltip="" history="1" highlightClick="0" endSnd="0"/>
               </a:rPr>
-              <a:t>https://goo.gl/ysBFF2</a:t>
+              <a:t>from: MATCH (react:Reaction) - [:part_of] -&gt; (pway:Path)</a:t>
+            </a:r>
+            <a:br>
+              <a:rPr i="0">
+                <a:latin typeface="Avenir Book Oblique"/>
+                <a:ea typeface="Avenir Book Oblique"/>
+                <a:cs typeface="Avenir Book Oblique"/>
+                <a:sym typeface="Avenir Book Oblique"/>
+              </a:rPr>
+            </a:br>
+            <a:r>
+              <a:rPr i="0">
+                <a:latin typeface="Avenir Book Oblique"/>
+                <a:ea typeface="Avenir Book Oblique"/>
+                <a:cs typeface="Avenir Book Oblique"/>
+                <a:sym typeface="Avenir Book Oblique"/>
+              </a:rPr>
+              <a:t>to: MATCH (react:Concept {ccName: ‘Reaction’}) </a:t>
+            </a:r>
+            <a:br>
+              <a:rPr i="0">
+                <a:latin typeface="Avenir Book Oblique"/>
+                <a:ea typeface="Avenir Book Oblique"/>
+                <a:cs typeface="Avenir Book Oblique"/>
+                <a:sym typeface="Avenir Book Oblique"/>
+              </a:rPr>
+            </a:br>
+            <a:r>
+              <a:rPr i="0">
+                <a:latin typeface="Avenir Book Oblique"/>
+                <a:ea typeface="Avenir Book Oblique"/>
+                <a:cs typeface="Avenir Book Oblique"/>
+                <a:sym typeface="Avenir Book Oblique"/>
+              </a:rPr>
+              <a:t>  &lt;- [:from] - (partof:Relation {name:'part_of'}) </a:t>
+            </a:r>
+            <a:br>
+              <a:rPr i="0">
+                <a:latin typeface="Avenir Book Oblique"/>
+                <a:ea typeface="Avenir Book Oblique"/>
+                <a:cs typeface="Avenir Book Oblique"/>
+                <a:sym typeface="Avenir Book Oblique"/>
+              </a:rPr>
+            </a:br>
+            <a:r>
+              <a:rPr i="0">
+                <a:latin typeface="Avenir Book Oblique"/>
+                <a:ea typeface="Avenir Book Oblique"/>
+                <a:cs typeface="Avenir Book Oblique"/>
+                <a:sym typeface="Avenir Book Oblique"/>
+              </a:rPr>
+              <a:t>  - [:to] -&gt; (pway:Concept {ccName:'Path'})</a:t>
+            </a:r>
+            <a:br>
+              <a:rPr i="0">
+                <a:latin typeface="Avenir Book Oblique"/>
+                <a:ea typeface="Avenir Book Oblique"/>
+                <a:cs typeface="Avenir Book Oblique"/>
+                <a:sym typeface="Avenir Book Oblique"/>
+              </a:rPr>
+            </a:br>
+            <a:br>
+              <a:rPr i="0">
+                <a:latin typeface="Avenir Book Oblique"/>
+                <a:ea typeface="Avenir Book Oblique"/>
+                <a:cs typeface="Avenir Book Oblique"/>
+                <a:sym typeface="Avenir Book Oblique"/>
+              </a:rPr>
+            </a:br>
+            <a:r>
+              <a:rPr i="0">
+                <a:latin typeface="Avenir Book Oblique"/>
+                <a:ea typeface="Avenir Book Oblique"/>
+                <a:cs typeface="Avenir Book Oblique"/>
+                <a:sym typeface="Avenir Book Oblique"/>
+              </a:rPr>
+              <a:t>What if we want variable-length part_of?</a:t>
+            </a:r>
+            <a:br>
+              <a:rPr i="0">
+                <a:latin typeface="Avenir Book Oblique"/>
+                <a:ea typeface="Avenir Book Oblique"/>
+                <a:cs typeface="Avenir Book Oblique"/>
+                <a:sym typeface="Avenir Book Oblique"/>
+              </a:rPr>
+            </a:br>
+            <a:r>
+              <a:t>    Not currently possible in Cypher (nor in SPARQL), </a:t>
+            </a:r>
+            <a:br/>
+            <a:r>
+              <a:rPr i="0">
+                <a:latin typeface="Avenir Book Oblique"/>
+                <a:ea typeface="Avenir Book Oblique"/>
+                <a:cs typeface="Avenir Book Oblique"/>
+                <a:sym typeface="Avenir Book Oblique"/>
+              </a:rPr>
+              <a:t>    maybe in future (</a:t>
+            </a:r>
+            <a:r>
+              <a:rPr i="0" u="sng">
+                <a:latin typeface="Avenir Book Oblique"/>
+                <a:ea typeface="Avenir Book Oblique"/>
+                <a:cs typeface="Avenir Book Oblique"/>
+                <a:sym typeface="Avenir Book Oblique"/>
+                <a:hlinkClick r:id="rId2" invalidUrl="" action="" tgtFrame="" tooltip="" history="1" highlightClick="0" endSnd="0"/>
+              </a:rPr>
+              <a:t>https://github.com/neo4j/neo4j/issues/88</a:t>
+            </a:r>
+            <a:r>
+              <a:rPr i="0">
+                <a:latin typeface="Avenir Book Oblique"/>
+                <a:ea typeface="Avenir Book Oblique"/>
+                <a:cs typeface="Avenir Book Oblique"/>
+                <a:sym typeface="Avenir Book Oblique"/>
+              </a:rPr>
+              <a:t>)</a:t>
+            </a:r>
+            <a:br>
+              <a:rPr i="0">
+                <a:latin typeface="Avenir Book Oblique"/>
+                <a:ea typeface="Avenir Book Oblique"/>
+                <a:cs typeface="Avenir Book Oblique"/>
+                <a:sym typeface="Avenir Book Oblique"/>
+              </a:rPr>
+            </a:br>
+            <a:r>
+              <a:t>=&gt; Having both model, redundantly, would probably be worth</a:t>
+            </a:r>
+            <a:br>
+              <a:rPr i="0">
+                <a:latin typeface="Avenir Book Oblique"/>
+                <a:ea typeface="Avenir Book Oblique"/>
+                <a:cs typeface="Avenir Book Oblique"/>
+                <a:sym typeface="Avenir Book Oblique"/>
+              </a:rPr>
+            </a:br>
+            <a:r>
+              <a:rPr i="0">
+                <a:latin typeface="Avenir Book Oblique"/>
+                <a:ea typeface="Avenir Book Oblique"/>
+                <a:cs typeface="Avenir Book Oblique"/>
+                <a:sym typeface="Avenir Book Oblique"/>
+              </a:rPr>
+              <a:t>     =&gt; makes it </a:t>
+            </a:r>
+            <a:r>
+              <a:t>not so different than RDF</a:t>
             </a:r>
           </a:p>
         </p:txBody>
       </p:sp>
-      <p:pic>
-        <p:nvPicPr>
-          <p:cNvPr id="270" name="tinkerpop.jpg" descr="tinkerpop.jpg"/>
-          <p:cNvPicPr>
-            <a:picLocks noChangeAspect="1"/>
-          </p:cNvPicPr>
-          <p:nvPr/>
-        </p:nvPicPr>
-        <p:blipFill>
-          <a:blip r:embed="rId5">
-            <a:extLst/>
-          </a:blip>
-          <a:stretch>
-            <a:fillRect/>
-          </a:stretch>
-        </p:blipFill>
-        <p:spPr>
-          <a:xfrm>
-            <a:off x="13105094" y="2840434"/>
-            <a:ext cx="11052189" cy="8297803"/>
-          </a:xfrm>
-          <a:prstGeom prst="rect">
-            <a:avLst/>
-          </a:prstGeom>
-          <a:ln w="12700">
-            <a:miter lim="400000"/>
-          </a:ln>
-        </p:spPr>
-      </p:pic>
     </p:spTree>
   </p:cSld>
   <p:clrMapOvr>
@@ -9238,7 +9534,7 @@
       </p:grpSpPr>
       <p:sp>
         <p:nvSpPr>
-          <p:cNvPr id="272" name="Conclusions"/>
+          <p:cNvPr id="279" name="Other Issues"/>
           <p:cNvSpPr txBox="1"/>
           <p:nvPr>
             <p:ph type="title"/>
@@ -9246,7 +9542,325 @@
         </p:nvSpPr>
         <p:spPr>
           <a:xfrm>
-            <a:off x="2063444" y="952221"/>
+            <a:off x="391503" y="232965"/>
+            <a:ext cx="9952003" cy="2607470"/>
+          </a:xfrm>
+          <a:prstGeom prst="rect">
+            <a:avLst/>
+          </a:prstGeom>
+        </p:spPr>
+        <p:txBody>
+          <a:bodyPr/>
+          <a:lstStyle/>
+          <a:p>
+            <a:pPr/>
+            <a:r>
+              <a:t>Other Issues</a:t>
+            </a:r>
+          </a:p>
+        </p:txBody>
+      </p:sp>
+      <p:sp>
+        <p:nvSpPr>
+          <p:cNvPr id="280" name="Data Exchange format?…"/>
+          <p:cNvSpPr txBox="1"/>
+          <p:nvPr>
+            <p:ph type="body" idx="1"/>
+          </p:nvPr>
+        </p:nvSpPr>
+        <p:spPr>
+          <a:xfrm>
+            <a:off x="391503" y="1834637"/>
+            <a:ext cx="13563990" cy="11637265"/>
+          </a:xfrm>
+          <a:prstGeom prst="rect">
+            <a:avLst/>
+          </a:prstGeom>
+        </p:spPr>
+        <p:txBody>
+          <a:bodyPr/>
+          <a:lstStyle/>
+          <a:p>
+            <a:pPr marL="336219" indent="-336219" defTabSz="501134">
+              <a:spcBef>
+                <a:spcPts val="2700"/>
+              </a:spcBef>
+              <a:defRPr sz="3233"/>
+            </a:pPr>
+            <a:r>
+              <a:t>Data Exchange format?</a:t>
+            </a:r>
+          </a:p>
+          <a:p>
+            <a:pPr lvl="1" marL="576376" indent="-336219" defTabSz="501134">
+              <a:spcBef>
+                <a:spcPts val="2700"/>
+              </a:spcBef>
+              <a:defRPr sz="3233"/>
+            </a:pPr>
+            <a:r>
+              <a:t>None, except Cypher</a:t>
+            </a:r>
+          </a:p>
+          <a:p>
+            <a:pPr lvl="2" marL="816533" indent="-336219" defTabSz="501134">
+              <a:spcBef>
+                <a:spcPts val="2700"/>
+              </a:spcBef>
+              <a:defRPr sz="3233"/>
+            </a:pPr>
+            <a:r>
+              <a:t>DML not so performant</a:t>
+            </a:r>
+          </a:p>
+          <a:p>
+            <a:pPr lvl="1" marL="576376" indent="-336219" defTabSz="501134">
+              <a:spcBef>
+                <a:spcPts val="2700"/>
+              </a:spcBef>
+              <a:defRPr sz="3233"/>
+            </a:pPr>
+            <a:r>
+              <a:t>In particular, no </a:t>
+            </a:r>
+            <a:r>
+              <a:rPr>
+                <a:latin typeface="Avenir Heavy"/>
+                <a:ea typeface="Avenir Heavy"/>
+                <a:cs typeface="Avenir Heavy"/>
+                <a:sym typeface="Avenir Heavy"/>
+              </a:rPr>
+              <a:t>standard</a:t>
+            </a:r>
+            <a:r>
+              <a:t> data exchange format</a:t>
+            </a:r>
+          </a:p>
+          <a:p>
+            <a:pPr lvl="1" marL="576376" indent="-336219" defTabSz="501134">
+              <a:spcBef>
+                <a:spcPts val="2700"/>
+              </a:spcBef>
+              <a:defRPr sz="3233"/>
+            </a:pPr>
+            <a:r>
+              <a:t>Could be combined with RDF</a:t>
+            </a:r>
+          </a:p>
+          <a:p>
+            <a:pPr marL="336219" indent="-336219" defTabSz="501134">
+              <a:spcBef>
+                <a:spcPts val="2700"/>
+              </a:spcBef>
+              <a:defRPr sz="3233"/>
+            </a:pPr>
+            <a:r>
+              <a:t>Is Neo4j Open Source?</a:t>
+            </a:r>
+          </a:p>
+          <a:p>
+            <a:pPr lvl="1" marL="576376" indent="-336219" defTabSz="501134">
+              <a:spcBef>
+                <a:spcPts val="2700"/>
+              </a:spcBef>
+              <a:defRPr sz="3233"/>
+            </a:pPr>
+            <a:r>
+              <a:t>Produced by a company, only the Community Edition is OSS</a:t>
+            </a:r>
+          </a:p>
+          <a:p>
+            <a:pPr marL="336219" indent="-336219" defTabSz="501134">
+              <a:spcBef>
+                <a:spcPts val="2700"/>
+              </a:spcBef>
+              <a:defRPr sz="3233"/>
+            </a:pPr>
+            <a:r>
+              <a:t>OpenCypher is available</a:t>
+            </a:r>
+          </a:p>
+          <a:p>
+            <a:pPr marL="336219" indent="-336219" defTabSz="501134">
+              <a:spcBef>
+                <a:spcPts val="2700"/>
+              </a:spcBef>
+              <a:defRPr sz="3233"/>
+            </a:pPr>
+            <a:r>
+              <a:t>Cypher backed by Gremlin/TinkerPop</a:t>
+            </a:r>
+          </a:p>
+          <a:p>
+            <a:pPr lvl="1" marL="576376" indent="-336219" defTabSz="501134">
+              <a:spcBef>
+                <a:spcPts val="2700"/>
+              </a:spcBef>
+              <a:defRPr sz="3233"/>
+            </a:pPr>
+            <a:r>
+              <a:t>Apache project, more reliable OSS-wide</a:t>
+            </a:r>
+          </a:p>
+          <a:p>
+            <a:pPr lvl="1" marL="576376" indent="-336219" defTabSz="501134">
+              <a:spcBef>
+                <a:spcPts val="2700"/>
+              </a:spcBef>
+              <a:defRPr sz="3233"/>
+            </a:pPr>
+            <a:r>
+              <a:t>Performance comparable with Neo4j (</a:t>
+            </a:r>
+            <a:r>
+              <a:rPr u="sng">
+                <a:hlinkClick r:id="rId2" invalidUrl="" action="" tgtFrame="" tooltip="" history="1" highlightClick="0" endSnd="0"/>
+              </a:rPr>
+              <a:t>https://goo.gl/NK1tn2</a:t>
+            </a:r>
+            <a:r>
+              <a:t>)</a:t>
+            </a:r>
+          </a:p>
+          <a:p>
+            <a:pPr lvl="1" marL="576376" indent="-336219" defTabSz="501134">
+              <a:spcBef>
+                <a:spcPts val="2700"/>
+              </a:spcBef>
+              <a:defRPr sz="3233"/>
+            </a:pPr>
+            <a:r>
+              <a:t>More choice of implementations</a:t>
+            </a:r>
+          </a:p>
+          <a:p>
+            <a:pPr lvl="1" marL="576376" indent="-336219" defTabSz="501134">
+              <a:spcBef>
+                <a:spcPts val="2700"/>
+              </a:spcBef>
+              <a:defRPr sz="3233"/>
+            </a:pPr>
+            <a:r>
+              <a:t>Alternative QL, but more complicated IMHO (Cypher supported)</a:t>
+            </a:r>
+          </a:p>
+        </p:txBody>
+      </p:sp>
+      <p:sp>
+        <p:nvSpPr>
+          <p:cNvPr id="281" name="Image credits: https://goo.gl/ysBFF2"/>
+          <p:cNvSpPr txBox="1"/>
+          <p:nvPr/>
+        </p:nvSpPr>
+        <p:spPr>
+          <a:xfrm>
+            <a:off x="16992729" y="11296507"/>
+            <a:ext cx="7164554" cy="727076"/>
+          </a:xfrm>
+          <a:prstGeom prst="rect">
+            <a:avLst/>
+          </a:prstGeom>
+          <a:ln w="12700">
+            <a:miter lim="400000"/>
+          </a:ln>
+          <a:extLst>
+            <a:ext uri="{C572A759-6A51-4108-AA02-DFA0A04FC94B}">
+              <ma14:wrappingTextBoxFlag xmlns:ma14="http://schemas.microsoft.com/office/mac/drawingml/2011/main" val="1"/>
+            </a:ext>
+          </a:extLst>
+        </p:spPr>
+        <p:txBody>
+          <a:bodyPr wrap="none" lIns="71437" tIns="71437" rIns="71437" bIns="71437" anchor="ctr">
+            <a:spAutoFit/>
+          </a:bodyPr>
+          <a:lstStyle/>
+          <a:p>
+            <a:pPr algn="r">
+              <a:defRPr sz="3400">
+                <a:latin typeface="Avenir Book Oblique"/>
+                <a:ea typeface="Avenir Book Oblique"/>
+                <a:cs typeface="Avenir Book Oblique"/>
+                <a:sym typeface="Avenir Book Oblique"/>
+              </a:defRPr>
+            </a:pPr>
+            <a:r>
+              <a:t>Image credits: </a:t>
+            </a:r>
+            <a:r>
+              <a:rPr u="sng">
+                <a:hlinkClick r:id="rId3" invalidUrl="" action="" tgtFrame="" tooltip="" history="1" highlightClick="0" endSnd="0"/>
+              </a:rPr>
+              <a:t>https://goo.gl/ysBFF2</a:t>
+            </a:r>
+          </a:p>
+        </p:txBody>
+      </p:sp>
+      <p:pic>
+        <p:nvPicPr>
+          <p:cNvPr id="282" name="tinkerpop.jpg" descr="tinkerpop.jpg"/>
+          <p:cNvPicPr>
+            <a:picLocks noChangeAspect="1"/>
+          </p:cNvPicPr>
+          <p:nvPr/>
+        </p:nvPicPr>
+        <p:blipFill>
+          <a:blip r:embed="rId4">
+            <a:extLst/>
+          </a:blip>
+          <a:stretch>
+            <a:fillRect/>
+          </a:stretch>
+        </p:blipFill>
+        <p:spPr>
+          <a:xfrm>
+            <a:off x="13105094" y="2840434"/>
+            <a:ext cx="11052189" cy="8297803"/>
+          </a:xfrm>
+          <a:prstGeom prst="rect">
+            <a:avLst/>
+          </a:prstGeom>
+          <a:ln w="12700">
+            <a:miter lim="400000"/>
+          </a:ln>
+        </p:spPr>
+      </p:pic>
+    </p:spTree>
+  </p:cSld>
+  <p:clrMapOvr>
+    <a:masterClrMapping/>
+  </p:clrMapOvr>
+  <p:transition xmlns:p14="http://schemas.microsoft.com/office/powerpoint/2010/main" spd="med" advClick="1"/>
+</p:sld>
+</file>
+
+<file path=ppt/slides/slide33.xml><?xml version="1.0" encoding="utf-8"?>
+<p:sld xmlns:a="http://schemas.openxmlformats.org/drawingml/2006/main" xmlns:r="http://schemas.openxmlformats.org/officeDocument/2006/relationships" xmlns:p="http://schemas.openxmlformats.org/presentationml/2006/main" showMasterSp="1" showMasterPhAnim="1">
+  <p:cSld>
+    <p:spTree>
+      <p:nvGrpSpPr>
+        <p:cNvPr id="1" name=""/>
+        <p:cNvGrpSpPr/>
+        <p:nvPr/>
+      </p:nvGrpSpPr>
+      <p:grpSpPr>
+        <a:xfrm>
+          <a:off x="0" y="0"/>
+          <a:ext cx="0" cy="0"/>
+          <a:chOff x="0" y="0"/>
+          <a:chExt cx="0" cy="0"/>
+        </a:xfrm>
+      </p:grpSpPr>
+      <p:sp>
+        <p:nvSpPr>
+          <p:cNvPr id="284" name="Conclusions"/>
+          <p:cNvSpPr txBox="1"/>
+          <p:nvPr>
+            <p:ph type="title"/>
+          </p:nvPr>
+        </p:nvSpPr>
+        <p:spPr>
+          <a:xfrm>
+            <a:off x="740276" y="501105"/>
             <a:ext cx="16430626" cy="2000251"/>
           </a:xfrm>
           <a:prstGeom prst="rect">
@@ -9266,13 +9880,13 @@
       </p:sp>
       <p:graphicFrame>
         <p:nvGraphicFramePr>
-          <p:cNvPr id="273" name="Table"/>
+          <p:cNvPr id="285" name="Table"/>
           <p:cNvGraphicFramePr/>
           <p:nvPr/>
         </p:nvGraphicFramePr>
         <p:xfrm>
-          <a:off x="1834674" y="3227456"/>
-          <a:ext cx="20717826" cy="7264263"/>
+          <a:off x="740276" y="2952471"/>
+          <a:ext cx="22906623" cy="9803435"/>
         </p:xfrm>
         <a:graphic xmlns:a="http://schemas.openxmlformats.org/drawingml/2006/main">
           <a:graphicData uri="http://schemas.openxmlformats.org/drawingml/2006/table">
@@ -9281,11 +9895,11 @@
                 <a:tableStyleId>{4C3C2611-4C71-4FC5-86AE-919BDF0F9419}</a:tableStyleId>
               </a:tblPr>
               <a:tblGrid>
-                <a:gridCol w="3404479"/>
-                <a:gridCol w="8269124"/>
-                <a:gridCol w="9041047"/>
+                <a:gridCol w="3764211"/>
+                <a:gridCol w="9142874"/>
+                <a:gridCol w="9996362"/>
               </a:tblGrid>
-              <a:tr h="1210181">
+              <a:tr h="1400037">
                 <a:tc>
                   <a:txBody>
                     <a:bodyPr/>
@@ -9448,7 +10062,7 @@
                   </a:tcPr>
                 </a:tc>
               </a:tr>
-              <a:tr h="1210181">
+              <a:tr h="1400037">
                 <a:tc>
                   <a:txBody>
                     <a:bodyPr/>
@@ -9639,7 +10253,200 @@
                   </a:tcPr>
                 </a:tc>
               </a:tr>
-              <a:tr h="1210181">
+              <a:tr h="1400037">
+                <a:tc>
+                  <a:txBody>
+                    <a:bodyPr/>
+                    <a:lstStyle/>
+                    <a:p>
+                      <a:pPr>
+                        <a:tabLst>
+                          <a:tab pos="1651000" algn="l"/>
+                        </a:tabLst>
+                        <a:defRPr sz="1800">
+                          <a:solidFill>
+                            <a:srgbClr val="000000"/>
+                          </a:solidFill>
+                        </a:defRPr>
+                      </a:pPr>
+                      <a:r>
+                        <a:rPr sz="3200">
+                          <a:solidFill>
+                            <a:srgbClr val="2D2D2D"/>
+                          </a:solidFill>
+                          <a:latin typeface="Helvetica Neue Bold Condensed"/>
+                          <a:ea typeface="Helvetica Neue Bold Condensed"/>
+                          <a:cs typeface="Helvetica Neue Bold Condensed"/>
+                          <a:sym typeface="Helvetica Neue Bold Condensed"/>
+                        </a:rPr>
+                        <a:t>Data model</a:t>
+                      </a:r>
+                    </a:p>
+                  </a:txBody>
+                  <a:tcPr marL="50800" marR="50800" marT="50800" marB="50800" anchor="ctr" anchorCtr="0" horzOverflow="overflow">
+                    <a:lnL w="3175">
+                      <a:solidFill>
+                        <a:srgbClr val="F2F2F2"/>
+                      </a:solidFill>
+                      <a:miter lim="400000"/>
+                    </a:lnL>
+                    <a:lnR w="3175">
+                      <a:miter lim="400000"/>
+                    </a:lnR>
+                    <a:lnT w="3175">
+                      <a:solidFill>
+                        <a:srgbClr val="86B5C3">
+                          <a:alpha val="75000"/>
+                        </a:srgbClr>
+                      </a:solidFill>
+                      <a:miter lim="400000"/>
+                    </a:lnT>
+                    <a:lnB w="3175">
+                      <a:solidFill>
+                        <a:srgbClr val="86B5C3">
+                          <a:alpha val="75000"/>
+                        </a:srgbClr>
+                      </a:solidFill>
+                      <a:miter lim="400000"/>
+                    </a:lnB>
+                    <a:blipFill rotWithShape="1">
+                      <a:blip r:embed="rId2"/>
+                      <a:srcRect l="0" t="0" r="0" b="0"/>
+                      <a:tile tx="0" ty="0" sx="100000" sy="100000" flip="none" algn="tl"/>
+                    </a:blipFill>
+                  </a:tcPr>
+                </a:tc>
+                <a:tc>
+                  <a:txBody>
+                    <a:bodyPr/>
+                    <a:lstStyle/>
+                    <a:p>
+                      <a:pPr>
+                        <a:tabLst>
+                          <a:tab pos="1651000" algn="l"/>
+                        </a:tabLst>
+                        <a:defRPr sz="1800">
+                          <a:solidFill>
+                            <a:srgbClr val="000000"/>
+                          </a:solidFill>
+                        </a:defRPr>
+                      </a:pPr>
+                      <a:r>
+                        <a:rPr sz="3200">
+                          <a:solidFill>
+                            <a:srgbClr val="FFFFFF"/>
+                          </a:solidFill>
+                          <a:effectLst>
+                            <a:outerShdw sx="100000" sy="100000" kx="0" ky="0" algn="b" rotWithShape="0" blurRad="25400" dist="12700" dir="5400000">
+                              <a:srgbClr val="000000">
+                                <a:alpha val="60000"/>
+                              </a:srgbClr>
+                            </a:outerShdw>
+                          </a:effectLst>
+                          <a:latin typeface="Helvetica Neue Bold Condensed"/>
+                          <a:ea typeface="Helvetica Neue Bold Condensed"/>
+                          <a:cs typeface="Helvetica Neue Bold Condensed"/>
+                          <a:sym typeface="Helvetica Neue Bold Condensed"/>
+                        </a:rPr>
+                        <a:t>+ Relations with properties
+- Metadata management</a:t>
+                      </a:r>
+                    </a:p>
+                  </a:txBody>
+                  <a:tcPr marL="50800" marR="50800" marT="50800" marB="50800" anchor="ctr" anchorCtr="0" horzOverflow="overflow">
+                    <a:lnL w="3175">
+                      <a:miter lim="400000"/>
+                    </a:lnL>
+                    <a:lnR w="12700">
+                      <a:miter lim="400000"/>
+                    </a:lnR>
+                    <a:lnT w="3175">
+                      <a:solidFill>
+                        <a:srgbClr val="797979">
+                          <a:alpha val="38000"/>
+                        </a:srgbClr>
+                      </a:solidFill>
+                      <a:miter lim="400000"/>
+                    </a:lnT>
+                    <a:lnB w="3175">
+                      <a:solidFill>
+                        <a:srgbClr val="797979">
+                          <a:alpha val="38000"/>
+                        </a:srgbClr>
+                      </a:solidFill>
+                      <a:miter lim="400000"/>
+                    </a:lnB>
+                    <a:noFill/>
+                  </a:tcPr>
+                </a:tc>
+                <a:tc>
+                  <a:txBody>
+                    <a:bodyPr/>
+                    <a:lstStyle/>
+                    <a:p>
+                      <a:pPr>
+                        <a:tabLst>
+                          <a:tab pos="1651000" algn="l"/>
+                        </a:tabLst>
+                        <a:defRPr sz="1800">
+                          <a:solidFill>
+                            <a:srgbClr val="000000"/>
+                          </a:solidFill>
+                        </a:defRPr>
+                      </a:pPr>
+                      <a:r>
+                        <a:rPr sz="3200">
+                          <a:solidFill>
+                            <a:srgbClr val="FFFFFF"/>
+                          </a:solidFill>
+                          <a:effectLst>
+                            <a:outerShdw sx="100000" sy="100000" kx="0" ky="0" algn="b" rotWithShape="0" blurRad="25400" dist="12700" dir="5400000">
+                              <a:srgbClr val="000000">
+                                <a:alpha val="60000"/>
+                              </a:srgbClr>
+                            </a:outerShdw>
+                          </a:effectLst>
+                          <a:latin typeface="Helvetica Neue Bold Condensed"/>
+                          <a:ea typeface="Helvetica Neue Bold Condensed"/>
+                          <a:cs typeface="Helvetica Neue Bold Condensed"/>
+                          <a:sym typeface="Helvetica Neue Bold Condensed"/>
+                        </a:rPr>
+                        <a:t>- Relations cannot have properties (req. reification)
++ Metadata as first citizen</a:t>
+                      </a:r>
+                    </a:p>
+                  </a:txBody>
+                  <a:tcPr marL="50800" marR="50800" marT="50800" marB="50800" anchor="ctr" anchorCtr="0" horzOverflow="overflow">
+                    <a:lnL w="12700">
+                      <a:miter lim="400000"/>
+                    </a:lnL>
+                    <a:lnR w="3175">
+                      <a:solidFill>
+                        <a:srgbClr val="F2F2F2"/>
+                      </a:solidFill>
+                      <a:miter lim="400000"/>
+                    </a:lnR>
+                    <a:lnT w="3175">
+                      <a:solidFill>
+                        <a:srgbClr val="797979">
+                          <a:alpha val="38000"/>
+                        </a:srgbClr>
+                      </a:solidFill>
+                      <a:miter lim="400000"/>
+                    </a:lnT>
+                    <a:lnB w="3175">
+                      <a:solidFill>
+                        <a:srgbClr val="797979">
+                          <a:alpha val="38000"/>
+                        </a:srgbClr>
+                      </a:solidFill>
+                      <a:miter lim="400000"/>
+                    </a:lnB>
+                    <a:noFill/>
+                  </a:tcPr>
+                </a:tc>
+              </a:tr>
+              <a:tr h="1400037">
                 <a:tc>
                   <a:txBody>
                     <a:bodyPr/>
@@ -9830,7 +10637,7 @@
                   </a:tcPr>
                 </a:tc>
               </a:tr>
-              <a:tr h="1210181">
+              <a:tr h="1400037">
                 <a:tc>
                   <a:txBody>
                     <a:bodyPr/>
@@ -10023,7 +10830,7 @@
                   </a:tcPr>
                 </a:tc>
               </a:tr>
-              <a:tr h="1210181">
+              <a:tr h="1400037">
                 <a:tc>
                   <a:txBody>
                     <a:bodyPr/>
@@ -10050,7 +10857,7 @@
                           <a:sym typeface="Helvetica Neue Bold Condensed"/>
                         </a:rPr>
                         <a:t>Standardisation,
-Openness</a:t>
+openness</a:t>
                       </a:r>
                     </a:p>
                   </a:txBody>
@@ -10215,7 +11022,7 @@
                   </a:tcPr>
                 </a:tc>
               </a:tr>
-              <a:tr h="1210181">
+              <a:tr h="1400037">
                 <a:tc>
                   <a:txBody>
                     <a:bodyPr/>
@@ -10242,7 +11049,7 @@
                           <a:sym typeface="Helvetica Neue Bold Condensed"/>
                         </a:rPr>
                         <a:t>Scalability, -Big Data</a:t>
+big data</a:t>
                       </a:r>
                     </a:p>
                   </a:txBody>
@@ -10415,96 +11222,6 @@
 </p:sld>
 </file>
 
-<file path=ppt/slides/slide33.xml><?xml version="1.0" encoding="utf-8"?>
-<p:sld xmlns:a="http://schemas.openxmlformats.org/drawingml/2006/main" xmlns:r="http://schemas.openxmlformats.org/officeDocument/2006/relationships" xmlns:p="http://schemas.openxmlformats.org/presentationml/2006/main" showMasterSp="1" showMasterPhAnim="1">
-  <p:cSld>
-    <p:spTree>
-      <p:nvGrpSpPr>
-        <p:cNvPr id="1" name=""/>
-        <p:cNvGrpSpPr/>
-        <p:nvPr/>
-      </p:nvGrpSpPr>
-      <p:grpSpPr>
-        <a:xfrm>
-          <a:off x="0" y="0"/>
-          <a:ext cx="0" cy="0"/>
-          <a:chOff x="0" y="0"/>
-          <a:chExt cx="0" cy="0"/>
-        </a:xfrm>
-      </p:grpSpPr>
-      <p:sp>
-        <p:nvSpPr>
-          <p:cNvPr id="275" name="Conclusions"/>
-          <p:cNvSpPr txBox="1"/>
-          <p:nvPr>
-            <p:ph type="title"/>
-          </p:nvPr>
-        </p:nvSpPr>
-        <p:spPr>
-          <a:xfrm>
-            <a:off x="2063444" y="952221"/>
-            <a:ext cx="16430626" cy="2000251"/>
-          </a:xfrm>
-          <a:prstGeom prst="rect">
-            <a:avLst/>
-          </a:prstGeom>
-        </p:spPr>
-        <p:txBody>
-          <a:bodyPr/>
-          <a:lstStyle/>
-          <a:p>
-            <a:pPr/>
-            <a:r>
-              <a:t>Conclusions</a:t>
-            </a:r>
-          </a:p>
-        </p:txBody>
-      </p:sp>
-      <p:pic>
-        <p:nvPicPr>
-          <p:cNvPr id="276" name="conclusions_backend.png" descr="conclusions_backend.png"/>
-          <p:cNvPicPr>
-            <a:picLocks noChangeAspect="1"/>
-          </p:cNvPicPr>
-          <p:nvPr/>
-        </p:nvPicPr>
-        <p:blipFill>
-          <a:blip r:embed="rId2">
-            <a:extLst/>
-          </a:blip>
-          <a:stretch>
-            <a:fillRect/>
-          </a:stretch>
-        </p:blipFill>
-        <p:spPr>
-          <a:xfrm>
-            <a:off x="2063444" y="3369014"/>
-            <a:ext cx="19760592" cy="9309927"/>
-          </a:xfrm>
-          <a:prstGeom prst="rect">
-            <a:avLst/>
-          </a:prstGeom>
-          <a:ln w="25400">
-            <a:miter lim="400000"/>
-          </a:ln>
-          <a:effectLst>
-            <a:outerShdw sx="100000" sy="100000" kx="0" ky="0" algn="b" rotWithShape="0" blurRad="355600" dist="177800" dir="5400000">
-              <a:srgbClr val="000000">
-                <a:alpha val="70000"/>
-              </a:srgbClr>
-            </a:outerShdw>
-          </a:effectLst>
-        </p:spPr>
-      </p:pic>
-    </p:spTree>
-  </p:cSld>
-  <p:clrMapOvr>
-    <a:masterClrMapping/>
-  </p:clrMapOvr>
-  <p:transition xmlns:p14="http://schemas.microsoft.com/office/powerpoint/2010/main" spd="med" advClick="1"/>
-</p:sld>
-</file>
-
 <file path=ppt/slides/slide34.xml><?xml version="1.0" encoding="utf-8"?>
 <p:sld xmlns:a="http://schemas.openxmlformats.org/drawingml/2006/main" xmlns:r="http://schemas.openxmlformats.org/officeDocument/2006/relationships" xmlns:p="http://schemas.openxmlformats.org/presentationml/2006/main" showMasterSp="1" showMasterPhAnim="1">
   <p:cSld>
@@ -10524,7 +11241,7 @@
       </p:grpSpPr>
       <p:sp>
         <p:nvSpPr>
-          <p:cNvPr id="278" name="Conclusions"/>
+          <p:cNvPr id="287" name="Conclusions"/>
           <p:cNvSpPr txBox="1"/>
           <p:nvPr>
             <p:ph type="title"/>
@@ -10532,8 +11249,8 @@
         </p:nvSpPr>
         <p:spPr>
           <a:xfrm>
-            <a:off x="2063444" y="952221"/>
-            <a:ext cx="16430626" cy="2000251"/>
+            <a:off x="211495" y="320675"/>
+            <a:ext cx="16430626" cy="2000250"/>
           </a:xfrm>
           <a:prstGeom prst="rect">
             <a:avLst/>
@@ -10552,7 +11269,7 @@
       </p:sp>
       <p:pic>
         <p:nvPicPr>
-          <p:cNvPr id="279" name="conclusions_format.png" descr="conclusions_format.png"/>
+          <p:cNvPr id="288" name="conclusions_backend.png" descr="conclusions_backend.png"/>
           <p:cNvPicPr>
             <a:picLocks noChangeAspect="1"/>
           </p:cNvPicPr>
@@ -10568,22 +11285,15 @@
         </p:blipFill>
         <p:spPr>
           <a:xfrm>
-            <a:off x="957676" y="5384799"/>
-            <a:ext cx="22468648" cy="6097849"/>
+            <a:off x="-1" y="3177491"/>
+            <a:ext cx="24384001" cy="8991600"/>
           </a:xfrm>
           <a:prstGeom prst="rect">
             <a:avLst/>
           </a:prstGeom>
-          <a:ln w="25400">
+          <a:ln w="12700">
             <a:miter lim="400000"/>
           </a:ln>
-          <a:effectLst>
-            <a:outerShdw sx="100000" sy="100000" kx="0" ky="0" algn="b" rotWithShape="0" blurRad="355600" dist="177800" dir="5400000">
-              <a:srgbClr val="000000">
-                <a:alpha val="70000"/>
-              </a:srgbClr>
-            </a:outerShdw>
-          </a:effectLst>
         </p:spPr>
       </p:pic>
     </p:spTree>
@@ -10614,7 +11324,7 @@
       </p:grpSpPr>
       <p:sp>
         <p:nvSpPr>
-          <p:cNvPr id="281" name="Conclusions"/>
+          <p:cNvPr id="290" name="Conclusions"/>
           <p:cNvSpPr txBox="1"/>
           <p:nvPr>
             <p:ph type="title"/>
@@ -10622,8 +11332,8 @@
         </p:nvSpPr>
         <p:spPr>
           <a:xfrm>
-            <a:off x="2063444" y="952221"/>
-            <a:ext cx="16430626" cy="2000251"/>
+            <a:off x="957676" y="320675"/>
+            <a:ext cx="16430626" cy="2000250"/>
           </a:xfrm>
           <a:prstGeom prst="rect">
             <a:avLst/>
@@ -10642,7 +11352,7 @@
       </p:sp>
       <p:pic>
         <p:nvPicPr>
-          <p:cNvPr id="282" name="conclusions_store.png" descr="conclusions_store.png"/>
+          <p:cNvPr id="291" name="conclusions_format.png" descr="conclusions_format.png"/>
           <p:cNvPicPr>
             <a:picLocks noChangeAspect="1"/>
           </p:cNvPicPr>
@@ -10658,8 +11368,8 @@
         </p:blipFill>
         <p:spPr>
           <a:xfrm>
-            <a:off x="2817526" y="4330712"/>
-            <a:ext cx="18748948" cy="6747026"/>
+            <a:off x="957676" y="5384800"/>
+            <a:ext cx="22468648" cy="6097848"/>
           </a:xfrm>
           <a:prstGeom prst="rect">
             <a:avLst/>
@@ -10704,7 +11414,7 @@
       </p:grpSpPr>
       <p:sp>
         <p:nvSpPr>
-          <p:cNvPr id="284" name="Conclusions"/>
+          <p:cNvPr id="293" name="Conclusions"/>
           <p:cNvSpPr txBox="1"/>
           <p:nvPr>
             <p:ph type="title"/>
@@ -10712,7 +11422,7 @@
         </p:nvSpPr>
         <p:spPr>
           <a:xfrm>
-            <a:off x="7540862" y="0"/>
+            <a:off x="2817526" y="0"/>
             <a:ext cx="16430626" cy="2000251"/>
           </a:xfrm>
           <a:prstGeom prst="rect">
@@ -10732,7 +11442,7 @@
       </p:sp>
       <p:pic>
         <p:nvPicPr>
-          <p:cNvPr id="285" name="conclusions_backend.png" descr="conclusions_backend.png"/>
+          <p:cNvPr id="294" name="conclusions_store.png" descr="conclusions_store.png"/>
           <p:cNvPicPr>
             <a:picLocks noChangeAspect="1"/>
           </p:cNvPicPr>
@@ -10748,8 +11458,8 @@
         </p:blipFill>
         <p:spPr>
           <a:xfrm>
-            <a:off x="1444862" y="1000124"/>
-            <a:ext cx="12192001" cy="5744091"/>
+            <a:off x="2817526" y="4330712"/>
+            <a:ext cx="18748948" cy="6747026"/>
           </a:xfrm>
           <a:prstGeom prst="rect">
             <a:avLst/>
@@ -10766,9 +11476,372 @@
           </a:effectLst>
         </p:spPr>
       </p:pic>
+    </p:spTree>
+  </p:cSld>
+  <p:clrMapOvr>
+    <a:masterClrMapping/>
+  </p:clrMapOvr>
+  <p:transition xmlns:p14="http://schemas.microsoft.com/office/powerpoint/2010/main" spd="med" advClick="1"/>
+</p:sld>
+</file>
+
+<file path=ppt/slides/slide37.xml><?xml version="1.0" encoding="utf-8"?>
+<p:sld xmlns:a="http://schemas.openxmlformats.org/drawingml/2006/main" xmlns:r="http://schemas.openxmlformats.org/officeDocument/2006/relationships" xmlns:p="http://schemas.openxmlformats.org/presentationml/2006/main" showMasterSp="1" showMasterPhAnim="1">
+  <p:cSld>
+    <p:spTree>
+      <p:nvGrpSpPr>
+        <p:cNvPr id="1" name=""/>
+        <p:cNvGrpSpPr/>
+        <p:nvPr/>
+      </p:nvGrpSpPr>
+      <p:grpSpPr>
+        <a:xfrm>
+          <a:off x="0" y="0"/>
+          <a:ext cx="0" cy="0"/>
+          <a:chOff x="0" y="0"/>
+          <a:chExt cx="0" cy="0"/>
+        </a:xfrm>
+      </p:grpSpPr>
+      <p:sp>
+        <p:nvSpPr>
+          <p:cNvPr id="296" name="Why?"/>
+          <p:cNvSpPr txBox="1"/>
+          <p:nvPr>
+            <p:ph type="title"/>
+          </p:nvPr>
+        </p:nvSpPr>
+        <p:spPr>
+          <a:xfrm>
+            <a:off x="391503" y="232965"/>
+            <a:ext cx="9952003" cy="2607470"/>
+          </a:xfrm>
+          <a:prstGeom prst="rect">
+            <a:avLst/>
+          </a:prstGeom>
+        </p:spPr>
+        <p:txBody>
+          <a:bodyPr/>
+          <a:lstStyle/>
+          <a:p>
+            <a:pPr/>
+            <a:r>
+              <a:t>Why?</a:t>
+            </a:r>
+          </a:p>
+        </p:txBody>
+      </p:sp>
+      <p:sp>
+        <p:nvSpPr>
+          <p:cNvPr id="297" name="Graph + APIs…"/>
+          <p:cNvSpPr txBox="1"/>
+          <p:nvPr>
+            <p:ph type="body" idx="1"/>
+          </p:nvPr>
+        </p:nvSpPr>
+        <p:spPr>
+          <a:xfrm>
+            <a:off x="391503" y="1834637"/>
+            <a:ext cx="13563990" cy="11637265"/>
+          </a:xfrm>
+          <a:prstGeom prst="rect">
+            <a:avLst/>
+          </a:prstGeom>
+        </p:spPr>
+        <p:txBody>
+          <a:bodyPr/>
+          <a:lstStyle/>
+          <a:p>
+            <a:pPr marL="540156" indent="-540156" defTabSz="805100">
+              <a:spcBef>
+                <a:spcPts val="4400"/>
+              </a:spcBef>
+              <a:defRPr sz="5194"/>
+            </a:pPr>
+            <a:r>
+              <a:t>Graph + APIs</a:t>
+            </a:r>
+          </a:p>
+          <a:p>
+            <a:pPr lvl="1" marL="925982" indent="-540156" defTabSz="805100">
+              <a:spcBef>
+                <a:spcPts val="4400"/>
+              </a:spcBef>
+              <a:defRPr sz="5194"/>
+            </a:pPr>
+            <a:r>
+              <a:t>Clearer architecture, open to more applications, not only kNetMiner</a:t>
+            </a:r>
+          </a:p>
+          <a:p>
+            <a:pPr lvl="1" marL="925982" indent="-540156" defTabSz="805100">
+              <a:spcBef>
+                <a:spcPts val="4400"/>
+              </a:spcBef>
+              <a:defRPr sz="5194"/>
+            </a:pPr>
+            <a:r>
+              <a:t>QL makes it easier to develop further components/analyses/applications</a:t>
+            </a:r>
+          </a:p>
+          <a:p>
+            <a:pPr marL="540156" indent="-540156" defTabSz="805100">
+              <a:spcBef>
+                <a:spcPts val="4400"/>
+              </a:spcBef>
+              <a:defRPr sz="5194"/>
+            </a:pPr>
+            <a:r>
+              <a:t>Standard Data model and format</a:t>
+            </a:r>
+          </a:p>
+          <a:p>
+            <a:pPr lvl="1" marL="925982" indent="-540156" defTabSz="805100">
+              <a:spcBef>
+                <a:spcPts val="4400"/>
+              </a:spcBef>
+              <a:defRPr sz="5194"/>
+            </a:pPr>
+            <a:r>
+              <a:t>Don’t reinvent the wheel</a:t>
+            </a:r>
+          </a:p>
+          <a:p>
+            <a:pPr lvl="1" marL="925982" indent="-540156" defTabSz="805100">
+              <a:spcBef>
+                <a:spcPts val="4400"/>
+              </a:spcBef>
+              <a:defRPr sz="5194"/>
+            </a:pPr>
+            <a:r>
+              <a:t>Data sharing</a:t>
+            </a:r>
+          </a:p>
+          <a:p>
+            <a:pPr lvl="1" marL="925982" indent="-540156" defTabSz="805100">
+              <a:spcBef>
+                <a:spcPts val="4400"/>
+              </a:spcBef>
+              <a:defRPr sz="5194"/>
+            </a:pPr>
+            <a:r>
+              <a:t>Data and app integration</a:t>
+            </a:r>
+          </a:p>
+        </p:txBody>
+      </p:sp>
+      <p:grpSp>
+        <p:nvGrpSpPr>
+          <p:cNvPr id="301" name="Group"/>
+          <p:cNvGrpSpPr/>
+          <p:nvPr/>
+        </p:nvGrpSpPr>
+        <p:grpSpPr>
+          <a:xfrm>
+            <a:off x="12629568" y="677572"/>
+            <a:ext cx="11754432" cy="12794331"/>
+            <a:chOff x="0" y="0"/>
+            <a:chExt cx="11754431" cy="12794329"/>
+          </a:xfrm>
+        </p:grpSpPr>
+        <p:pic>
+          <p:nvPicPr>
+            <p:cNvPr id="298" name="conclusions_format.png" descr="conclusions_format.png"/>
+            <p:cNvPicPr>
+              <a:picLocks noChangeAspect="1"/>
+            </p:cNvPicPr>
+            <p:nvPr/>
+          </p:nvPicPr>
+          <p:blipFill>
+            <a:blip r:embed="rId2">
+              <a:extLst/>
+            </a:blip>
+            <a:stretch>
+              <a:fillRect/>
+            </a:stretch>
+          </p:blipFill>
+          <p:spPr>
+            <a:xfrm>
+              <a:off x="0" y="5061747"/>
+              <a:ext cx="11754432" cy="3190079"/>
+            </a:xfrm>
+            <a:prstGeom prst="rect">
+              <a:avLst/>
+            </a:prstGeom>
+            <a:ln w="25400" cap="flat">
+              <a:noFill/>
+              <a:miter lim="400000"/>
+            </a:ln>
+            <a:effectLst>
+              <a:outerShdw sx="100000" sy="100000" kx="0" ky="0" algn="b" rotWithShape="0" blurRad="355600" dist="177800" dir="5400000">
+                <a:srgbClr val="000000">
+                  <a:alpha val="70000"/>
+                </a:srgbClr>
+              </a:outerShdw>
+            </a:effectLst>
+          </p:spPr>
+        </p:pic>
+        <p:pic>
+          <p:nvPicPr>
+            <p:cNvPr id="299" name="conclusions_store.png" descr="conclusions_store.png"/>
+            <p:cNvPicPr>
+              <a:picLocks noChangeAspect="1"/>
+            </p:cNvPicPr>
+            <p:nvPr/>
+          </p:nvPicPr>
+          <p:blipFill>
+            <a:blip r:embed="rId3">
+              <a:extLst/>
+            </a:blip>
+            <a:stretch>
+              <a:fillRect/>
+            </a:stretch>
+          </p:blipFill>
+          <p:spPr>
+            <a:xfrm>
+              <a:off x="0" y="9604250"/>
+              <a:ext cx="8864736" cy="3190080"/>
+            </a:xfrm>
+            <a:prstGeom prst="rect">
+              <a:avLst/>
+            </a:prstGeom>
+            <a:ln w="25400" cap="flat">
+              <a:noFill/>
+              <a:miter lim="400000"/>
+            </a:ln>
+            <a:effectLst>
+              <a:outerShdw sx="100000" sy="100000" kx="0" ky="0" algn="b" rotWithShape="0" blurRad="355600" dist="177800" dir="5400000">
+                <a:srgbClr val="000000">
+                  <a:alpha val="70000"/>
+                </a:srgbClr>
+              </a:outerShdw>
+            </a:effectLst>
+          </p:spPr>
+        </p:pic>
+        <p:pic>
+          <p:nvPicPr>
+            <p:cNvPr id="300" name="conclusions_backend.png" descr="conclusions_backend.png"/>
+            <p:cNvPicPr>
+              <a:picLocks noChangeAspect="1"/>
+            </p:cNvPicPr>
+            <p:nvPr/>
+          </p:nvPicPr>
+          <p:blipFill>
+            <a:blip r:embed="rId4">
+              <a:extLst/>
+            </a:blip>
+            <a:stretch>
+              <a:fillRect/>
+            </a:stretch>
+          </p:blipFill>
+          <p:spPr>
+            <a:xfrm>
+              <a:off x="0" y="0"/>
+              <a:ext cx="11754432" cy="4334447"/>
+            </a:xfrm>
+            <a:prstGeom prst="rect">
+              <a:avLst/>
+            </a:prstGeom>
+            <a:ln w="12700" cap="flat">
+              <a:noFill/>
+              <a:miter lim="400000"/>
+            </a:ln>
+            <a:effectLst/>
+          </p:spPr>
+        </p:pic>
+      </p:grpSp>
+    </p:spTree>
+  </p:cSld>
+  <p:clrMapOvr>
+    <a:masterClrMapping/>
+  </p:clrMapOvr>
+  <p:transition xmlns:p14="http://schemas.microsoft.com/office/powerpoint/2010/main" spd="med" advClick="1"/>
+</p:sld>
+</file>
+
+<file path=ppt/slides/slide38.xml><?xml version="1.0" encoding="utf-8"?>
+<p:sld xmlns:a="http://schemas.openxmlformats.org/drawingml/2006/main" xmlns:r="http://schemas.openxmlformats.org/officeDocument/2006/relationships" xmlns:p="http://schemas.openxmlformats.org/presentationml/2006/main" showMasterSp="1" showMasterPhAnim="1">
+  <p:cSld>
+    <p:spTree>
+      <p:nvGrpSpPr>
+        <p:cNvPr id="1" name=""/>
+        <p:cNvGrpSpPr/>
+        <p:nvPr/>
+      </p:nvGrpSpPr>
+      <p:grpSpPr>
+        <a:xfrm>
+          <a:off x="0" y="0"/>
+          <a:ext cx="0" cy="0"/>
+          <a:chOff x="0" y="0"/>
+          <a:chExt cx="0" cy="0"/>
+        </a:xfrm>
+      </p:grpSpPr>
+      <p:sp>
+        <p:nvSpPr>
+          <p:cNvPr id="303" name="Conclusions"/>
+          <p:cNvSpPr txBox="1"/>
+          <p:nvPr>
+            <p:ph type="title"/>
+          </p:nvPr>
+        </p:nvSpPr>
+        <p:spPr>
+          <a:xfrm>
+            <a:off x="8620797" y="0"/>
+            <a:ext cx="7142406" cy="1320801"/>
+          </a:xfrm>
+          <a:prstGeom prst="rect">
+            <a:avLst/>
+          </a:prstGeom>
+        </p:spPr>
+        <p:txBody>
+          <a:bodyPr/>
+          <a:lstStyle/>
+          <a:p>
+            <a:pPr/>
+            <a:r>
+              <a:t>Conclusions</a:t>
+            </a:r>
+          </a:p>
+        </p:txBody>
+      </p:sp>
       <p:pic>
         <p:nvPicPr>
-          <p:cNvPr id="286" name="conclusions_format.png" descr="conclusions_format.png"/>
+          <p:cNvPr id="304" name="conclusions_format.png" descr="conclusions_format.png"/>
+          <p:cNvPicPr>
+            <a:picLocks noChangeAspect="1"/>
+          </p:cNvPicPr>
+          <p:nvPr/>
+        </p:nvPicPr>
+        <p:blipFill>
+          <a:blip r:embed="rId2">
+            <a:extLst/>
+          </a:blip>
+          <a:stretch>
+            <a:fillRect/>
+          </a:stretch>
+        </p:blipFill>
+        <p:spPr>
+          <a:xfrm>
+            <a:off x="10570345" y="7347284"/>
+            <a:ext cx="13813655" cy="3748939"/>
+          </a:xfrm>
+          <a:prstGeom prst="rect">
+            <a:avLst/>
+          </a:prstGeom>
+          <a:ln w="25400">
+            <a:miter lim="400000"/>
+          </a:ln>
+          <a:effectLst>
+            <a:outerShdw sx="100000" sy="100000" kx="0" ky="0" algn="b" rotWithShape="0" blurRad="355600" dist="177800" dir="5400000">
+              <a:srgbClr val="000000">
+                <a:alpha val="70000"/>
+              </a:srgbClr>
+            </a:outerShdw>
+          </a:effectLst>
+        </p:spPr>
+      </p:pic>
+      <p:pic>
+        <p:nvPicPr>
+          <p:cNvPr id="305" name="conclusions_store.png" descr="conclusions_store.png"/>
           <p:cNvPicPr>
             <a:picLocks noChangeAspect="1"/>
           </p:cNvPicPr>
@@ -10784,8 +11857,8 @@
         </p:blipFill>
         <p:spPr>
           <a:xfrm>
-            <a:off x="9985159" y="6955376"/>
-            <a:ext cx="14398842" cy="3907755"/>
+            <a:off x="0" y="9795070"/>
+            <a:ext cx="10895660" cy="3920931"/>
           </a:xfrm>
           <a:prstGeom prst="rect">
             <a:avLst/>
@@ -10804,7 +11877,7 @@
       </p:pic>
       <p:pic>
         <p:nvPicPr>
-          <p:cNvPr id="287" name="conclusions_store.png" descr="conclusions_store.png"/>
+          <p:cNvPr id="306" name="conclusions_backend.png" descr="conclusions_backend.png"/>
           <p:cNvPicPr>
             <a:picLocks noChangeAspect="1"/>
           </p:cNvPicPr>
@@ -10820,22 +11893,15 @@
         </p:blipFill>
         <p:spPr>
           <a:xfrm>
-            <a:off x="0" y="9288334"/>
-            <a:ext cx="12303801" cy="4427667"/>
+            <a:off x="3181554" y="1320800"/>
+            <a:ext cx="16343011" cy="6026485"/>
           </a:xfrm>
           <a:prstGeom prst="rect">
             <a:avLst/>
           </a:prstGeom>
-          <a:ln w="25400">
+          <a:ln w="12700">
             <a:miter lim="400000"/>
           </a:ln>
-          <a:effectLst>
-            <a:outerShdw sx="100000" sy="100000" kx="0" ky="0" algn="b" rotWithShape="0" blurRad="355600" dist="177800" dir="5400000">
-              <a:srgbClr val="000000">
-                <a:alpha val="70000"/>
-              </a:srgbClr>
-            </a:outerShdw>
-          </a:effectLst>
         </p:spPr>
       </p:pic>
     </p:spTree>
@@ -10874,8 +11940,8 @@
         </p:nvSpPr>
         <p:spPr>
           <a:xfrm>
-            <a:off x="1597512" y="548591"/>
-            <a:ext cx="16430626" cy="2000251"/>
+            <a:off x="434108" y="320675"/>
+            <a:ext cx="16430626" cy="2000250"/>
           </a:xfrm>
           <a:prstGeom prst="rect">
             <a:avLst/>
@@ -10892,80 +11958,100 @@
           </a:p>
         </p:txBody>
       </p:sp>
-      <p:sp>
-        <p:nvSpPr>
-          <p:cNvPr id="149" name="Rounded Rectangle"/>
-          <p:cNvSpPr/>
+      <p:grpSp>
+        <p:nvGrpSpPr>
+          <p:cNvPr id="151" name="Group"/>
+          <p:cNvGrpSpPr/>
           <p:nvPr/>
-        </p:nvSpPr>
-        <p:spPr>
+        </p:nvGrpSpPr>
+        <p:grpSpPr>
           <a:xfrm>
-            <a:off x="1720776" y="4674987"/>
-            <a:ext cx="21065712" cy="6452724"/>
+            <a:off x="434108" y="4664273"/>
+            <a:ext cx="23515785" cy="7346170"/>
+            <a:chOff x="0" y="0"/>
+            <a:chExt cx="23515783" cy="7346168"/>
           </a:xfrm>
-          <a:prstGeom prst="roundRect">
-            <a:avLst>
-              <a:gd name="adj" fmla="val 5135"/>
-            </a:avLst>
-          </a:prstGeom>
-          <a:solidFill>
-            <a:srgbClr val="FFFFFF"/>
-          </a:solidFill>
-          <a:ln w="12700">
-            <a:miter lim="400000"/>
-          </a:ln>
-        </p:spPr>
-        <p:txBody>
-          <a:bodyPr lIns="30137" tIns="30137" rIns="30137" bIns="30137" anchor="ctr"/>
-          <a:lstStyle/>
-          <a:p>
-            <a:pPr>
-              <a:defRPr cap="all" spc="512" sz="3200">
-                <a:latin typeface="Avenir Medium"/>
-                <a:ea typeface="Avenir Medium"/>
-                <a:cs typeface="Avenir Medium"/>
-                <a:sym typeface="Avenir Medium"/>
-              </a:defRPr>
-            </a:pPr>
-          </a:p>
-        </p:txBody>
-      </p:sp>
-      <p:pic>
-        <p:nvPicPr>
-          <p:cNvPr id="150" name="rdf_pipeline.png" descr="rdf_pipeline.png"/>
-          <p:cNvPicPr>
-            <a:picLocks noChangeAspect="1"/>
-          </p:cNvPicPr>
-          <p:nvPr/>
-        </p:nvPicPr>
-        <p:blipFill>
-          <a:blip r:embed="rId2">
-            <a:extLst/>
-          </a:blip>
-          <a:stretch>
-            <a:fillRect/>
-          </a:stretch>
-        </p:blipFill>
-        <p:spPr>
-          <a:xfrm>
-            <a:off x="1597512" y="4841554"/>
-            <a:ext cx="21065712" cy="6452724"/>
-          </a:xfrm>
-          <a:prstGeom prst="rect">
-            <a:avLst/>
-          </a:prstGeom>
-          <a:ln w="25400">
-            <a:miter lim="400000"/>
-          </a:ln>
-          <a:effectLst>
-            <a:outerShdw sx="100000" sy="100000" kx="0" ky="0" algn="b" rotWithShape="0" blurRad="355600" dist="177800" dir="5400000">
-              <a:srgbClr val="000000">
-                <a:alpha val="70000"/>
-              </a:srgbClr>
-            </a:outerShdw>
-          </a:effectLst>
-        </p:spPr>
-      </p:pic>
+        </p:grpSpPr>
+        <p:sp>
+          <p:nvSpPr>
+            <p:cNvPr id="149" name="Rounded Rectangle"/>
+            <p:cNvSpPr/>
+            <p:nvPr/>
+          </p:nvSpPr>
+          <p:spPr>
+            <a:xfrm>
+              <a:off x="136800" y="0"/>
+              <a:ext cx="23378984" cy="7161311"/>
+            </a:xfrm>
+            <a:prstGeom prst="roundRect">
+              <a:avLst>
+                <a:gd name="adj" fmla="val 5135"/>
+              </a:avLst>
+            </a:prstGeom>
+            <a:solidFill>
+              <a:srgbClr val="FFFFFF"/>
+            </a:solidFill>
+            <a:ln w="12700" cap="flat">
+              <a:noFill/>
+              <a:miter lim="400000"/>
+            </a:ln>
+            <a:effectLst/>
+          </p:spPr>
+          <p:txBody>
+            <a:bodyPr wrap="square" lIns="30137" tIns="30137" rIns="30137" bIns="30137" numCol="1" anchor="ctr">
+              <a:noAutofit/>
+            </a:bodyPr>
+            <a:lstStyle/>
+            <a:p>
+              <a:pPr>
+                <a:defRPr cap="all" spc="512" sz="3200">
+                  <a:latin typeface="Avenir Medium"/>
+                  <a:ea typeface="Avenir Medium"/>
+                  <a:cs typeface="Avenir Medium"/>
+                  <a:sym typeface="Avenir Medium"/>
+                </a:defRPr>
+              </a:pPr>
+            </a:p>
+          </p:txBody>
+        </p:sp>
+        <p:pic>
+          <p:nvPicPr>
+            <p:cNvPr id="150" name="rdf_pipeline.png" descr="rdf_pipeline.png"/>
+            <p:cNvPicPr>
+              <a:picLocks noChangeAspect="1"/>
+            </p:cNvPicPr>
+            <p:nvPr/>
+          </p:nvPicPr>
+          <p:blipFill>
+            <a:blip r:embed="rId2">
+              <a:extLst/>
+            </a:blip>
+            <a:stretch>
+              <a:fillRect/>
+            </a:stretch>
+          </p:blipFill>
+          <p:spPr>
+            <a:xfrm>
+              <a:off x="0" y="184858"/>
+              <a:ext cx="23378984" cy="7161311"/>
+            </a:xfrm>
+            <a:prstGeom prst="rect">
+              <a:avLst/>
+            </a:prstGeom>
+            <a:ln w="25400" cap="flat">
+              <a:noFill/>
+              <a:miter lim="400000"/>
+            </a:ln>
+            <a:effectLst>
+              <a:outerShdw sx="100000" sy="100000" kx="0" ky="0" algn="b" rotWithShape="0" blurRad="355600" dist="177800" dir="5400000">
+                <a:srgbClr val="000000">
+                  <a:alpha val="70000"/>
+                </a:srgbClr>
+              </a:outerShdw>
+            </a:effectLst>
+          </p:spPr>
+        </p:pic>
+      </p:grpSp>
     </p:spTree>
   </p:cSld>
   <p:clrMapOvr>
@@ -10994,7 +12080,7 @@
       </p:grpSpPr>
       <p:sp>
         <p:nvSpPr>
-          <p:cNvPr id="152" name="Test Settings (Neo4J)"/>
+          <p:cNvPr id="153" name="Test Settings (Neo4J)"/>
           <p:cNvSpPr txBox="1"/>
           <p:nvPr>
             <p:ph type="title"/>
@@ -11002,8 +12088,8 @@
         </p:nvSpPr>
         <p:spPr>
           <a:xfrm>
-            <a:off x="1280097" y="320674"/>
-            <a:ext cx="16430626" cy="2000251"/>
+            <a:off x="544066" y="320675"/>
+            <a:ext cx="16430626" cy="2000250"/>
           </a:xfrm>
           <a:prstGeom prst="rect">
             <a:avLst/>
@@ -11020,80 +12106,100 @@
           </a:p>
         </p:txBody>
       </p:sp>
-      <p:sp>
-        <p:nvSpPr>
-          <p:cNvPr id="153" name="Rounded Rectangle"/>
-          <p:cNvSpPr/>
+      <p:grpSp>
+        <p:nvGrpSpPr>
+          <p:cNvPr id="156" name="Group"/>
+          <p:cNvGrpSpPr/>
           <p:nvPr/>
-        </p:nvSpPr>
-        <p:spPr>
+        </p:nvGrpSpPr>
+        <p:grpSpPr>
           <a:xfrm>
-            <a:off x="1280097" y="4342772"/>
-            <a:ext cx="21823806" cy="7577711"/>
+            <a:off x="544066" y="3891656"/>
+            <a:ext cx="23295868" cy="8088844"/>
+            <a:chOff x="0" y="0"/>
+            <a:chExt cx="23295867" cy="8088842"/>
           </a:xfrm>
-          <a:prstGeom prst="roundRect">
-            <a:avLst>
-              <a:gd name="adj" fmla="val 4597"/>
-            </a:avLst>
-          </a:prstGeom>
-          <a:solidFill>
-            <a:srgbClr val="FFFFFF"/>
-          </a:solidFill>
-          <a:ln w="12700">
-            <a:miter lim="400000"/>
-          </a:ln>
-        </p:spPr>
-        <p:txBody>
-          <a:bodyPr lIns="30137" tIns="30137" rIns="30137" bIns="30137" anchor="ctr"/>
-          <a:lstStyle/>
-          <a:p>
-            <a:pPr>
-              <a:defRPr cap="all" spc="512" sz="3200">
-                <a:latin typeface="Avenir Medium"/>
-                <a:ea typeface="Avenir Medium"/>
-                <a:cs typeface="Avenir Medium"/>
-                <a:sym typeface="Avenir Medium"/>
-              </a:defRPr>
-            </a:pPr>
-          </a:p>
-        </p:txBody>
-      </p:sp>
-      <p:pic>
-        <p:nvPicPr>
-          <p:cNvPr id="154" name="neo4j_pipeline.png" descr="neo4j_pipeline.png"/>
-          <p:cNvPicPr>
-            <a:picLocks noChangeAspect="1"/>
-          </p:cNvPicPr>
-          <p:nvPr/>
-        </p:nvPicPr>
-        <p:blipFill>
-          <a:blip r:embed="rId2">
-            <a:extLst/>
-          </a:blip>
-          <a:stretch>
-            <a:fillRect/>
-          </a:stretch>
-        </p:blipFill>
-        <p:spPr>
-          <a:xfrm>
-            <a:off x="1280097" y="4342772"/>
-            <a:ext cx="21823805" cy="7577711"/>
-          </a:xfrm>
-          <a:prstGeom prst="rect">
-            <a:avLst/>
-          </a:prstGeom>
-          <a:ln w="25400">
-            <a:miter lim="400000"/>
-          </a:ln>
-          <a:effectLst>
-            <a:outerShdw sx="100000" sy="100000" kx="0" ky="0" algn="b" rotWithShape="0" blurRad="355600" dist="177800" dir="5400000">
-              <a:srgbClr val="000000">
-                <a:alpha val="70000"/>
-              </a:srgbClr>
-            </a:outerShdw>
-          </a:effectLst>
-        </p:spPr>
-      </p:pic>
+        </p:grpSpPr>
+        <p:sp>
+          <p:nvSpPr>
+            <p:cNvPr id="154" name="Rounded Rectangle"/>
+            <p:cNvSpPr/>
+            <p:nvPr/>
+          </p:nvSpPr>
+          <p:spPr>
+            <a:xfrm>
+              <a:off x="0" y="0"/>
+              <a:ext cx="23295868" cy="8088843"/>
+            </a:xfrm>
+            <a:prstGeom prst="roundRect">
+              <a:avLst>
+                <a:gd name="adj" fmla="val 4597"/>
+              </a:avLst>
+            </a:prstGeom>
+            <a:solidFill>
+              <a:srgbClr val="FFFFFF"/>
+            </a:solidFill>
+            <a:ln w="12700" cap="flat">
+              <a:noFill/>
+              <a:miter lim="400000"/>
+            </a:ln>
+            <a:effectLst/>
+          </p:spPr>
+          <p:txBody>
+            <a:bodyPr wrap="square" lIns="30137" tIns="30137" rIns="30137" bIns="30137" numCol="1" anchor="ctr">
+              <a:noAutofit/>
+            </a:bodyPr>
+            <a:lstStyle/>
+            <a:p>
+              <a:pPr>
+                <a:defRPr cap="all" spc="512" sz="3200">
+                  <a:latin typeface="Avenir Medium"/>
+                  <a:ea typeface="Avenir Medium"/>
+                  <a:cs typeface="Avenir Medium"/>
+                  <a:sym typeface="Avenir Medium"/>
+                </a:defRPr>
+              </a:pPr>
+            </a:p>
+          </p:txBody>
+        </p:sp>
+        <p:pic>
+          <p:nvPicPr>
+            <p:cNvPr id="155" name="neo4j_pipeline.png" descr="neo4j_pipeline.png"/>
+            <p:cNvPicPr>
+              <a:picLocks noChangeAspect="1"/>
+            </p:cNvPicPr>
+            <p:nvPr/>
+          </p:nvPicPr>
+          <p:blipFill>
+            <a:blip r:embed="rId2">
+              <a:extLst/>
+            </a:blip>
+            <a:stretch>
+              <a:fillRect/>
+            </a:stretch>
+          </p:blipFill>
+          <p:spPr>
+            <a:xfrm>
+              <a:off x="0" y="0"/>
+              <a:ext cx="23295867" cy="8088843"/>
+            </a:xfrm>
+            <a:prstGeom prst="rect">
+              <a:avLst/>
+            </a:prstGeom>
+            <a:ln w="25400" cap="flat">
+              <a:noFill/>
+              <a:miter lim="400000"/>
+            </a:ln>
+            <a:effectLst>
+              <a:outerShdw sx="100000" sy="100000" kx="0" ky="0" algn="b" rotWithShape="0" blurRad="355600" dist="177800" dir="5400000">
+                <a:srgbClr val="000000">
+                  <a:alpha val="70000"/>
+                </a:srgbClr>
+              </a:outerShdw>
+            </a:effectLst>
+          </p:spPr>
+        </p:pic>
+      </p:grpSp>
     </p:spTree>
   </p:cSld>
   <p:clrMapOvr>
@@ -11122,7 +12228,7 @@
       </p:grpSpPr>
       <p:sp>
         <p:nvSpPr>
-          <p:cNvPr id="156" name="RDF"/>
+          <p:cNvPr id="158" name="RDF"/>
           <p:cNvSpPr txBox="1"/>
           <p:nvPr>
             <p:ph type="title"/>
@@ -11172,7 +12278,7 @@
       </p:grpSpPr>
       <p:sp>
         <p:nvSpPr>
-          <p:cNvPr id="158" name="RDF/Linked Data Essentials"/>
+          <p:cNvPr id="160" name="RDF/Linked Data Essentials"/>
           <p:cNvSpPr txBox="1"/>
           <p:nvPr>
             <p:ph type="title"/>
@@ -11200,7 +12306,7 @@
       </p:sp>
       <p:sp>
         <p:nvSpPr>
-          <p:cNvPr id="159" name="Simple, Fine-Grained Data Model: Property/Value Pairs &amp; Typed Links…"/>
+          <p:cNvPr id="161" name="Simple, Fine-Grained Data Model: Property/Value Pairs &amp; Typed Links…"/>
           <p:cNvSpPr txBox="1"/>
           <p:nvPr>
             <p:ph type="body" sz="half" idx="1"/>
@@ -11277,7 +12383,7 @@
       </p:sp>
       <p:grpSp>
         <p:nvGrpSpPr>
-          <p:cNvPr id="162" name="Group"/>
+          <p:cNvPr id="164" name="Group"/>
           <p:cNvGrpSpPr/>
           <p:nvPr/>
         </p:nvGrpSpPr>
@@ -11291,7 +12397,7 @@
         </p:grpSpPr>
         <p:sp>
           <p:nvSpPr>
-            <p:cNvPr id="160" name="Rounded Rectangle"/>
+            <p:cNvPr id="162" name="Rounded Rectangle"/>
             <p:cNvSpPr/>
             <p:nvPr/>
           </p:nvSpPr>
@@ -11333,7 +12439,7 @@
         </p:sp>
         <p:pic>
           <p:nvPicPr>
-            <p:cNvPr id="161" name="Image" descr="Image"/>
+            <p:cNvPr id="163" name="Image" descr="Image"/>
             <p:cNvPicPr>
               <a:picLocks noChangeAspect="1"/>
             </p:cNvPicPr>
@@ -11391,7 +12497,7 @@
       </p:grpSpPr>
       <p:sp>
         <p:nvSpPr>
-          <p:cNvPr id="164" name="RDF/Linked Data Essentials"/>
+          <p:cNvPr id="166" name="RDF/Linked Data Essentials"/>
           <p:cNvSpPr txBox="1"/>
           <p:nvPr>
             <p:ph type="title"/>
@@ -11419,7 +12525,7 @@
       </p:sp>
       <p:sp>
         <p:nvSpPr>
-          <p:cNvPr id="165" name="Integration as native citisen, strong emphasis on knowledge modelling, schemas, ontologies"/>
+          <p:cNvPr id="167" name="Integration as native citizen, strong emphasis on knowledge modelling, schemas, ontologies"/>
           <p:cNvSpPr txBox="1"/>
           <p:nvPr>
             <p:ph type="body" sz="quarter" idx="1"/>
@@ -11445,14 +12551,14 @@
           <a:p>
             <a:pPr/>
             <a:r>
-              <a:t>Integration as native citisen, strong emphasis on knowledge modelling, schemas, ontologies</a:t>
+              <a:t>Integration as native citizen, strong emphasis on knowledge modelling, schemas, ontologies</a:t>
             </a:r>
           </a:p>
         </p:txBody>
       </p:sp>
       <p:grpSp>
         <p:nvGrpSpPr>
-          <p:cNvPr id="168" name="Group"/>
+          <p:cNvPr id="170" name="Group"/>
           <p:cNvGrpSpPr/>
           <p:nvPr/>
         </p:nvGrpSpPr>
@@ -11466,7 +12572,7 @@
         </p:grpSpPr>
         <p:sp>
           <p:nvSpPr>
-            <p:cNvPr id="166" name="Rounded Rectangle"/>
+            <p:cNvPr id="168" name="Rounded Rectangle"/>
             <p:cNvSpPr/>
             <p:nvPr/>
           </p:nvSpPr>
@@ -11508,7 +12614,7 @@
         </p:sp>
         <p:pic>
           <p:nvPicPr>
-            <p:cNvPr id="167" name="Image" descr="Image"/>
+            <p:cNvPr id="169" name="Image" descr="Image"/>
             <p:cNvPicPr>
               <a:picLocks noChangeAspect="1"/>
             </p:cNvPicPr>
@@ -11525,7 +12631,7 @@
           <p:spPr>
             <a:xfrm>
               <a:off x="0" y="138832"/>
-              <a:ext cx="15519899" cy="11088290"/>
+              <a:ext cx="15519900" cy="11088290"/>
             </a:xfrm>
             <a:prstGeom prst="rect">
               <a:avLst/>
@@ -11566,14 +12672,14 @@
       </p:grpSpPr>
       <p:sp>
         <p:nvSpPr>
-          <p:cNvPr id="170" name="Rounded Rectangle"/>
+          <p:cNvPr id="172" name="Rounded Rectangle"/>
           <p:cNvSpPr/>
           <p:nvPr/>
         </p:nvSpPr>
         <p:spPr>
           <a:xfrm>
             <a:off x="231617" y="2537441"/>
-            <a:ext cx="24026223" cy="10965492"/>
+            <a:ext cx="24026223" cy="10965491"/>
           </a:xfrm>
           <a:prstGeom prst="roundRect">
             <a:avLst>
@@ -11604,7 +12710,7 @@
       </p:sp>
       <p:sp>
         <p:nvSpPr>
-          <p:cNvPr id="171" name="Data MODEL: ONDEX in RDF"/>
+          <p:cNvPr id="173" name="Data MODEL: ONDEX in RDF"/>
           <p:cNvSpPr txBox="1"/>
           <p:nvPr>
             <p:ph type="body" idx="14"/>
@@ -11636,7 +12742,7 @@
       </p:sp>
       <p:pic>
         <p:nvPicPr>
-          <p:cNvPr id="172" name="rdf_data_model.png" descr="rdf_data_model.png"/>
+          <p:cNvPr id="174" name="rdf_data_model.png" descr="rdf_data_model.png"/>
           <p:cNvPicPr>
             <a:picLocks noChangeAspect="1"/>
           </p:cNvPicPr>
@@ -11652,8 +12758,8 @@
         </p:blipFill>
         <p:spPr>
           <a:xfrm>
-            <a:off x="86745" y="2698749"/>
-            <a:ext cx="24210510" cy="10642875"/>
+            <a:off x="86745" y="2698750"/>
+            <a:ext cx="24210510" cy="10642874"/>
           </a:xfrm>
           <a:prstGeom prst="rect">
             <a:avLst/>

--- a/test_report/ondex_graphdb_eval.pptx
+++ b/test_report/ondex_graphdb_eval.pptx
@@ -5677,7 +5677,7 @@
       </p:sp>
       <p:sp>
         <p:nvSpPr>
-          <p:cNvPr id="218" name="Proteins-&gt;Reactions-&gt;Pathways: // chain of paths, node selection via property (exploits indices) MATCH (prot:Protein) - [csby:consumed_by] -&gt; (:Reaction) - [:part_of] -&gt; (pway:Path{ title: ‘apoptosis’ }) // further conditions, but often not performant WHERE protein.name =~ ‘(?i)^DNA.+’ // Usual projection and post-selection operators RETURN prot.name, pway // Relations can have properties ORDER BY csby.pvalue LIMIT 1000"/>
+          <p:cNvPr id="218" name="Proteins-&gt;Reactions-&gt;Pathways: // chain of paths, node selection via property (exploits indices) MATCH (prot:Protein) - [csby:consumed_by] -&gt; (:Reaction) - [:part_of] -&gt; (pway:Path{ title: ‘apoptosis’ }) // further conditions, but often not performant WHERE prot.name =~ ‘(?i)^DNA.+’ // Usual projection and post-selection operators RETURN prot.name, pway // Relations can have properties ORDER BY csby.pvalue LIMIT 1000"/>
           <p:cNvSpPr txBox="1"/>
           <p:nvPr/>
         </p:nvSpPr>
@@ -5736,7 +5736,7 @@
             </a:r>
             <a:br/>
             <a:r>
-              <a:t>WHERE protein.name =~ ‘(?i)^DNA.+’</a:t>
+              <a:t>WHERE prot.name =~ ‘(?i)^DNA.+’</a:t>
             </a:r>
             <a:br/>
             <a:r>
@@ -7168,8 +7168,8 @@
         </p:nvGrpSpPr>
         <p:grpSpPr>
           <a:xfrm>
-            <a:off x="16430644" y="8581121"/>
-            <a:ext cx="7953357" cy="5134880"/>
+            <a:off x="16430645" y="8581121"/>
+            <a:ext cx="7953356" cy="5134879"/>
             <a:chOff x="0" y="0"/>
             <a:chExt cx="7953355" cy="5134878"/>
           </a:xfrm>
@@ -7258,8 +7258,8 @@
         </p:nvSpPr>
         <p:spPr>
           <a:xfrm>
-            <a:off x="6493694" y="960479"/>
-            <a:ext cx="18375507" cy="2101767"/>
+            <a:off x="6493693" y="960479"/>
+            <a:ext cx="18375508" cy="2101767"/>
           </a:xfrm>
           <a:prstGeom prst="rect">
             <a:avLst/>
@@ -7296,7 +7296,7 @@
       </p:sp>
       <p:sp>
         <p:nvSpPr>
-          <p:cNvPr id="247" name="// Branch 2 MATCH (prot:Protein), (enz:Enzyme), (tns:Transport) - [:part_of] -&gt; (path:Path) WHERE (    (enz) - [:ac_by|:in_by] -&gt; (:Comp) - [:pd_by|:cs_by] -&gt; (tns) // Branch 2.1     OR (tns) - [:ca_by] -&gt; (enz) ) // Branch 2.2    AND ( (prot) - [:is_a] -&gt; (enz) OR (prot) &lt;- [:ac_by] - (enz) ) RETURN prot, path LIMIT 30 UNION  // Branch1 MATCH (prot:Protein) - [:pd_by|:cs_by] -&gt; (:Reaction) - [:part_of] -&gt; (path:Path) RETURN prot, path LIMIT 30"/>
+          <p:cNvPr id="247" name="// Branch 2 MATCH (prot:Protein), (enz:Enzyme), (tns:Transport) - [:part_of] -&gt; (path:Path) WHERE (    (enz) - [:ac_by|:in_by] -&gt; (:Comp) - [:pd_by|:cs_by] -&gt; (tns) // Branch 2.1     OR (tns) - [:ca_by] -&gt; (enz) )                                                           //Branch 2.2 (pt1)            AND ( (prot) - [:is_a] -&gt; (enz) OR (prot) &lt;- [:ac_by] - (enz) ) // Branch 2.2 (pt2) RETURN prot, path LIMIT 30 UNION  // Branch1 MATCH (prot:Protein) - [:pd_by|:cs_by] -&gt; (:Reaction) - [:part_of] -&gt; (path:Path) RETURN prot, path LIMIT 30"/>
           <p:cNvSpPr txBox="1"/>
           <p:nvPr/>
         </p:nvSpPr>
@@ -7367,7 +7367,7 @@
             </a:r>
             <a:br/>
             <a:r>
-              <a:t>    OR (tns) - [:ca_by] -&gt; (enz) ) </a:t>
+              <a:t>    OR (tns) - [:ca_by] -&gt; (enz) )                                                           </a:t>
             </a:r>
             <a:r>
               <a:rPr>
@@ -7376,11 +7376,20 @@
                 <a:cs typeface="Avenir Heavy"/>
                 <a:sym typeface="Avenir Heavy"/>
               </a:rPr>
-              <a:t>// Branch 2.2</a:t>
+              <a:t>//Branch 2.2 (pt1)</a:t>
             </a:r>
             <a:br/>
             <a:r>
-              <a:t>   AND ( (prot) - [:is_a] -&gt; (enz) OR (prot) &lt;- [:ac_by] - (enz) )</a:t>
+              <a:t>           AND ( (prot) - [:is_a] -&gt; (enz) OR (prot) &lt;- [:ac_by] - (enz) ) </a:t>
+            </a:r>
+            <a:r>
+              <a:rPr>
+                <a:latin typeface="Avenir Heavy"/>
+                <a:ea typeface="Avenir Heavy"/>
+                <a:cs typeface="Avenir Heavy"/>
+                <a:sym typeface="Avenir Heavy"/>
+              </a:rPr>
+              <a:t>// Branch 2.2 (pt2)</a:t>
             </a:r>
             <a:br/>
             <a:r>
@@ -7682,7 +7691,7 @@
       </p:sp>
       <p:sp>
         <p:nvSpPr>
-          <p:cNvPr id="254" name="Basically, it’s relational-oriented, we might still be OK with metadata modelled the same way, however:…"/>
+          <p:cNvPr id="254" name="Basically, it’s relational-oriented about schemas…"/>
           <p:cNvSpPr txBox="1"/>
           <p:nvPr>
             <p:ph type="body" idx="4294967295"/>
@@ -7701,44 +7710,56 @@
           <a:bodyPr anchor="t"/>
           <a:lstStyle/>
           <a:p>
-            <a:pPr marL="515845" indent="-515845" defTabSz="624363">
+            <a:pPr marL="461546" indent="-461546" defTabSz="558641">
               <a:spcBef>
-                <a:spcPts val="4400"/>
+                <a:spcPts val="4000"/>
               </a:spcBef>
               <a:buClrTx/>
-              <a:defRPr sz="3952"/>
+              <a:defRPr sz="3536"/>
             </a:pPr>
             <a:r>
-              <a:t>Basically, it’s relational-oriented, we might still be OK with metadata modelled the same way, however:</a:t>
-            </a:r>
-          </a:p>
-          <a:p>
-            <a:pPr marL="515845" indent="-515845" defTabSz="624363">
+              <a:t>Basically, it’s relational-oriented about schemas</a:t>
+            </a:r>
+          </a:p>
+          <a:p>
+            <a:pPr marL="461546" indent="-461546" defTabSz="558641">
               <a:spcBef>
-                <a:spcPts val="4400"/>
+                <a:spcPts val="4000"/>
               </a:spcBef>
               <a:buClrTx/>
-              <a:defRPr sz="3952"/>
+              <a:defRPr sz="3536"/>
             </a:pPr>
             <a:r>
-              <a:t>MATCH (molecule:Molecule),</a:t>
-            </a:r>
-            <a:br/>
-            <a:r>
-              <a:t>    (molType:Class)-[:is_a*]-&gt;(:Class{ name:’Protein’ })</a:t>
-            </a:r>
-            <a:br/>
-            <a:r>
-              <a:t>WHERE LABELS molType IN LABELS (molecule)</a:t>
-            </a:r>
-          </a:p>
-          <a:p>
-            <a:pPr lvl="1" marL="872969" indent="-515845" defTabSz="624363">
+              <a:t>we might still be OK with metadata modelled as graphs, however:</a:t>
+            </a:r>
+          </a:p>
+          <a:p>
+            <a:pPr marL="461546" indent="-461546" defTabSz="558641">
               <a:spcBef>
-                <a:spcPts val="4400"/>
+                <a:spcPts val="4000"/>
               </a:spcBef>
               <a:buClrTx/>
-              <a:defRPr sz="3952">
+              <a:defRPr sz="3536"/>
+            </a:pPr>
+            <a:r>
+              <a:t>MATCH (molecule:Molecule),</a:t>
+            </a:r>
+            <a:br/>
+            <a:r>
+              <a:t>    (molType:Class)-[:is_a*]-&gt;(:Class{ name:’Protein’ })</a:t>
+            </a:r>
+            <a:br/>
+            <a:r>
+              <a:t>WHERE LABELS molType IN LABELS (molecule)</a:t>
+            </a:r>
+          </a:p>
+          <a:p>
+            <a:pPr lvl="1" marL="781078" indent="-461546" defTabSz="558641">
+              <a:spcBef>
+                <a:spcPts val="4000"/>
+              </a:spcBef>
+              <a:buClrTx/>
+              <a:defRPr sz="3536">
                 <a:latin typeface="Avenir Heavy"/>
                 <a:ea typeface="Avenir Heavy"/>
                 <a:cs typeface="Avenir Heavy"/>
@@ -7750,48 +7771,48 @@
             </a:r>
           </a:p>
           <a:p>
-            <a:pPr marL="515845" indent="-515845" defTabSz="624363">
+            <a:pPr marL="461546" indent="-461546" defTabSz="558641">
               <a:spcBef>
-                <a:spcPts val="4400"/>
+                <a:spcPts val="4000"/>
               </a:spcBef>
               <a:buClrTx/>
-              <a:defRPr sz="3952"/>
+              <a:defRPr sz="3536"/>
             </a:pPr>
             <a:r>
               <a:t>MATCH (molecule:Molecule:$additionalLabel) CREATE …</a:t>
             </a:r>
           </a:p>
           <a:p>
-            <a:pPr lvl="1" marL="872969" indent="-515845" defTabSz="624363">
+            <a:pPr lvl="1" marL="781078" indent="-461546" defTabSz="558641">
               <a:spcBef>
-                <a:spcPts val="4400"/>
+                <a:spcPts val="4000"/>
               </a:spcBef>
               <a:buClrTx/>
-              <a:defRPr sz="3952"/>
+              <a:defRPr sz="3536"/>
             </a:pPr>
             <a:r>
               <a:t>Parameterising on labels not possible</a:t>
             </a:r>
           </a:p>
           <a:p>
-            <a:pPr lvl="1" marL="872969" indent="-515845" defTabSz="624363">
+            <a:pPr lvl="1" marL="781078" indent="-461546" defTabSz="558641">
               <a:spcBef>
-                <a:spcPts val="4400"/>
+                <a:spcPts val="4000"/>
               </a:spcBef>
               <a:buClrTx/>
-              <a:defRPr sz="3952"/>
+              <a:defRPr sz="3536"/>
             </a:pPr>
             <a:r>
               <a:t>Requires non parametric Cypher string =&gt; UNWIND-based bulk loading impossible </a:t>
             </a:r>
           </a:p>
           <a:p>
-            <a:pPr lvl="2" marL="1230093" indent="-515845" defTabSz="624363">
+            <a:pPr lvl="2" marL="1100610" indent="-461546" defTabSz="558641">
               <a:spcBef>
-                <a:spcPts val="4400"/>
+                <a:spcPts val="4000"/>
               </a:spcBef>
               <a:buClrTx/>
-              <a:defRPr sz="3952">
+              <a:defRPr sz="3536">
                 <a:latin typeface="Avenir Heavy"/>
                 <a:ea typeface="Avenir Heavy"/>
                 <a:cs typeface="Avenir Heavy"/>
@@ -7803,12 +7824,12 @@
             </a:r>
           </a:p>
           <a:p>
-            <a:pPr lvl="1" marL="872969" indent="-515845" defTabSz="624363">
+            <a:pPr lvl="1" marL="781078" indent="-461546" defTabSz="558641">
               <a:spcBef>
-                <a:spcPts val="4400"/>
+                <a:spcPts val="4000"/>
               </a:spcBef>
               <a:buClrTx/>
-              <a:defRPr sz="3952"/>
+              <a:defRPr sz="3536"/>
             </a:pPr>
             <a:r>
               <a:t>Programmatic approach possible, but a lot of problems with things like Lucene version mismatches (one reason being that ONDEX would require review and proper plug-in architecture)</a:t>
@@ -9092,7 +9113,7 @@
       </p:sp>
       <p:sp>
         <p:nvSpPr>
-          <p:cNvPr id="274" name="Rich schema-based queries From: MATCH (molecule:Molecule), (molType:Class)-[:is_a*]-&gt;(:Class{ name:’Protein’ }) WHERE LABELS molType IN LABELS (molecule)  To: MATCH (mol:{Concept}) &lt;- [:conceptClass] - (cc:ConceptClass),   (cc) &lt;- [:specializationOf*] - (:ConceptClass{name:’Protein’}…"/>
+          <p:cNvPr id="274" name="Rich schema-based queries From: MATCH (molecule:Molecule), (molType:Class)-[:is_a*]-&gt;(:Class{ name:’Protein’ }) WHERE molType.label IN LABELS (molecule)  To: MATCH (mol:{Concept}) &lt;- [:conceptClass] - (cc:ConceptClass),   (cc) &lt;- [:specializationOf*] - (:ConceptClass{name:’Protein’}…"/>
           <p:cNvSpPr txBox="1"/>
           <p:nvPr/>
         </p:nvSpPr>
@@ -9154,7 +9175,7 @@
             </a:r>
             <a:br/>
             <a:r>
-              <a:t>WHERE LABELS molType IN LABELS (molecule)</a:t>
+              <a:t>WHERE molType.label IN LABELS (molecule)</a:t>
             </a:r>
             <a:br/>
             <a:br/>
@@ -10732,7 +10753,7 @@
                           <a:cs typeface="Helvetica Neue Bold Condensed"/>
                           <a:sym typeface="Helvetica Neue Bold Condensed"/>
                         </a:rPr>
-                        <a:t>+ Easier? +                        <a:t>+ Easier (eg, compact, omissions)?  - Expressivity for some patterns (unions, DML)</a:t>
                       </a:r>
                     </a:p>
@@ -10795,7 +10816,7 @@
                           <a:cs typeface="Helvetica Neue Bold Condensed"/>
                           <a:sym typeface="Helvetica Neue Bold Condensed"/>
                         </a:rPr>
-                        <a:t>- Harder? (URIs, namespaces) +                        <a:t>- Harder? (URIs, namespaces, verbosity)  + More expressive</a:t>
                       </a:r>
                     </a:p>

--- a/test_report/ondex_graphdb_eval.pptx
+++ b/test_report/ondex_graphdb_eval.pptx
@@ -6862,7 +6862,7 @@
               <a:defRPr sz="3796"/>
             </a:pPr>
             <a:r>
-              <a:t>Partially possible in straightforward way, but redundantly, e.g., Branch 2.2:</a:t>
+              <a:t>Partially possible in straightforward way, but redundantly, e.g., Branch 2:</a:t>
             </a:r>
           </a:p>
         </p:txBody>

--- a/test_report/ondex_graphdb_eval.pptx
+++ b/test_report/ondex_graphdb_eval.pptx
@@ -1,6 +1,6 @@
 
 <file path=ppt/presentation.xml><?xml version="1.0" encoding="utf-8"?>
-<p:presentation xmlns:a="http://schemas.openxmlformats.org/drawingml/2006/main" xmlns:r="http://schemas.openxmlformats.org/officeDocument/2006/relationships" xmlns:p="http://schemas.openxmlformats.org/presentationml/2006/main">
+<p:presentation xmlns:a="http://schemas.openxmlformats.org/drawingml/2006/main" xmlns:r="http://schemas.openxmlformats.org/officeDocument/2006/relationships" xmlns:p="http://schemas.openxmlformats.org/presentationml/2006/main" xmlns:m="http://schemas.openxmlformats.org/officeDocument/2006/math" xmlns:a14="http://schemas.microsoft.com/office/drawing/2010/main">
   <p:sldMasterIdLst>
     <p:sldMasterId id="2147483648" r:id="rId5"/>
   </p:sldMasterIdLst>
@@ -351,11 +351,11 @@
 </file>
 
 <file path=ppt/commentAuthors.xml><?xml version="1.0" encoding="utf-8"?>
-<p:cmAuthorLst xmlns:a="http://schemas.openxmlformats.org/drawingml/2006/main" xmlns:r="http://schemas.openxmlformats.org/officeDocument/2006/relationships" xmlns:p="http://schemas.openxmlformats.org/presentationml/2006/main"/>
+<p:cmAuthorLst xmlns:a="http://schemas.openxmlformats.org/drawingml/2006/main" xmlns:r="http://schemas.openxmlformats.org/officeDocument/2006/relationships" xmlns:p="http://schemas.openxmlformats.org/presentationml/2006/main" xmlns:m="http://schemas.openxmlformats.org/officeDocument/2006/math" xmlns:a14="http://schemas.microsoft.com/office/drawing/2010/main"/>
 </file>
 
 <file path=ppt/notesMasters/notesMaster1.xml><?xml version="1.0" encoding="utf-8"?>
-<p:notesMaster xmlns:a="http://schemas.openxmlformats.org/drawingml/2006/main" xmlns:r="http://schemas.openxmlformats.org/officeDocument/2006/relationships" xmlns:p="http://schemas.openxmlformats.org/presentationml/2006/main">
+<p:notesMaster xmlns:a="http://schemas.openxmlformats.org/drawingml/2006/main" xmlns:r="http://schemas.openxmlformats.org/officeDocument/2006/relationships" xmlns:p="http://schemas.openxmlformats.org/presentationml/2006/main" xmlns:m="http://schemas.openxmlformats.org/officeDocument/2006/math" xmlns:a14="http://schemas.microsoft.com/office/drawing/2010/main">
   <p:cSld>
     <p:spTree>
       <p:nvGrpSpPr>
@@ -529,7 +529,7 @@
 </file>
 
 <file path=ppt/slideLayouts/slideLayout1.xml><?xml version="1.0" encoding="utf-8"?>
-<p:sldLayout xmlns:a="http://schemas.openxmlformats.org/drawingml/2006/main" xmlns:r="http://schemas.openxmlformats.org/officeDocument/2006/relationships" xmlns:p="http://schemas.openxmlformats.org/presentationml/2006/main" type="title" showMasterSp="1" showMasterPhAnim="1">
+<p:sldLayout xmlns:a="http://schemas.openxmlformats.org/drawingml/2006/main" xmlns:r="http://schemas.openxmlformats.org/officeDocument/2006/relationships" xmlns:p="http://schemas.openxmlformats.org/presentationml/2006/main" xmlns:m="http://schemas.openxmlformats.org/officeDocument/2006/math" xmlns:a14="http://schemas.microsoft.com/office/drawing/2010/main" type="title" showMasterSp="1" showMasterPhAnim="1">
   <p:cSld name="Title &amp; Subtitle">
     <p:bg>
       <p:bgPr>
@@ -785,7 +785,7 @@
 </file>
 
 <file path=ppt/slideLayouts/slideLayout10.xml><?xml version="1.0" encoding="utf-8"?>
-<p:sldLayout xmlns:a="http://schemas.openxmlformats.org/drawingml/2006/main" xmlns:r="http://schemas.openxmlformats.org/officeDocument/2006/relationships" xmlns:p="http://schemas.openxmlformats.org/presentationml/2006/main" type="tx" showMasterSp="1" showMasterPhAnim="1">
+<p:sldLayout xmlns:a="http://schemas.openxmlformats.org/drawingml/2006/main" xmlns:r="http://schemas.openxmlformats.org/officeDocument/2006/relationships" xmlns:p="http://schemas.openxmlformats.org/presentationml/2006/main" xmlns:m="http://schemas.openxmlformats.org/officeDocument/2006/math" xmlns:a14="http://schemas.microsoft.com/office/drawing/2010/main" type="tx" showMasterSp="1" showMasterPhAnim="1">
   <p:cSld name="Photo - 3 Up">
     <p:spTree>
       <p:nvGrpSpPr>
@@ -914,7 +914,7 @@
 </file>
 
 <file path=ppt/slideLayouts/slideLayout11.xml><?xml version="1.0" encoding="utf-8"?>
-<p:sldLayout xmlns:a="http://schemas.openxmlformats.org/drawingml/2006/main" xmlns:r="http://schemas.openxmlformats.org/officeDocument/2006/relationships" xmlns:p="http://schemas.openxmlformats.org/presentationml/2006/main" type="tx" showMasterSp="1" showMasterPhAnim="1">
+<p:sldLayout xmlns:a="http://schemas.openxmlformats.org/drawingml/2006/main" xmlns:r="http://schemas.openxmlformats.org/officeDocument/2006/relationships" xmlns:p="http://schemas.openxmlformats.org/presentationml/2006/main" xmlns:m="http://schemas.openxmlformats.org/officeDocument/2006/math" xmlns:a14="http://schemas.microsoft.com/office/drawing/2010/main" type="tx" showMasterSp="1" showMasterPhAnim="1">
   <p:cSld name="Quote">
     <p:spTree>
       <p:nvGrpSpPr>
@@ -1048,7 +1048,7 @@
 </file>
 
 <file path=ppt/slideLayouts/slideLayout12.xml><?xml version="1.0" encoding="utf-8"?>
-<p:sldLayout xmlns:a="http://schemas.openxmlformats.org/drawingml/2006/main" xmlns:r="http://schemas.openxmlformats.org/officeDocument/2006/relationships" xmlns:p="http://schemas.openxmlformats.org/presentationml/2006/main" type="tx" showMasterSp="1" showMasterPhAnim="1">
+<p:sldLayout xmlns:a="http://schemas.openxmlformats.org/drawingml/2006/main" xmlns:r="http://schemas.openxmlformats.org/officeDocument/2006/relationships" xmlns:p="http://schemas.openxmlformats.org/presentationml/2006/main" xmlns:m="http://schemas.openxmlformats.org/officeDocument/2006/math" xmlns:a14="http://schemas.microsoft.com/office/drawing/2010/main" type="tx" showMasterSp="1" showMasterPhAnim="1">
   <p:cSld name="Quote Photo">
     <p:bg>
       <p:bgPr>
@@ -1232,7 +1232,7 @@
 </file>
 
 <file path=ppt/slideLayouts/slideLayout13.xml><?xml version="1.0" encoding="utf-8"?>
-<p:sldLayout xmlns:a="http://schemas.openxmlformats.org/drawingml/2006/main" xmlns:r="http://schemas.openxmlformats.org/officeDocument/2006/relationships" xmlns:p="http://schemas.openxmlformats.org/presentationml/2006/main" type="tx" showMasterSp="1" showMasterPhAnim="1">
+<p:sldLayout xmlns:a="http://schemas.openxmlformats.org/drawingml/2006/main" xmlns:r="http://schemas.openxmlformats.org/officeDocument/2006/relationships" xmlns:p="http://schemas.openxmlformats.org/presentationml/2006/main" xmlns:m="http://schemas.openxmlformats.org/officeDocument/2006/math" xmlns:a14="http://schemas.microsoft.com/office/drawing/2010/main" type="tx" showMasterSp="1" showMasterPhAnim="1">
   <p:cSld name="Photo">
     <p:spTree>
       <p:nvGrpSpPr>
@@ -1307,7 +1307,7 @@
 </file>
 
 <file path=ppt/slideLayouts/slideLayout14.xml><?xml version="1.0" encoding="utf-8"?>
-<p:sldLayout xmlns:a="http://schemas.openxmlformats.org/drawingml/2006/main" xmlns:r="http://schemas.openxmlformats.org/officeDocument/2006/relationships" xmlns:p="http://schemas.openxmlformats.org/presentationml/2006/main" type="tx" showMasterSp="1" showMasterPhAnim="1">
+<p:sldLayout xmlns:a="http://schemas.openxmlformats.org/drawingml/2006/main" xmlns:r="http://schemas.openxmlformats.org/officeDocument/2006/relationships" xmlns:p="http://schemas.openxmlformats.org/presentationml/2006/main" xmlns:m="http://schemas.openxmlformats.org/officeDocument/2006/math" xmlns:a14="http://schemas.microsoft.com/office/drawing/2010/main" type="tx" showMasterSp="1" showMasterPhAnim="1">
   <p:cSld name="Blank">
     <p:spTree>
       <p:nvGrpSpPr>
@@ -1355,7 +1355,7 @@
 </file>
 
 <file path=ppt/slideLayouts/slideLayout2.xml><?xml version="1.0" encoding="utf-8"?>
-<p:sldLayout xmlns:a="http://schemas.openxmlformats.org/drawingml/2006/main" xmlns:r="http://schemas.openxmlformats.org/officeDocument/2006/relationships" xmlns:p="http://schemas.openxmlformats.org/presentationml/2006/main" type="tx" showMasterSp="1" showMasterPhAnim="1">
+<p:sldLayout xmlns:a="http://schemas.openxmlformats.org/drawingml/2006/main" xmlns:r="http://schemas.openxmlformats.org/officeDocument/2006/relationships" xmlns:p="http://schemas.openxmlformats.org/presentationml/2006/main" xmlns:m="http://schemas.openxmlformats.org/officeDocument/2006/math" xmlns:a14="http://schemas.microsoft.com/office/drawing/2010/main" type="tx" showMasterSp="1" showMasterPhAnim="1">
   <p:cSld name="Photo - Horizontal">
     <p:spTree>
       <p:nvGrpSpPr>
@@ -1585,7 +1585,7 @@
 </file>
 
 <file path=ppt/slideLayouts/slideLayout3.xml><?xml version="1.0" encoding="utf-8"?>
-<p:sldLayout xmlns:a="http://schemas.openxmlformats.org/drawingml/2006/main" xmlns:r="http://schemas.openxmlformats.org/officeDocument/2006/relationships" xmlns:p="http://schemas.openxmlformats.org/presentationml/2006/main" type="tx" showMasterSp="1" showMasterPhAnim="1">
+<p:sldLayout xmlns:a="http://schemas.openxmlformats.org/drawingml/2006/main" xmlns:r="http://schemas.openxmlformats.org/officeDocument/2006/relationships" xmlns:p="http://schemas.openxmlformats.org/presentationml/2006/main" xmlns:m="http://schemas.openxmlformats.org/officeDocument/2006/math" xmlns:a14="http://schemas.microsoft.com/office/drawing/2010/main" type="tx" showMasterSp="1" showMasterPhAnim="1">
   <p:cSld name="Photo - Horizontal Alt">
     <p:spTree>
       <p:nvGrpSpPr>
@@ -1815,7 +1815,7 @@
 </file>
 
 <file path=ppt/slideLayouts/slideLayout4.xml><?xml version="1.0" encoding="utf-8"?>
-<p:sldLayout xmlns:a="http://schemas.openxmlformats.org/drawingml/2006/main" xmlns:r="http://schemas.openxmlformats.org/officeDocument/2006/relationships" xmlns:p="http://schemas.openxmlformats.org/presentationml/2006/main" type="tx" showMasterSp="1" showMasterPhAnim="1">
+<p:sldLayout xmlns:a="http://schemas.openxmlformats.org/drawingml/2006/main" xmlns:r="http://schemas.openxmlformats.org/officeDocument/2006/relationships" xmlns:p="http://schemas.openxmlformats.org/presentationml/2006/main" xmlns:m="http://schemas.openxmlformats.org/officeDocument/2006/math" xmlns:a14="http://schemas.microsoft.com/office/drawing/2010/main" type="tx" showMasterSp="1" showMasterPhAnim="1">
   <p:cSld name="Title - Center">
     <p:spTree>
       <p:nvGrpSpPr>
@@ -1895,7 +1895,7 @@
 </file>
 
 <file path=ppt/slideLayouts/slideLayout5.xml><?xml version="1.0" encoding="utf-8"?>
-<p:sldLayout xmlns:a="http://schemas.openxmlformats.org/drawingml/2006/main" xmlns:r="http://schemas.openxmlformats.org/officeDocument/2006/relationships" xmlns:p="http://schemas.openxmlformats.org/presentationml/2006/main" type="tx" showMasterSp="1" showMasterPhAnim="1">
+<p:sldLayout xmlns:a="http://schemas.openxmlformats.org/drawingml/2006/main" xmlns:r="http://schemas.openxmlformats.org/officeDocument/2006/relationships" xmlns:p="http://schemas.openxmlformats.org/presentationml/2006/main" xmlns:m="http://schemas.openxmlformats.org/officeDocument/2006/math" xmlns:a14="http://schemas.microsoft.com/office/drawing/2010/main" type="tx" showMasterSp="1" showMasterPhAnim="1">
   <p:cSld name="Photo - Vertical">
     <p:bg>
       <p:bgPr>
@@ -2174,7 +2174,7 @@
 </file>
 
 <file path=ppt/slideLayouts/slideLayout6.xml><?xml version="1.0" encoding="utf-8"?>
-<p:sldLayout xmlns:a="http://schemas.openxmlformats.org/drawingml/2006/main" xmlns:r="http://schemas.openxmlformats.org/officeDocument/2006/relationships" xmlns:p="http://schemas.openxmlformats.org/presentationml/2006/main" type="tx" showMasterSp="1" showMasterPhAnim="1">
+<p:sldLayout xmlns:a="http://schemas.openxmlformats.org/drawingml/2006/main" xmlns:r="http://schemas.openxmlformats.org/officeDocument/2006/relationships" xmlns:p="http://schemas.openxmlformats.org/presentationml/2006/main" xmlns:m="http://schemas.openxmlformats.org/officeDocument/2006/math" xmlns:a14="http://schemas.microsoft.com/office/drawing/2010/main" type="tx" showMasterSp="1" showMasterPhAnim="1">
   <p:cSld name="Title - Top">
     <p:spTree>
       <p:nvGrpSpPr>
@@ -2246,7 +2246,7 @@
 </file>
 
 <file path=ppt/slideLayouts/slideLayout7.xml><?xml version="1.0" encoding="utf-8"?>
-<p:sldLayout xmlns:a="http://schemas.openxmlformats.org/drawingml/2006/main" xmlns:r="http://schemas.openxmlformats.org/officeDocument/2006/relationships" xmlns:p="http://schemas.openxmlformats.org/presentationml/2006/main" type="tx" showMasterSp="1" showMasterPhAnim="1">
+<p:sldLayout xmlns:a="http://schemas.openxmlformats.org/drawingml/2006/main" xmlns:r="http://schemas.openxmlformats.org/officeDocument/2006/relationships" xmlns:p="http://schemas.openxmlformats.org/presentationml/2006/main" xmlns:m="http://schemas.openxmlformats.org/officeDocument/2006/math" xmlns:a14="http://schemas.microsoft.com/office/drawing/2010/main" type="tx" showMasterSp="1" showMasterPhAnim="1">
   <p:cSld name="Title &amp; Bullets">
     <p:bg>
       <p:bgPr>
@@ -2389,7 +2389,7 @@
 </file>
 
 <file path=ppt/slideLayouts/slideLayout8.xml><?xml version="1.0" encoding="utf-8"?>
-<p:sldLayout xmlns:a="http://schemas.openxmlformats.org/drawingml/2006/main" xmlns:r="http://schemas.openxmlformats.org/officeDocument/2006/relationships" xmlns:p="http://schemas.openxmlformats.org/presentationml/2006/main" type="tx" showMasterSp="1" showMasterPhAnim="1">
+<p:sldLayout xmlns:a="http://schemas.openxmlformats.org/drawingml/2006/main" xmlns:r="http://schemas.openxmlformats.org/officeDocument/2006/relationships" xmlns:p="http://schemas.openxmlformats.org/presentationml/2006/main" xmlns:m="http://schemas.openxmlformats.org/officeDocument/2006/math" xmlns:a14="http://schemas.microsoft.com/office/drawing/2010/main" type="tx" showMasterSp="1" showMasterPhAnim="1">
   <p:cSld name="Title, Bullets &amp; Photo">
     <p:bg>
       <p:bgPr>
@@ -2598,7 +2598,7 @@
 </file>
 
 <file path=ppt/slideLayouts/slideLayout9.xml><?xml version="1.0" encoding="utf-8"?>
-<p:sldLayout xmlns:a="http://schemas.openxmlformats.org/drawingml/2006/main" xmlns:r="http://schemas.openxmlformats.org/officeDocument/2006/relationships" xmlns:p="http://schemas.openxmlformats.org/presentationml/2006/main" type="tx" showMasterSp="1" showMasterPhAnim="1">
+<p:sldLayout xmlns:a="http://schemas.openxmlformats.org/drawingml/2006/main" xmlns:r="http://schemas.openxmlformats.org/officeDocument/2006/relationships" xmlns:p="http://schemas.openxmlformats.org/presentationml/2006/main" xmlns:m="http://schemas.openxmlformats.org/officeDocument/2006/math" xmlns:a14="http://schemas.microsoft.com/office/drawing/2010/main" type="tx" showMasterSp="1" showMasterPhAnim="1">
   <p:cSld name="Bullets">
     <p:bg>
       <p:bgPr>
@@ -2721,7 +2721,7 @@
 </file>
 
 <file path=ppt/slideMasters/slideMaster1.xml><?xml version="1.0" encoding="utf-8"?>
-<p:sldMaster xmlns:a="http://schemas.openxmlformats.org/drawingml/2006/main" xmlns:r="http://schemas.openxmlformats.org/officeDocument/2006/relationships" xmlns:p="http://schemas.openxmlformats.org/presentationml/2006/main">
+<p:sldMaster xmlns:a="http://schemas.openxmlformats.org/drawingml/2006/main" xmlns:r="http://schemas.openxmlformats.org/officeDocument/2006/relationships" xmlns:p="http://schemas.openxmlformats.org/presentationml/2006/main" xmlns:m="http://schemas.openxmlformats.org/officeDocument/2006/math" xmlns:a14="http://schemas.microsoft.com/office/drawing/2010/main">
   <p:cSld>
     <p:bg>
       <p:bgPr>
@@ -3712,7 +3712,7 @@
 </file>
 
 <file path=ppt/slides/slide1.xml><?xml version="1.0" encoding="utf-8"?>
-<p:sld xmlns:a="http://schemas.openxmlformats.org/drawingml/2006/main" xmlns:r="http://schemas.openxmlformats.org/officeDocument/2006/relationships" xmlns:p="http://schemas.openxmlformats.org/presentationml/2006/main" showMasterSp="1" showMasterPhAnim="1">
+<p:sld xmlns:a="http://schemas.openxmlformats.org/drawingml/2006/main" xmlns:r="http://schemas.openxmlformats.org/officeDocument/2006/relationships" xmlns:p="http://schemas.openxmlformats.org/presentationml/2006/main" xmlns:m="http://schemas.openxmlformats.org/officeDocument/2006/math" xmlns:a14="http://schemas.microsoft.com/office/drawing/2010/main" showMasterSp="1" showMasterPhAnim="1">
   <p:cSld>
     <p:spTree>
       <p:nvGrpSpPr>
@@ -3786,7 +3786,7 @@
 </file>
 
 <file path=ppt/slides/slide10.xml><?xml version="1.0" encoding="utf-8"?>
-<p:sld xmlns:a="http://schemas.openxmlformats.org/drawingml/2006/main" xmlns:r="http://schemas.openxmlformats.org/officeDocument/2006/relationships" xmlns:p="http://schemas.openxmlformats.org/presentationml/2006/main" showMasterSp="1" showMasterPhAnim="1">
+<p:sld xmlns:a="http://schemas.openxmlformats.org/drawingml/2006/main" xmlns:r="http://schemas.openxmlformats.org/officeDocument/2006/relationships" xmlns:p="http://schemas.openxmlformats.org/presentationml/2006/main" xmlns:m="http://schemas.openxmlformats.org/officeDocument/2006/math" xmlns:a14="http://schemas.microsoft.com/office/drawing/2010/main" showMasterSp="1" showMasterPhAnim="1">
   <p:cSld>
     <p:spTree>
       <p:nvGrpSpPr>
@@ -3804,7 +3804,7 @@
       </p:grpSpPr>
       <p:sp>
         <p:nvSpPr>
-          <p:cNvPr id="176" name="Example QuerieS"/>
+          <p:cNvPr id="175" name="Example QuerieS"/>
           <p:cNvSpPr txBox="1"/>
           <p:nvPr>
             <p:ph type="title"/>
@@ -3832,7 +3832,7 @@
       </p:sp>
       <p:sp>
         <p:nvSpPr>
-          <p:cNvPr id="177" name="Count concepts (classes) in Trait Ontology: select count (distinct ?c) WHERE {     ?c a odxcc:TO_TERM. }"/>
+          <p:cNvPr id="176" name="Count concepts (classes) in Trait Ontology: select count (distinct ?c) WHERE {     ?c a odxcc:TO_TERM. }"/>
           <p:cNvSpPr txBox="1"/>
           <p:nvPr/>
         </p:nvSpPr>
@@ -3894,7 +3894,7 @@
       </p:sp>
       <p:sp>
         <p:nvSpPr>
-          <p:cNvPr id="178" name="Parts of membrane (transitively): select distinct ?csup ?supName ?c ?name  WHERE {   ?csup odx:conceptName ?supName.   FILTER ( ?supName = &quot;cellular membrane&quot; )…"/>
+          <p:cNvPr id="177" name="Parts of membrane (transitively): select distinct ?csup ?supName ?c ?name  WHERE {   ?csup odx:conceptName ?supName.   FILTER ( ?supName = &quot;cellular membrane&quot; )…"/>
           <p:cNvSpPr txBox="1"/>
           <p:nvPr/>
         </p:nvSpPr>
@@ -3983,7 +3983,7 @@
       </p:sp>
       <p:sp>
         <p:nvSpPr>
-          <p:cNvPr id="179" name="Proteins related to pathways: select distinct ?prot ?pway {    ?prot odxrt:pd_by|odxrt:cs_by ?react;              a odxcc:Protein.      ?react a odxcc:Reaction.…"/>
+          <p:cNvPr id="178" name="Proteins related to pathways: select distinct ?prot ?pway {    ?prot odxrt:pd_by|odxrt:cs_by ?react;              a odxcc:Protein.      ?react a odxcc:Reaction.…"/>
           <p:cNvSpPr txBox="1"/>
           <p:nvPr/>
         </p:nvSpPr>
@@ -4079,7 +4079,7 @@
       </p:sp>
       <p:sp>
         <p:nvSpPr>
-          <p:cNvPr id="180" name="optimised order"/>
+          <p:cNvPr id="179" name="optimised order"/>
           <p:cNvSpPr txBox="1"/>
           <p:nvPr/>
         </p:nvSpPr>
@@ -4127,7 +4127,7 @@
       </p:sp>
       <p:sp>
         <p:nvSpPr>
-          <p:cNvPr id="181" name="‘|’ for property paths"/>
+          <p:cNvPr id="180" name="‘|’ for property paths"/>
           <p:cNvSpPr txBox="1"/>
           <p:nvPr/>
         </p:nvSpPr>
@@ -4183,7 +4183,7 @@
 </file>
 
 <file path=ppt/slides/slide11.xml><?xml version="1.0" encoding="utf-8"?>
-<p:sld xmlns:a="http://schemas.openxmlformats.org/drawingml/2006/main" xmlns:r="http://schemas.openxmlformats.org/officeDocument/2006/relationships" xmlns:p="http://schemas.openxmlformats.org/presentationml/2006/main" showMasterSp="1" showMasterPhAnim="1">
+<p:sld xmlns:a="http://schemas.openxmlformats.org/drawingml/2006/main" xmlns:r="http://schemas.openxmlformats.org/officeDocument/2006/relationships" xmlns:p="http://schemas.openxmlformats.org/presentationml/2006/main" xmlns:m="http://schemas.openxmlformats.org/officeDocument/2006/math" xmlns:a14="http://schemas.microsoft.com/office/drawing/2010/main" showMasterSp="1" showMasterPhAnim="1">
   <p:cSld>
     <p:spTree>
       <p:nvGrpSpPr>
@@ -4201,7 +4201,7 @@
       </p:grpSpPr>
       <p:sp>
         <p:nvSpPr>
-          <p:cNvPr id="183" name="Example QuerieS"/>
+          <p:cNvPr id="182" name="Example QuerieS"/>
           <p:cNvSpPr txBox="1"/>
           <p:nvPr>
             <p:ph type="title"/>
@@ -4229,14 +4229,14 @@
       </p:sp>
       <p:sp>
         <p:nvSpPr>
-          <p:cNvPr id="184" name="# part 2   union {     # Branch 2    ?prot ^odxrt:ac_by|odxrt:is_a ?enz.    ?prot a odxcc:Protein.      ?enz a odxcc:Enzyme.     {          # Branch 2.1        ?enz odxrt:ac_by|odxrt:in_by ?comp.        ?comp a odxcc:Compound.          ?comp odxrt:cs_by|odxrt:pd_by ?trns        ?trns a odxcc:Transport      }       union {        # Branch 2.2        ?enz ^odxrt:ca_by ?trns.        ?comp a odxcc:Compound.         ?trns a odxcc:Transport      }      ?trns odxrt:part_of ?pway.   ?pway a odxcc:Path.   } }  LIMIT 1000"/>
+          <p:cNvPr id="183" name="# part 2   union {     # Branch 2    ?prot ^odxrt:ac_by|odxrt:is_a ?enz.    ?prot a odxcc:Protein.      ?enz a odxcc:Enzyme.     {          # Branch 2.1        ?enz odxrt:ac_by|odxrt:in_by ?comp.        ?comp a odxcc:Compound.          ?comp odxrt:cs_by|odxrt:pd_by ?trns        ?trns a odxcc:Transport      }       union {        # Branch 2.2        ?enz ^odxrt:ca_by ?trns.        ?trns a odxcc:Transport      }      ?trns odxrt:part_of ?pway.   ?pway a odxcc:Path.   } }  LIMIT 1000"/>
           <p:cNvSpPr txBox="1"/>
           <p:nvPr/>
         </p:nvSpPr>
         <p:spPr>
           <a:xfrm>
-            <a:off x="8200948" y="3154071"/>
-            <a:ext cx="5695316" cy="10201276"/>
+            <a:off x="8200948" y="3363621"/>
+            <a:ext cx="5695316" cy="9782176"/>
           </a:xfrm>
           <a:prstGeom prst="rect">
             <a:avLst/>
@@ -4367,10 +4367,6 @@
             </a:r>
             <a:br/>
             <a:r>
-              <a:t>       ?comp a odxcc:Compound. </a:t>
-            </a:r>
-            <a:br/>
-            <a:r>
               <a:t>       ?trns a odxcc:Transport</a:t>
             </a:r>
             <a:br/>
@@ -4398,7 +4394,7 @@
       </p:sp>
       <p:sp>
         <p:nvSpPr>
-          <p:cNvPr id="185" name="prefix odx: &lt;http://ondex.sourceforge.net/ondex-core#&gt; prefix odxcc: &lt;http://www.ondex.org/ex/conceptClass/&gt; prefix odxc: &lt;http://www.ondex.org/ex/concept/&gt; prefix odxrt: &lt;http://www.ondex.org/ex/relationType/&gt; prefix odxr: &lt;http://www.ondex.org/ex/relation/&gt; prefix rdfs: &lt;http://www.w3.org/2000/01/rdf-schema#&gt;…"/>
+          <p:cNvPr id="184" name="prefix odx: &lt;http://ondex.sourceforge.net/ondex-core#&gt; prefix odxcc: &lt;http://www.ondex.org/ex/conceptClass/&gt; prefix odxc: &lt;http://www.ondex.org/ex/concept/&gt; prefix odxrt: &lt;http://www.ondex.org/ex/relationType/&gt; prefix odxr: &lt;http://www.ondex.org/ex/relation/&gt; prefix rdfs: &lt;http://www.w3.org/2000/01/rdf-schema#&gt;…"/>
           <p:cNvSpPr txBox="1"/>
           <p:nvPr/>
         </p:nvSpPr>
@@ -4522,7 +4518,7 @@
       </p:sp>
       <p:sp>
         <p:nvSpPr>
-          <p:cNvPr id="186" name="Proteins related to pathways:"/>
+          <p:cNvPr id="185" name="Proteins related to pathways:"/>
           <p:cNvSpPr txBox="1"/>
           <p:nvPr/>
         </p:nvSpPr>
@@ -4583,7 +4579,7 @@
       </p:sp>
       <p:grpSp>
         <p:nvGrpSpPr>
-          <p:cNvPr id="189" name="Group"/>
+          <p:cNvPr id="188" name="Group"/>
           <p:cNvGrpSpPr/>
           <p:nvPr/>
         </p:nvGrpSpPr>
@@ -4597,7 +4593,7 @@
         </p:grpSpPr>
         <p:sp>
           <p:nvSpPr>
-            <p:cNvPr id="187" name="Rounded Rectangle"/>
+            <p:cNvPr id="186" name="Rounded Rectangle"/>
             <p:cNvSpPr/>
             <p:nvPr/>
           </p:nvSpPr>
@@ -4639,7 +4635,7 @@
         </p:sp>
         <p:pic>
           <p:nvPicPr>
-            <p:cNvPr id="188" name="ara_knet_pattern.png" descr="ara_knet_pattern.png"/>
+            <p:cNvPr id="187" name="ara_knet_pattern.png" descr="ara_knet_pattern.png"/>
             <p:cNvPicPr>
               <a:picLocks noChangeAspect="1"/>
             </p:cNvPicPr>
@@ -4679,7 +4675,7 @@
 </file>
 
 <file path=ppt/slides/slide12.xml><?xml version="1.0" encoding="utf-8"?>
-<p:sld xmlns:a="http://schemas.openxmlformats.org/drawingml/2006/main" xmlns:r="http://schemas.openxmlformats.org/officeDocument/2006/relationships" xmlns:p="http://schemas.openxmlformats.org/presentationml/2006/main" showMasterSp="1" showMasterPhAnim="1">
+<p:sld xmlns:a="http://schemas.openxmlformats.org/drawingml/2006/main" xmlns:r="http://schemas.openxmlformats.org/officeDocument/2006/relationships" xmlns:p="http://schemas.openxmlformats.org/presentationml/2006/main" xmlns:m="http://schemas.openxmlformats.org/officeDocument/2006/math" xmlns:a14="http://schemas.microsoft.com/office/drawing/2010/main" showMasterSp="1" showMasterPhAnim="1">
   <p:cSld>
     <p:spTree>
       <p:nvGrpSpPr>
@@ -4697,7 +4693,7 @@
       </p:grpSpPr>
       <p:sp>
         <p:nvSpPr>
-          <p:cNvPr id="191" name="RDF PerformancE"/>
+          <p:cNvPr id="190" name="RDF PerformancE"/>
           <p:cNvSpPr txBox="1"/>
           <p:nvPr>
             <p:ph type="title"/>
@@ -4721,7 +4717,7 @@
       </p:sp>
       <p:pic>
         <p:nvPicPr>
-          <p:cNvPr id="192" name="Image" descr="Image"/>
+          <p:cNvPr id="191" name="Image" descr="Image"/>
           <p:cNvPicPr>
             <a:picLocks noChangeAspect="1"/>
           </p:cNvPicPr>
@@ -4750,7 +4746,7 @@
       </p:pic>
       <p:sp>
         <p:nvSpPr>
-          <p:cNvPr id="193" name="Simple, common queries (Fuseki)"/>
+          <p:cNvPr id="192" name="Simple, common queries (Fuseki)"/>
           <p:cNvSpPr txBox="1"/>
           <p:nvPr/>
         </p:nvSpPr>
@@ -4794,7 +4790,7 @@
 </file>
 
 <file path=ppt/slides/slide13.xml><?xml version="1.0" encoding="utf-8"?>
-<p:sld xmlns:a="http://schemas.openxmlformats.org/drawingml/2006/main" xmlns:r="http://schemas.openxmlformats.org/officeDocument/2006/relationships" xmlns:p="http://schemas.openxmlformats.org/presentationml/2006/main" showMasterSp="1" showMasterPhAnim="1">
+<p:sld xmlns:a="http://schemas.openxmlformats.org/drawingml/2006/main" xmlns:r="http://schemas.openxmlformats.org/officeDocument/2006/relationships" xmlns:p="http://schemas.openxmlformats.org/presentationml/2006/main" xmlns:m="http://schemas.openxmlformats.org/officeDocument/2006/math" xmlns:a14="http://schemas.microsoft.com/office/drawing/2010/main" showMasterSp="1" showMasterPhAnim="1">
   <p:cSld>
     <p:spTree>
       <p:nvGrpSpPr>
@@ -4812,7 +4808,7 @@
       </p:grpSpPr>
       <p:sp>
         <p:nvSpPr>
-          <p:cNvPr id="195" name="RDF PerformancE"/>
+          <p:cNvPr id="194" name="RDF PerformancE"/>
           <p:cNvSpPr txBox="1"/>
           <p:nvPr>
             <p:ph type="title"/>
@@ -4840,7 +4836,7 @@
       </p:sp>
       <p:sp>
         <p:nvSpPr>
-          <p:cNvPr id="196" name="Queries over ONDEX paths (Fuseki)"/>
+          <p:cNvPr id="195" name="Queries over ONDEX paths (Fuseki)"/>
           <p:cNvSpPr txBox="1"/>
           <p:nvPr/>
         </p:nvSpPr>
@@ -4876,7 +4872,7 @@
       </p:sp>
       <p:pic>
         <p:nvPicPr>
-          <p:cNvPr id="197" name="Image" descr="Image"/>
+          <p:cNvPr id="196" name="Image" descr="Image"/>
           <p:cNvPicPr>
             <a:picLocks noChangeAspect="1"/>
           </p:cNvPicPr>
@@ -4913,7 +4909,7 @@
 </file>
 
 <file path=ppt/slides/slide14.xml><?xml version="1.0" encoding="utf-8"?>
-<p:sld xmlns:a="http://schemas.openxmlformats.org/drawingml/2006/main" xmlns:r="http://schemas.openxmlformats.org/officeDocument/2006/relationships" xmlns:p="http://schemas.openxmlformats.org/presentationml/2006/main" showMasterSp="1" showMasterPhAnim="1">
+<p:sld xmlns:a="http://schemas.openxmlformats.org/drawingml/2006/main" xmlns:r="http://schemas.openxmlformats.org/officeDocument/2006/relationships" xmlns:p="http://schemas.openxmlformats.org/presentationml/2006/main" xmlns:m="http://schemas.openxmlformats.org/officeDocument/2006/math" xmlns:a14="http://schemas.microsoft.com/office/drawing/2010/main" showMasterSp="1" showMasterPhAnim="1">
   <p:cSld>
     <p:spTree>
       <p:nvGrpSpPr>
@@ -4931,7 +4927,7 @@
       </p:grpSpPr>
       <p:sp>
         <p:nvSpPr>
-          <p:cNvPr id="199" name="RDF PerformancE"/>
+          <p:cNvPr id="198" name="RDF PerformancE"/>
           <p:cNvSpPr txBox="1"/>
           <p:nvPr>
             <p:ph type="title"/>
@@ -4959,7 +4955,7 @@
       </p:sp>
       <p:sp>
         <p:nvSpPr>
-          <p:cNvPr id="200" name="Queries over ONDEX paths, Virtuoso"/>
+          <p:cNvPr id="199" name="Queries over ONDEX paths, Virtuoso"/>
           <p:cNvSpPr txBox="1"/>
           <p:nvPr/>
         </p:nvSpPr>
@@ -4995,7 +4991,7 @@
       </p:sp>
       <p:pic>
         <p:nvPicPr>
-          <p:cNvPr id="201" name="Image" descr="Image"/>
+          <p:cNvPr id="200" name="Image" descr="Image"/>
           <p:cNvPicPr>
             <a:picLocks noChangeAspect="1"/>
           </p:cNvPicPr>
@@ -5032,7 +5028,7 @@
 </file>
 
 <file path=ppt/slides/slide15.xml><?xml version="1.0" encoding="utf-8"?>
-<p:sld xmlns:a="http://schemas.openxmlformats.org/drawingml/2006/main" xmlns:r="http://schemas.openxmlformats.org/officeDocument/2006/relationships" xmlns:p="http://schemas.openxmlformats.org/presentationml/2006/main" showMasterSp="1" showMasterPhAnim="1">
+<p:sld xmlns:a="http://schemas.openxmlformats.org/drawingml/2006/main" xmlns:r="http://schemas.openxmlformats.org/officeDocument/2006/relationships" xmlns:p="http://schemas.openxmlformats.org/presentationml/2006/main" xmlns:m="http://schemas.openxmlformats.org/officeDocument/2006/math" xmlns:a14="http://schemas.microsoft.com/office/drawing/2010/main" showMasterSp="1" showMasterPhAnim="1">
   <p:cSld>
     <p:spTree>
       <p:nvGrpSpPr>
@@ -5050,7 +5046,7 @@
       </p:grpSpPr>
       <p:sp>
         <p:nvSpPr>
-          <p:cNvPr id="203" name="neo4j"/>
+          <p:cNvPr id="202" name="neo4j"/>
           <p:cNvSpPr txBox="1"/>
           <p:nvPr>
             <p:ph type="title"/>
@@ -5082,7 +5078,7 @@
 </file>
 
 <file path=ppt/slides/slide16.xml><?xml version="1.0" encoding="utf-8"?>
-<p:sld xmlns:a="http://schemas.openxmlformats.org/drawingml/2006/main" xmlns:r="http://schemas.openxmlformats.org/officeDocument/2006/relationships" xmlns:p="http://schemas.openxmlformats.org/presentationml/2006/main" showMasterSp="1" showMasterPhAnim="1">
+<p:sld xmlns:a="http://schemas.openxmlformats.org/drawingml/2006/main" xmlns:r="http://schemas.openxmlformats.org/officeDocument/2006/relationships" xmlns:p="http://schemas.openxmlformats.org/presentationml/2006/main" xmlns:m="http://schemas.openxmlformats.org/officeDocument/2006/math" xmlns:a14="http://schemas.microsoft.com/office/drawing/2010/main" showMasterSp="1" showMasterPhAnim="1">
   <p:cSld>
     <p:spTree>
       <p:nvGrpSpPr>
@@ -5100,7 +5096,7 @@
       </p:grpSpPr>
       <p:sp>
         <p:nvSpPr>
-          <p:cNvPr id="205" name="Neo4j Essentials"/>
+          <p:cNvPr id="204" name="Neo4j Essentials"/>
           <p:cNvSpPr txBox="1"/>
           <p:nvPr>
             <p:ph type="title"/>
@@ -5128,7 +5124,7 @@
       </p:sp>
       <p:sp>
         <p:nvSpPr>
-          <p:cNvPr id="206" name="Designed to backup applications…"/>
+          <p:cNvPr id="205" name="Designed to backup applications…"/>
           <p:cNvSpPr txBox="1"/>
           <p:nvPr>
             <p:ph type="body" idx="1"/>
@@ -5271,7 +5267,7 @@
       </p:sp>
       <p:sp>
         <p:nvSpPr>
-          <p:cNvPr id="207" name="Image credits: https://goo.gl/YLhCXG"/>
+          <p:cNvPr id="206" name="Image credits: https://goo.gl/YLhCXG"/>
           <p:cNvSpPr txBox="1"/>
           <p:nvPr/>
         </p:nvSpPr>
@@ -5316,7 +5312,7 @@
       </p:sp>
       <p:pic>
         <p:nvPicPr>
-          <p:cNvPr id="208" name="graphdb_model.jpg" descr="graphdb_model.jpg"/>
+          <p:cNvPr id="207" name="graphdb_model.jpg" descr="graphdb_model.jpg"/>
           <p:cNvPicPr>
             <a:picLocks noChangeAspect="1"/>
           </p:cNvPicPr>
@@ -5354,7 +5350,7 @@
 </file>
 
 <file path=ppt/slides/slide17.xml><?xml version="1.0" encoding="utf-8"?>
-<p:sld xmlns:a="http://schemas.openxmlformats.org/drawingml/2006/main" xmlns:r="http://schemas.openxmlformats.org/officeDocument/2006/relationships" xmlns:p="http://schemas.openxmlformats.org/presentationml/2006/main" showMasterSp="1" showMasterPhAnim="1">
+<p:sld xmlns:a="http://schemas.openxmlformats.org/drawingml/2006/main" xmlns:r="http://schemas.openxmlformats.org/officeDocument/2006/relationships" xmlns:p="http://schemas.openxmlformats.org/presentationml/2006/main" xmlns:m="http://schemas.openxmlformats.org/officeDocument/2006/math" xmlns:a14="http://schemas.microsoft.com/office/drawing/2010/main" showMasterSp="1" showMasterPhAnim="1">
   <p:cSld>
     <p:spTree>
       <p:nvGrpSpPr>
@@ -5372,7 +5368,7 @@
       </p:grpSpPr>
       <p:sp>
         <p:nvSpPr>
-          <p:cNvPr id="210" name="Neo4j Data Model"/>
+          <p:cNvPr id="209" name="Neo4j Data Model"/>
           <p:cNvSpPr txBox="1"/>
           <p:nvPr>
             <p:ph type="body" idx="14"/>
@@ -5404,7 +5400,7 @@
       </p:sp>
       <p:pic>
         <p:nvPicPr>
-          <p:cNvPr id="211" name="neo4j_graph.png" descr="neo4j_graph.png"/>
+          <p:cNvPr id="210" name="neo4j_graph.png" descr="neo4j_graph.png"/>
           <p:cNvPicPr>
             <a:picLocks noChangeAspect="1"/>
           </p:cNvPicPr>
@@ -5434,7 +5430,7 @@
       </p:pic>
       <p:sp>
         <p:nvSpPr>
-          <p:cNvPr id="212" name="Text"/>
+          <p:cNvPr id="211" name="Text"/>
           <p:cNvSpPr txBox="1"/>
           <p:nvPr/>
         </p:nvSpPr>
@@ -5462,7 +5458,7 @@
       </p:sp>
       <p:sp>
         <p:nvSpPr>
-          <p:cNvPr id="213" name="Both nodes and relations can have attributes"/>
+          <p:cNvPr id="212" name="Both nodes and relations can have attributes"/>
           <p:cNvSpPr txBox="1"/>
           <p:nvPr/>
         </p:nvSpPr>
@@ -5513,7 +5509,7 @@
       </p:sp>
       <p:sp>
         <p:nvSpPr>
-          <p:cNvPr id="214" name="Nodes &amp; relations have labels  (i.e., string-based types)"/>
+          <p:cNvPr id="213" name="Nodes &amp; relations have labels  (i.e., string-based types)"/>
           <p:cNvSpPr txBox="1"/>
           <p:nvPr/>
         </p:nvSpPr>
@@ -5566,7 +5562,7 @@
       </p:sp>
       <p:sp>
         <p:nvSpPr>
-          <p:cNvPr id="215" name="Cool management interface (SPARQL version might be a student project)"/>
+          <p:cNvPr id="214" name="Cool management interface (SPARQL version might be a student project)"/>
           <p:cNvSpPr txBox="1"/>
           <p:nvPr/>
         </p:nvSpPr>
@@ -5627,7 +5623,7 @@
 </file>
 
 <file path=ppt/slides/slide18.xml><?xml version="1.0" encoding="utf-8"?>
-<p:sld xmlns:a="http://schemas.openxmlformats.org/drawingml/2006/main" xmlns:r="http://schemas.openxmlformats.org/officeDocument/2006/relationships" xmlns:p="http://schemas.openxmlformats.org/presentationml/2006/main" showMasterSp="1" showMasterPhAnim="1">
+<p:sld xmlns:a="http://schemas.openxmlformats.org/drawingml/2006/main" xmlns:r="http://schemas.openxmlformats.org/officeDocument/2006/relationships" xmlns:p="http://schemas.openxmlformats.org/presentationml/2006/main" xmlns:m="http://schemas.openxmlformats.org/officeDocument/2006/math" xmlns:a14="http://schemas.microsoft.com/office/drawing/2010/main" showMasterSp="1" showMasterPhAnim="1">
   <p:cSld>
     <p:spTree>
       <p:nvGrpSpPr>
@@ -5645,7 +5641,7 @@
       </p:grpSpPr>
       <p:sp>
         <p:nvSpPr>
-          <p:cNvPr id="217" name="Cypher Query/DM Language"/>
+          <p:cNvPr id="216" name="Cypher Query/DM Language"/>
           <p:cNvSpPr txBox="1"/>
           <p:nvPr>
             <p:ph type="body" idx="14"/>
@@ -5677,7 +5673,7 @@
       </p:sp>
       <p:sp>
         <p:nvSpPr>
-          <p:cNvPr id="218" name="Proteins-&gt;Reactions-&gt;Pathways: // chain of paths, node selection via property (exploits indices) MATCH (prot:Protein) - [csby:consumed_by] -&gt; (:Reaction) - [:part_of] -&gt; (pway:Path{ title: ‘apoptosis’ }) // further conditions, but often not performant WHERE prot.name =~ ‘(?i)^DNA.+’ // Usual projection and post-selection operators RETURN prot.name, pway // Relations can have properties ORDER BY csby.pvalue LIMIT 1000"/>
+          <p:cNvPr id="217" name="Proteins-&gt;Reactions-&gt;Pathways: // chain of paths, node selection via property (exploits indices) MATCH (prot:Protein) - [csby:consumed_by] -&gt; (:Reaction) - [:part_of] -&gt; (pway:Path{ title: ‘apoptosis’ }) // further conditions, but often not performant WHERE prot.name =~ ‘(?i)^DNA.+’ // Usual projection and post-selection operators RETURN prot.name, pway // Relations can have properties ORDER BY csby.pvalue LIMIT 1000"/>
           <p:cNvSpPr txBox="1"/>
           <p:nvPr/>
         </p:nvSpPr>
@@ -5763,7 +5759,7 @@
       </p:sp>
       <p:sp>
         <p:nvSpPr>
-          <p:cNvPr id="219" name="Single-path (or same-direction branching) easy to write: MATCH (prot:Protein) - [:pd_by|cs_by] -&gt; (:Reaction) - [:part_of*1..3] -&gt; (pway:Path) RETURN ID(prot), ID(pway) LIMIT 1000 // Very compact forms available, depending on the data MATCH (prot:Protein) - (pway:Path) RETURN pway"/>
+          <p:cNvPr id="218" name="Single-path (or same-direction branching) easy to write: MATCH (prot:Protein) - [:pd_by|cs_by] -&gt; (:Reaction) - [:part_of*1..3] -&gt; (pway:Path) RETURN ID(prot), ID(pway) LIMIT 1000 // Very compact forms available, depending on the data MATCH (prot:Protein) - (pway:Path) RETURN pway"/>
           <p:cNvSpPr txBox="1"/>
           <p:nvPr/>
         </p:nvSpPr>
@@ -5837,7 +5833,7 @@
 </file>
 
 <file path=ppt/slides/slide19.xml><?xml version="1.0" encoding="utf-8"?>
-<p:sld xmlns:a="http://schemas.openxmlformats.org/drawingml/2006/main" xmlns:r="http://schemas.openxmlformats.org/officeDocument/2006/relationships" xmlns:p="http://schemas.openxmlformats.org/presentationml/2006/main" showMasterSp="1" showMasterPhAnim="1">
+<p:sld xmlns:a="http://schemas.openxmlformats.org/drawingml/2006/main" xmlns:r="http://schemas.openxmlformats.org/officeDocument/2006/relationships" xmlns:p="http://schemas.openxmlformats.org/presentationml/2006/main" xmlns:m="http://schemas.openxmlformats.org/officeDocument/2006/math" xmlns:a14="http://schemas.microsoft.com/office/drawing/2010/main" showMasterSp="1" showMasterPhAnim="1">
   <p:cSld>
     <p:spTree>
       <p:nvGrpSpPr>
@@ -5855,7 +5851,7 @@
       </p:grpSpPr>
       <p:sp>
         <p:nvSpPr>
-          <p:cNvPr id="221" name="Cypher Query/DM Language"/>
+          <p:cNvPr id="220" name="Cypher Query/DM Language"/>
           <p:cNvSpPr txBox="1"/>
           <p:nvPr>
             <p:ph type="body" idx="14"/>
@@ -5887,7 +5883,7 @@
       </p:sp>
       <p:sp>
         <p:nvSpPr>
-          <p:cNvPr id="222" name="DML features: MATCH (prot:Protein{ name:’P53’ }), (pway:Path{ title:’apoptosis’}) CREATE (prot) - [:participates_in] -&gt; (pway)"/>
+          <p:cNvPr id="221" name="DML features: MATCH (prot:Protein{ name:’P53’ }), (pway:Path{ title:’apoptosis’}) CREATE (prot) - [:participates_in] -&gt; (pway)"/>
           <p:cNvSpPr txBox="1"/>
           <p:nvPr/>
         </p:nvSpPr>
@@ -5946,7 +5942,7 @@
       </p:sp>
       <p:sp>
         <p:nvSpPr>
-          <p:cNvPr id="223" name="DML features, embeddable in Java/Python/etc: UNWIND $rows AS row // $rows set by the invoker, programmatically MATCH (prot:Protein{ id: row.protId }), (pway:Path{ id:row.pathId }) CREATE (prot) - [relation:participates_in] -&gt; (pway) SET relation = row.relationAttributes"/>
+          <p:cNvPr id="222" name="DML features, embeddable in Java/Python/etc: UNWIND $rows AS row // $rows set by the invoker, programmatically MATCH (prot:Protein{ id: row.protId }), (pway:Path{ id:row.pathId }) CREATE (prot) - [relation:participates_in] -&gt; (pway) SET relation = row.relationAttributes"/>
           <p:cNvSpPr txBox="1"/>
           <p:nvPr/>
         </p:nvSpPr>
@@ -6020,7 +6016,7 @@
 </file>
 
 <file path=ppt/slides/slide2.xml><?xml version="1.0" encoding="utf-8"?>
-<p:sld xmlns:a="http://schemas.openxmlformats.org/drawingml/2006/main" xmlns:r="http://schemas.openxmlformats.org/officeDocument/2006/relationships" xmlns:p="http://schemas.openxmlformats.org/presentationml/2006/main" showMasterSp="1" showMasterPhAnim="1">
+<p:sld xmlns:a="http://schemas.openxmlformats.org/drawingml/2006/main" xmlns:r="http://schemas.openxmlformats.org/officeDocument/2006/relationships" xmlns:p="http://schemas.openxmlformats.org/presentationml/2006/main" xmlns:m="http://schemas.openxmlformats.org/officeDocument/2006/math" xmlns:a14="http://schemas.microsoft.com/office/drawing/2010/main" showMasterSp="1" showMasterPhAnim="1">
   <p:cSld>
     <p:spTree>
       <p:nvGrpSpPr>
@@ -6247,7 +6243,7 @@
 </file>
 
 <file path=ppt/slides/slide20.xml><?xml version="1.0" encoding="utf-8"?>
-<p:sld xmlns:a="http://schemas.openxmlformats.org/drawingml/2006/main" xmlns:r="http://schemas.openxmlformats.org/officeDocument/2006/relationships" xmlns:p="http://schemas.openxmlformats.org/presentationml/2006/main" showMasterSp="1" showMasterPhAnim="1">
+<p:sld xmlns:a="http://schemas.openxmlformats.org/drawingml/2006/main" xmlns:r="http://schemas.openxmlformats.org/officeDocument/2006/relationships" xmlns:p="http://schemas.openxmlformats.org/presentationml/2006/main" xmlns:m="http://schemas.openxmlformats.org/officeDocument/2006/math" xmlns:a14="http://schemas.microsoft.com/office/drawing/2010/main" showMasterSp="1" showMasterPhAnim="1">
   <p:cSld>
     <p:spTree>
       <p:nvGrpSpPr>
@@ -6265,7 +6261,7 @@
       </p:grpSpPr>
       <p:sp>
         <p:nvSpPr>
-          <p:cNvPr id="225" name="Cypher/Neo4j Performance"/>
+          <p:cNvPr id="224" name="Cypher/Neo4j Performance"/>
           <p:cNvSpPr txBox="1"/>
           <p:nvPr>
             <p:ph type="title"/>
@@ -6293,7 +6289,7 @@
       </p:sp>
       <p:sp>
         <p:nvSpPr>
-          <p:cNvPr id="226" name="Simple, common queries"/>
+          <p:cNvPr id="225" name="Simple, common queries"/>
           <p:cNvSpPr txBox="1"/>
           <p:nvPr/>
         </p:nvSpPr>
@@ -6329,7 +6325,7 @@
       </p:sp>
       <p:pic>
         <p:nvPicPr>
-          <p:cNvPr id="227" name="Image" descr="Image"/>
+          <p:cNvPr id="226" name="Image" descr="Image"/>
           <p:cNvPicPr>
             <a:picLocks noChangeAspect="1"/>
           </p:cNvPicPr>
@@ -6366,7 +6362,7 @@
 </file>
 
 <file path=ppt/slides/slide21.xml><?xml version="1.0" encoding="utf-8"?>
-<p:sld xmlns:a="http://schemas.openxmlformats.org/drawingml/2006/main" xmlns:r="http://schemas.openxmlformats.org/officeDocument/2006/relationships" xmlns:p="http://schemas.openxmlformats.org/presentationml/2006/main" showMasterSp="1" showMasterPhAnim="1">
+<p:sld xmlns:a="http://schemas.openxmlformats.org/drawingml/2006/main" xmlns:r="http://schemas.openxmlformats.org/officeDocument/2006/relationships" xmlns:p="http://schemas.openxmlformats.org/presentationml/2006/main" xmlns:m="http://schemas.openxmlformats.org/officeDocument/2006/math" xmlns:a14="http://schemas.microsoft.com/office/drawing/2010/main" showMasterSp="1" showMasterPhAnim="1">
   <p:cSld>
     <p:spTree>
       <p:nvGrpSpPr>
@@ -6384,7 +6380,7 @@
       </p:grpSpPr>
       <p:sp>
         <p:nvSpPr>
-          <p:cNvPr id="229" name="Cypher/Neo4j Performance"/>
+          <p:cNvPr id="228" name="Cypher/Neo4j Performance"/>
           <p:cNvSpPr txBox="1"/>
           <p:nvPr>
             <p:ph type="title"/>
@@ -6408,7 +6404,7 @@
       </p:sp>
       <p:sp>
         <p:nvSpPr>
-          <p:cNvPr id="230" name="Path Queries"/>
+          <p:cNvPr id="229" name="Path Queries"/>
           <p:cNvSpPr txBox="1"/>
           <p:nvPr/>
         </p:nvSpPr>
@@ -6444,7 +6440,7 @@
       </p:sp>
       <p:pic>
         <p:nvPicPr>
-          <p:cNvPr id="231" name="Image" descr="Image"/>
+          <p:cNvPr id="230" name="Image" descr="Image"/>
           <p:cNvPicPr>
             <a:picLocks noChangeAspect="1"/>
           </p:cNvPicPr>
@@ -6481,7 +6477,7 @@
 </file>
 
 <file path=ppt/slides/slide22.xml><?xml version="1.0" encoding="utf-8"?>
-<p:sld xmlns:a="http://schemas.openxmlformats.org/drawingml/2006/main" xmlns:r="http://schemas.openxmlformats.org/officeDocument/2006/relationships" xmlns:p="http://schemas.openxmlformats.org/presentationml/2006/main" showMasterSp="1" showMasterPhAnim="1">
+<p:sld xmlns:a="http://schemas.openxmlformats.org/drawingml/2006/main" xmlns:r="http://schemas.openxmlformats.org/officeDocument/2006/relationships" xmlns:p="http://schemas.openxmlformats.org/presentationml/2006/main" xmlns:m="http://schemas.openxmlformats.org/officeDocument/2006/math" xmlns:a14="http://schemas.microsoft.com/office/drawing/2010/main" showMasterSp="1" showMasterPhAnim="1">
   <p:cSld>
     <p:spTree>
       <p:nvGrpSpPr>
@@ -6499,7 +6495,7 @@
       </p:grpSpPr>
       <p:sp>
         <p:nvSpPr>
-          <p:cNvPr id="233" name="Sounds Good, But…"/>
+          <p:cNvPr id="232" name="Sounds Good, But…"/>
           <p:cNvSpPr txBox="1"/>
           <p:nvPr>
             <p:ph type="body" idx="14"/>
@@ -6531,7 +6527,7 @@
       </p:sp>
       <p:sp>
         <p:nvSpPr>
-          <p:cNvPr id="234" name="select distinct ?prot ?pway { where {     # Branch 1     …   } union {      # Branch 2      …      {          # Branch 2.1      }       union {        # Branch 2.2     }      …  } }"/>
+          <p:cNvPr id="233" name="select distinct ?prot ?pway { where {     # Branch 1     …   } union {      # Branch 2      …      {          # Branch 2.1      }       union {        # Branch 2.2     }      …  } }"/>
           <p:cNvSpPr txBox="1"/>
           <p:nvPr/>
         </p:nvSpPr>
@@ -6709,7 +6705,7 @@
       </p:sp>
       <p:grpSp>
         <p:nvGrpSpPr>
-          <p:cNvPr id="237" name="Group"/>
+          <p:cNvPr id="236" name="Group"/>
           <p:cNvGrpSpPr/>
           <p:nvPr/>
         </p:nvGrpSpPr>
@@ -6723,7 +6719,7 @@
         </p:grpSpPr>
         <p:sp>
           <p:nvSpPr>
-            <p:cNvPr id="235" name="Rounded Rectangle"/>
+            <p:cNvPr id="234" name="Rounded Rectangle"/>
             <p:cNvSpPr/>
             <p:nvPr/>
           </p:nvSpPr>
@@ -6765,7 +6761,7 @@
         </p:sp>
         <p:pic>
           <p:nvPicPr>
-            <p:cNvPr id="236" name="ara_knet_pattern.png" descr="ara_knet_pattern.png"/>
+            <p:cNvPr id="235" name="ara_knet_pattern.png" descr="ara_knet_pattern.png"/>
             <p:cNvPicPr>
               <a:picLocks noChangeAspect="1"/>
             </p:cNvPicPr>
@@ -6797,7 +6793,7 @@
       </p:grpSp>
       <p:sp>
         <p:nvSpPr>
-          <p:cNvPr id="238" name="In Cypher?!…"/>
+          <p:cNvPr id="237" name="In Cypher?!…"/>
           <p:cNvSpPr txBox="1"/>
           <p:nvPr>
             <p:ph type="body" sz="half" idx="4294967295"/>
@@ -6869,7 +6865,7 @@
       </p:sp>
       <p:sp>
         <p:nvSpPr>
-          <p:cNvPr id="239" name="MATCH (prot:Protein) &lt;- [:ac_by] - (:Enzyme) &lt;- [:ca_by] - (:Transport) &lt;- [:part_of] - (pway:Path) RETURN prot, pway LIMIT 100 UNION MATCH (prot:Protein) - [:is_a] -&gt; (:Enzyme) &lt;- [:ca_by] - (:Transport) &lt;- [:part_of] - (pway:Path) RETURN prot, pway LIMIT 100"/>
+          <p:cNvPr id="238" name="MATCH (prot:Protein) &lt;- [:ac_by] - (:Enzyme) &lt;- [:ca_by] - (:Transport) &lt;- [:part_of] - (pway:Path) RETURN prot, pway LIMIT 100 UNION MATCH (prot:Protein) - [:is_a] -&gt; (:Enzyme) &lt;- [:ca_by] - (:Transport) &lt;- [:part_of] - (pway:Path) RETURN prot, pway LIMIT 100"/>
           <p:cNvSpPr txBox="1"/>
           <p:nvPr/>
         </p:nvSpPr>
@@ -6934,7 +6930,7 @@
 </file>
 
 <file path=ppt/slides/slide23.xml><?xml version="1.0" encoding="utf-8"?>
-<p:sld xmlns:a="http://schemas.openxmlformats.org/drawingml/2006/main" xmlns:r="http://schemas.openxmlformats.org/officeDocument/2006/relationships" xmlns:p="http://schemas.openxmlformats.org/presentationml/2006/main" showMasterSp="1" showMasterPhAnim="1">
+<p:sld xmlns:a="http://schemas.openxmlformats.org/drawingml/2006/main" xmlns:r="http://schemas.openxmlformats.org/officeDocument/2006/relationships" xmlns:p="http://schemas.openxmlformats.org/presentationml/2006/main" xmlns:m="http://schemas.openxmlformats.org/officeDocument/2006/math" xmlns:a14="http://schemas.microsoft.com/office/drawing/2010/main" showMasterSp="1" showMasterPhAnim="1">
   <p:cSld>
     <p:spTree>
       <p:nvGrpSpPr>
@@ -6952,7 +6948,7 @@
       </p:grpSpPr>
       <p:sp>
         <p:nvSpPr>
-          <p:cNvPr id="241" name="ADDENDUM"/>
+          <p:cNvPr id="240" name="ADDENDUM"/>
           <p:cNvSpPr txBox="1"/>
           <p:nvPr>
             <p:ph type="body" idx="14"/>
@@ -6984,7 +6980,7 @@
       </p:sp>
       <p:sp>
         <p:nvSpPr>
-          <p:cNvPr id="242" name="select distinct ?prot ?pway { where {     # Branch 1     …   } union {      # Branch 2      …      {          # Branch 2.1      }       union {        # Branch 2.2     }      …  } }"/>
+          <p:cNvPr id="241" name="select distinct ?prot ?pway { where {     # Branch 1     …   } union {      # Branch 2      …      {          # Branch 2.1      }       union {        # Branch 2.2     }      …  } }"/>
           <p:cNvSpPr txBox="1"/>
           <p:nvPr/>
         </p:nvSpPr>
@@ -7162,7 +7158,7 @@
       </p:sp>
       <p:grpSp>
         <p:nvGrpSpPr>
-          <p:cNvPr id="245" name="Group"/>
+          <p:cNvPr id="244" name="Group"/>
           <p:cNvGrpSpPr/>
           <p:nvPr/>
         </p:nvGrpSpPr>
@@ -7176,7 +7172,7 @@
         </p:grpSpPr>
         <p:sp>
           <p:nvSpPr>
-            <p:cNvPr id="243" name="Rounded Rectangle"/>
+            <p:cNvPr id="242" name="Rounded Rectangle"/>
             <p:cNvSpPr/>
             <p:nvPr/>
           </p:nvSpPr>
@@ -7218,7 +7214,7 @@
         </p:sp>
         <p:pic>
           <p:nvPicPr>
-            <p:cNvPr id="244" name="ara_knet_pattern.png" descr="ara_knet_pattern.png"/>
+            <p:cNvPr id="243" name="ara_knet_pattern.png" descr="ara_knet_pattern.png"/>
             <p:cNvPicPr>
               <a:picLocks noChangeAspect="1"/>
             </p:cNvPicPr>
@@ -7250,7 +7246,7 @@
       </p:grpSp>
       <p:sp>
         <p:nvSpPr>
-          <p:cNvPr id="246" name="In Cypher?! Unions+branches partially possible by means of paths in WHERE:"/>
+          <p:cNvPr id="245" name="In Cypher?! Unions+branches partially possible by means of paths in WHERE:"/>
           <p:cNvSpPr txBox="1"/>
           <p:nvPr>
             <p:ph type="body" sz="quarter" idx="4294967295"/>
@@ -7296,7 +7292,7 @@
       </p:sp>
       <p:sp>
         <p:nvSpPr>
-          <p:cNvPr id="247" name="// Branch 2 MATCH (prot:Protein), (enz:Enzyme), (tns:Transport) - [:part_of] -&gt; (path:Path) WHERE (    (enz) - [:ac_by|:in_by] -&gt; (:Comp) - [:pd_by|:cs_by] -&gt; (tns) // Branch 2.1     OR (tns) - [:ca_by] -&gt; (enz) )                                                           //Branch 2.2 (pt1)            AND ( (prot) - [:is_a] -&gt; (enz) OR (prot) &lt;- [:ac_by] - (enz) ) // Branch 2.2 (pt2) RETURN prot, path LIMIT 30 UNION  // Branch1 MATCH (prot:Protein) - [:pd_by|:cs_by] -&gt; (:Reaction) - [:part_of] -&gt; (path:Path) RETURN prot, path LIMIT 30"/>
+          <p:cNvPr id="246" name="// Branch 2 MATCH (prot:Protein), (enz:Enzyme), (tns:Transport) - [:part_of] -&gt; (path:Path) WHERE (    (enz) - [:ac_by|:in_by] -&gt; (:Comp) - [:pd_by|:cs_by] -&gt; (tns) // Branch 2.1     OR (tns) - [:ca_by] -&gt; (enz) )                                                           //Branch 2.2 (pt1)            AND ( (prot) - [:is_a] -&gt; (enz) OR (prot) &lt;- [:ac_by] - (enz) ) // Branch 2.2 (pt2) RETURN prot, path LIMIT 30 UNION  // Branch1 MATCH (prot:Protein) - [:pd_by|:cs_by] -&gt; (:Reaction) - [:part_of] -&gt; (path:Path) RETURN prot, path LIMIT 30"/>
           <p:cNvSpPr txBox="1"/>
           <p:nvPr/>
         </p:nvSpPr>
@@ -7429,7 +7425,7 @@
       </p:sp>
       <p:sp>
         <p:nvSpPr>
-          <p:cNvPr id="248" name="However,…"/>
+          <p:cNvPr id="247" name="However,…"/>
           <p:cNvSpPr txBox="1"/>
           <p:nvPr/>
         </p:nvSpPr>
@@ -7511,7 +7507,7 @@
 </file>
 
 <file path=ppt/slides/slide24.xml><?xml version="1.0" encoding="utf-8"?>
-<p:sld xmlns:a="http://schemas.openxmlformats.org/drawingml/2006/main" xmlns:r="http://schemas.openxmlformats.org/officeDocument/2006/relationships" xmlns:p="http://schemas.openxmlformats.org/presentationml/2006/main" showMasterSp="1" showMasterPhAnim="1">
+<p:sld xmlns:a="http://schemas.openxmlformats.org/drawingml/2006/main" xmlns:r="http://schemas.openxmlformats.org/officeDocument/2006/relationships" xmlns:p="http://schemas.openxmlformats.org/presentationml/2006/main" xmlns:m="http://schemas.openxmlformats.org/officeDocument/2006/math" xmlns:a14="http://schemas.microsoft.com/office/drawing/2010/main" showMasterSp="1" showMasterPhAnim="1">
   <p:cSld>
     <p:spTree>
       <p:nvGrpSpPr>
@@ -7529,7 +7525,7 @@
       </p:grpSpPr>
       <p:sp>
         <p:nvSpPr>
-          <p:cNvPr id="250" name="Sounds Good, But…"/>
+          <p:cNvPr id="249" name="Sounds Good, But…"/>
           <p:cNvSpPr txBox="1"/>
           <p:nvPr>
             <p:ph type="body" idx="14"/>
@@ -7561,7 +7557,7 @@
       </p:sp>
       <p:sp>
         <p:nvSpPr>
-          <p:cNvPr id="251" name="What about schemas/metadata/ontologies?…"/>
+          <p:cNvPr id="250" name="What about schemas/metadata/ontologies?…"/>
           <p:cNvSpPr txBox="1"/>
           <p:nvPr>
             <p:ph type="body" idx="4294967295"/>
@@ -7641,7 +7637,7 @@
 </file>
 
 <file path=ppt/slides/slide25.xml><?xml version="1.0" encoding="utf-8"?>
-<p:sld xmlns:a="http://schemas.openxmlformats.org/drawingml/2006/main" xmlns:r="http://schemas.openxmlformats.org/officeDocument/2006/relationships" xmlns:p="http://schemas.openxmlformats.org/presentationml/2006/main" showMasterSp="1" showMasterPhAnim="1">
+<p:sld xmlns:a="http://schemas.openxmlformats.org/drawingml/2006/main" xmlns:r="http://schemas.openxmlformats.org/officeDocument/2006/relationships" xmlns:p="http://schemas.openxmlformats.org/presentationml/2006/main" xmlns:m="http://schemas.openxmlformats.org/officeDocument/2006/math" xmlns:a14="http://schemas.microsoft.com/office/drawing/2010/main" showMasterSp="1" showMasterPhAnim="1">
   <p:cSld>
     <p:spTree>
       <p:nvGrpSpPr>
@@ -7659,7 +7655,7 @@
       </p:grpSpPr>
       <p:sp>
         <p:nvSpPr>
-          <p:cNvPr id="253" name="Sounds Good, But…"/>
+          <p:cNvPr id="252" name="Sounds Good, But…"/>
           <p:cNvSpPr txBox="1"/>
           <p:nvPr>
             <p:ph type="body" idx="14"/>
@@ -7691,7 +7687,7 @@
       </p:sp>
       <p:sp>
         <p:nvSpPr>
-          <p:cNvPr id="254" name="Basically, it’s relational-oriented about schemas…"/>
+          <p:cNvPr id="253" name="Basically, it’s relational-oriented about schemas…"/>
           <p:cNvSpPr txBox="1"/>
           <p:nvPr>
             <p:ph type="body" idx="4294967295"/>
@@ -7847,7 +7843,7 @@
 </file>
 
 <file path=ppt/slides/slide26.xml><?xml version="1.0" encoding="utf-8"?>
-<p:sld xmlns:a="http://schemas.openxmlformats.org/drawingml/2006/main" xmlns:r="http://schemas.openxmlformats.org/officeDocument/2006/relationships" xmlns:p="http://schemas.openxmlformats.org/presentationml/2006/main" showMasterSp="1" showMasterPhAnim="1">
+<p:sld xmlns:a="http://schemas.openxmlformats.org/drawingml/2006/main" xmlns:r="http://schemas.openxmlformats.org/officeDocument/2006/relationships" xmlns:p="http://schemas.openxmlformats.org/presentationml/2006/main" xmlns:m="http://schemas.openxmlformats.org/officeDocument/2006/math" xmlns:a14="http://schemas.microsoft.com/office/drawing/2010/main" showMasterSp="1" showMasterPhAnim="1">
   <p:cSld>
     <p:spTree>
       <p:nvGrpSpPr>
@@ -7865,7 +7861,7 @@
       </p:grpSpPr>
       <p:sp>
         <p:nvSpPr>
-          <p:cNvPr id="256" name="Flat, RDF-Like Model"/>
+          <p:cNvPr id="255" name="Flat, RDF-Like Model"/>
           <p:cNvSpPr txBox="1"/>
           <p:nvPr>
             <p:ph type="body" idx="14"/>
@@ -7897,7 +7893,7 @@
       </p:sp>
       <p:pic>
         <p:nvPicPr>
-          <p:cNvPr id="257" name="no4j_flat_model.png" descr="no4j_flat_model.png"/>
+          <p:cNvPr id="256" name="no4j_flat_model.png" descr="no4j_flat_model.png"/>
           <p:cNvPicPr>
             <a:picLocks noChangeAspect="1"/>
           </p:cNvPicPr>
@@ -7927,7 +7923,7 @@
       </p:pic>
       <p:sp>
         <p:nvSpPr>
-          <p:cNvPr id="258" name="Code for both converters: github:/marco-brandizi/odx_neo4j_converter_test"/>
+          <p:cNvPr id="257" name="Code for both converters: github:/marco-brandizi/odx_neo4j_converter_test"/>
           <p:cNvSpPr txBox="1"/>
           <p:nvPr/>
         </p:nvSpPr>
@@ -7988,7 +7984,7 @@
 </file>
 
 <file path=ppt/slides/slide27.xml><?xml version="1.0" encoding="utf-8"?>
-<p:sld xmlns:a="http://schemas.openxmlformats.org/drawingml/2006/main" xmlns:r="http://schemas.openxmlformats.org/officeDocument/2006/relationships" xmlns:p="http://schemas.openxmlformats.org/presentationml/2006/main" showMasterSp="1" showMasterPhAnim="1">
+<p:sld xmlns:a="http://schemas.openxmlformats.org/drawingml/2006/main" xmlns:r="http://schemas.openxmlformats.org/officeDocument/2006/relationships" xmlns:p="http://schemas.openxmlformats.org/presentationml/2006/main" xmlns:m="http://schemas.openxmlformats.org/officeDocument/2006/math" xmlns:a14="http://schemas.microsoft.com/office/drawing/2010/main" showMasterSp="1" showMasterPhAnim="1">
   <p:cSld>
     <p:spTree>
       <p:nvGrpSpPr>
@@ -8006,7 +8002,7 @@
       </p:grpSpPr>
       <p:sp>
         <p:nvSpPr>
-          <p:cNvPr id="260" name="Flat Model Impact on Cypher"/>
+          <p:cNvPr id="259" name="Flat Model Impact on Cypher"/>
           <p:cNvSpPr txBox="1"/>
           <p:nvPr>
             <p:ph type="body" idx="14"/>
@@ -8038,7 +8034,7 @@
       </p:sp>
       <p:sp>
         <p:nvSpPr>
-          <p:cNvPr id="261" name="Structured model: MATCH (prot:Protein{ id: '250169' }) - [:cs_by] -&gt; (react:Reaction) - [:part_of] -&gt; (pway:Path) RETURN * LIMIT 100"/>
+          <p:cNvPr id="260" name="Structured model: MATCH (prot:Protein{ id: '250169' }) - [:cs_by] -&gt; (react:Reaction) - [:part_of] -&gt; (pway:Path) RETURN * LIMIT 100"/>
           <p:cNvSpPr txBox="1"/>
           <p:nvPr/>
         </p:nvSpPr>
@@ -8096,7 +8092,7 @@
       </p:sp>
       <p:sp>
         <p:nvSpPr>
-          <p:cNvPr id="262" name="Flat model: MATCH (prot:Concept {id: '250169', ccName: 'Protein'})  &lt;- [:from] - (csby:Relation {name: 'cs_by' })  - [:to] -&gt; (react:Concept { ccName: 'Reaction'})  &lt;- [:from] - (partof:Relation {name:'part_of'}) - [:to]  -&gt; (pway:Concept {ccName:'Path'}) RETURN * LIMIT 100"/>
+          <p:cNvPr id="261" name="Flat model: MATCH (prot:Concept {id: '250169', ccName: 'Protein'})  &lt;- [:from] - (csby:Relation {name: 'cs_by' })  - [:to] -&gt; (react:Concept { ccName: 'Reaction'})  &lt;- [:from] - (partof:Relation {name:'part_of'}) - [:to]  -&gt; (pway:Concept {ccName:'Path'}) RETURN * LIMIT 100"/>
           <p:cNvSpPr txBox="1"/>
           <p:nvPr/>
         </p:nvSpPr>
@@ -8170,7 +8166,7 @@
       </p:sp>
       <p:sp>
         <p:nvSpPr>
-          <p:cNvPr id="263" name="Rich schema-based queries MATCH (mol:{Concept}) &lt;- [:conceptClass] - (cc:ConceptClass),   (cc) &lt;- [:specializationOf*] - (:ConceptClass{name:’Protein’}"/>
+          <p:cNvPr id="262" name="Rich schema-based queries MATCH (mol:{Concept}) &lt;- [:conceptClass] - (cc:ConceptClass),   (cc) &lt;- [:specializationOf*] - (:ConceptClass{name:’Protein’}"/>
           <p:cNvSpPr txBox="1"/>
           <p:nvPr/>
         </p:nvSpPr>
@@ -8243,7 +8239,7 @@
 </file>
 
 <file path=ppt/slides/slide28.xml><?xml version="1.0" encoding="utf-8"?>
-<p:sld xmlns:a="http://schemas.openxmlformats.org/drawingml/2006/main" xmlns:r="http://schemas.openxmlformats.org/officeDocument/2006/relationships" xmlns:p="http://schemas.openxmlformats.org/presentationml/2006/main" showMasterSp="1" showMasterPhAnim="1">
+<p:sld xmlns:a="http://schemas.openxmlformats.org/drawingml/2006/main" xmlns:r="http://schemas.openxmlformats.org/officeDocument/2006/relationships" xmlns:p="http://schemas.openxmlformats.org/presentationml/2006/main" xmlns:m="http://schemas.openxmlformats.org/officeDocument/2006/math" xmlns:a14="http://schemas.microsoft.com/office/drawing/2010/main" showMasterSp="1" showMasterPhAnim="1">
   <p:cSld>
     <p:spTree>
       <p:nvGrpSpPr>
@@ -8261,7 +8257,7 @@
       </p:grpSpPr>
       <p:sp>
         <p:nvSpPr>
-          <p:cNvPr id="265" name="Flat Model Performance"/>
+          <p:cNvPr id="264" name="Flat Model Performance"/>
           <p:cNvSpPr txBox="1"/>
           <p:nvPr>
             <p:ph type="title"/>
@@ -8285,7 +8281,7 @@
       </p:sp>
       <p:sp>
         <p:nvSpPr>
-          <p:cNvPr id="266" name="Simple, common queries"/>
+          <p:cNvPr id="265" name="Simple, common queries"/>
           <p:cNvSpPr txBox="1"/>
           <p:nvPr/>
         </p:nvSpPr>
@@ -8321,7 +8317,7 @@
       </p:sp>
       <p:pic>
         <p:nvPicPr>
-          <p:cNvPr id="267" name="Image" descr="Image"/>
+          <p:cNvPr id="266" name="Image" descr="Image"/>
           <p:cNvPicPr>
             <a:picLocks noChangeAspect="1"/>
           </p:cNvPicPr>
@@ -8358,7 +8354,7 @@
 </file>
 
 <file path=ppt/slides/slide29.xml><?xml version="1.0" encoding="utf-8"?>
-<p:sld xmlns:a="http://schemas.openxmlformats.org/drawingml/2006/main" xmlns:r="http://schemas.openxmlformats.org/officeDocument/2006/relationships" xmlns:p="http://schemas.openxmlformats.org/presentationml/2006/main" showMasterSp="1" showMasterPhAnim="1">
+<p:sld xmlns:a="http://schemas.openxmlformats.org/drawingml/2006/main" xmlns:r="http://schemas.openxmlformats.org/officeDocument/2006/relationships" xmlns:p="http://schemas.openxmlformats.org/presentationml/2006/main" xmlns:m="http://schemas.openxmlformats.org/officeDocument/2006/math" xmlns:a14="http://schemas.microsoft.com/office/drawing/2010/main" showMasterSp="1" showMasterPhAnim="1">
   <p:cSld>
     <p:spTree>
       <p:nvGrpSpPr>
@@ -8376,7 +8372,7 @@
       </p:grpSpPr>
       <p:sp>
         <p:nvSpPr>
-          <p:cNvPr id="269" name="Flat Model Performance"/>
+          <p:cNvPr id="268" name="Flat Model Performance"/>
           <p:cNvSpPr txBox="1"/>
           <p:nvPr>
             <p:ph type="title"/>
@@ -8404,7 +8400,7 @@
       </p:sp>
       <p:sp>
         <p:nvSpPr>
-          <p:cNvPr id="270" name="Typical ONDEX Graph Queries"/>
+          <p:cNvPr id="269" name="Typical ONDEX Graph Queries"/>
           <p:cNvSpPr txBox="1"/>
           <p:nvPr/>
         </p:nvSpPr>
@@ -8440,7 +8436,7 @@
       </p:sp>
       <p:pic>
         <p:nvPicPr>
-          <p:cNvPr id="271" name="Image" descr="Image"/>
+          <p:cNvPr id="270" name="Image" descr="Image"/>
           <p:cNvPicPr>
             <a:picLocks noChangeAspect="1"/>
           </p:cNvPicPr>
@@ -8477,7 +8473,7 @@
 </file>
 
 <file path=ppt/slides/slide3.xml><?xml version="1.0" encoding="utf-8"?>
-<p:sld xmlns:a="http://schemas.openxmlformats.org/drawingml/2006/main" xmlns:r="http://schemas.openxmlformats.org/officeDocument/2006/relationships" xmlns:p="http://schemas.openxmlformats.org/presentationml/2006/main" showMasterSp="1" showMasterPhAnim="1">
+<p:sld xmlns:a="http://schemas.openxmlformats.org/drawingml/2006/main" xmlns:r="http://schemas.openxmlformats.org/officeDocument/2006/relationships" xmlns:p="http://schemas.openxmlformats.org/presentationml/2006/main" xmlns:m="http://schemas.openxmlformats.org/officeDocument/2006/math" xmlns:a14="http://schemas.microsoft.com/office/drawing/2010/main" showMasterSp="1" showMasterPhAnim="1">
   <p:cSld>
     <p:spTree>
       <p:nvGrpSpPr>
@@ -8724,7 +8720,7 @@
                       <a:miter lim="400000"/>
                     </a:lnB>
                     <a:blipFill rotWithShape="1">
-                      <a:blip r:embed="rId2"/>
+                      <a:blip r:embed="rId3"/>
                       <a:srcRect l="0" t="0" r="0" b="0"/>
                       <a:tile tx="0" ty="0" sx="100000" sy="100000" flip="none" algn="tl"/>
                     </a:blipFill>
@@ -8851,7 +8847,7 @@
                       <a:miter lim="400000"/>
                     </a:lnB>
                     <a:blipFill rotWithShape="1">
-                      <a:blip r:embed="rId2"/>
+                      <a:blip r:embed="rId4"/>
                       <a:srcRect l="0" t="0" r="0" b="0"/>
                       <a:tile tx="0" ty="0" sx="100000" sy="100000" flip="none" algn="tl"/>
                     </a:blipFill>
@@ -8978,7 +8974,7 @@
                       <a:miter lim="400000"/>
                     </a:lnB>
                     <a:blipFill rotWithShape="1">
-                      <a:blip r:embed="rId2"/>
+                      <a:blip r:embed="rId5"/>
                       <a:srcRect l="0" t="0" r="0" b="0"/>
                       <a:tile tx="0" ty="0" sx="100000" sy="100000" flip="none" algn="tl"/>
                     </a:blipFill>
@@ -9063,7 +9059,7 @@
 </file>
 
 <file path=ppt/slides/slide30.xml><?xml version="1.0" encoding="utf-8"?>
-<p:sld xmlns:a="http://schemas.openxmlformats.org/drawingml/2006/main" xmlns:r="http://schemas.openxmlformats.org/officeDocument/2006/relationships" xmlns:p="http://schemas.openxmlformats.org/presentationml/2006/main" showMasterSp="1" showMasterPhAnim="1">
+<p:sld xmlns:a="http://schemas.openxmlformats.org/drawingml/2006/main" xmlns:r="http://schemas.openxmlformats.org/officeDocument/2006/relationships" xmlns:p="http://schemas.openxmlformats.org/presentationml/2006/main" xmlns:m="http://schemas.openxmlformats.org/officeDocument/2006/math" xmlns:a14="http://schemas.microsoft.com/office/drawing/2010/main" showMasterSp="1" showMasterPhAnim="1">
   <p:cSld>
     <p:spTree>
       <p:nvGrpSpPr>
@@ -9081,7 +9077,7 @@
       </p:grpSpPr>
       <p:sp>
         <p:nvSpPr>
-          <p:cNvPr id="273" name="Impact on Cypher"/>
+          <p:cNvPr id="272" name="Impact on Cypher"/>
           <p:cNvSpPr txBox="1"/>
           <p:nvPr>
             <p:ph type="body" idx="14"/>
@@ -9113,7 +9109,7 @@
       </p:sp>
       <p:sp>
         <p:nvSpPr>
-          <p:cNvPr id="274" name="Rich schema-based queries From: MATCH (molecule:Molecule), (molType:Class)-[:is_a*]-&gt;(:Class{ name:’Protein’ }) WHERE molType.label IN LABELS (molecule)  To: MATCH (mol:{Concept}) &lt;- [:conceptClass] - (cc:ConceptClass),   (cc) &lt;- [:specializationOf*] - (:ConceptClass{name:’Protein’}…"/>
+          <p:cNvPr id="273" name="Rich schema-based queries From: MATCH (molecule:Molecule), (molType:Class)-[:is_a*]-&gt;(:Class{ name:’Protein’ }) WHERE molType.label IN LABELS (molecule)  To: MATCH (mol:{Concept}) &lt;- [:conceptClass] - (cc:ConceptClass),   (cc) &lt;- [:specializationOf*] - (:ConceptClass{name:’Protein’}…"/>
           <p:cNvSpPr txBox="1"/>
           <p:nvPr/>
         </p:nvSpPr>
@@ -9230,7 +9226,7 @@
 </file>
 
 <file path=ppt/slides/slide31.xml><?xml version="1.0" encoding="utf-8"?>
-<p:sld xmlns:a="http://schemas.openxmlformats.org/drawingml/2006/main" xmlns:r="http://schemas.openxmlformats.org/officeDocument/2006/relationships" xmlns:p="http://schemas.openxmlformats.org/presentationml/2006/main" showMasterSp="1" showMasterPhAnim="1">
+<p:sld xmlns:a="http://schemas.openxmlformats.org/drawingml/2006/main" xmlns:r="http://schemas.openxmlformats.org/officeDocument/2006/relationships" xmlns:p="http://schemas.openxmlformats.org/presentationml/2006/main" xmlns:m="http://schemas.openxmlformats.org/officeDocument/2006/math" xmlns:a14="http://schemas.microsoft.com/office/drawing/2010/main" showMasterSp="1" showMasterPhAnim="1">
   <p:cSld>
     <p:spTree>
       <p:nvGrpSpPr>
@@ -9248,7 +9244,7 @@
       </p:grpSpPr>
       <p:sp>
         <p:nvSpPr>
-          <p:cNvPr id="276" name="Impact on Cypher"/>
+          <p:cNvPr id="275" name="Impact on Cypher"/>
           <p:cNvSpPr txBox="1"/>
           <p:nvPr>
             <p:ph type="body" idx="14"/>
@@ -9280,7 +9276,7 @@
       </p:sp>
       <p:sp>
         <p:nvSpPr>
-          <p:cNvPr id="277" name="Rich schema-based queries MATCH (mol:{Concept}) &lt;- [:conceptClass] - (cc:ConceptClass),   (cc) &lt;- [:specializationOf*] - (:ConceptClass{name:’Protein’}…"/>
+          <p:cNvPr id="276" name="Rich schema-based queries MATCH (mol:{Concept}) &lt;- [:conceptClass] - (cc:ConceptClass),   (cc) &lt;- [:specializationOf*] - (:ConceptClass{name:’Protein’}…"/>
           <p:cNvSpPr txBox="1"/>
           <p:nvPr/>
         </p:nvSpPr>
@@ -9537,7 +9533,7 @@
 </file>
 
 <file path=ppt/slides/slide32.xml><?xml version="1.0" encoding="utf-8"?>
-<p:sld xmlns:a="http://schemas.openxmlformats.org/drawingml/2006/main" xmlns:r="http://schemas.openxmlformats.org/officeDocument/2006/relationships" xmlns:p="http://schemas.openxmlformats.org/presentationml/2006/main" showMasterSp="1" showMasterPhAnim="1">
+<p:sld xmlns:a="http://schemas.openxmlformats.org/drawingml/2006/main" xmlns:r="http://schemas.openxmlformats.org/officeDocument/2006/relationships" xmlns:p="http://schemas.openxmlformats.org/presentationml/2006/main" xmlns:m="http://schemas.openxmlformats.org/officeDocument/2006/math" xmlns:a14="http://schemas.microsoft.com/office/drawing/2010/main" showMasterSp="1" showMasterPhAnim="1">
   <p:cSld>
     <p:spTree>
       <p:nvGrpSpPr>
@@ -9555,7 +9551,7 @@
       </p:grpSpPr>
       <p:sp>
         <p:nvSpPr>
-          <p:cNvPr id="279" name="Other Issues"/>
+          <p:cNvPr id="278" name="Other Issues"/>
           <p:cNvSpPr txBox="1"/>
           <p:nvPr>
             <p:ph type="title"/>
@@ -9583,7 +9579,7 @@
       </p:sp>
       <p:sp>
         <p:nvSpPr>
-          <p:cNvPr id="280" name="Data Exchange format?…"/>
+          <p:cNvPr id="279" name="Data Exchange format?…"/>
           <p:cNvSpPr txBox="1"/>
           <p:nvPr>
             <p:ph type="body" idx="1"/>
@@ -9769,7 +9765,7 @@
       </p:sp>
       <p:sp>
         <p:nvSpPr>
-          <p:cNvPr id="281" name="Image credits: https://goo.gl/ysBFF2"/>
+          <p:cNvPr id="280" name="Image credits: https://goo.gl/ysBFF2"/>
           <p:cNvSpPr txBox="1"/>
           <p:nvPr/>
         </p:nvSpPr>
@@ -9818,7 +9814,7 @@
       </p:sp>
       <p:pic>
         <p:nvPicPr>
-          <p:cNvPr id="282" name="tinkerpop.jpg" descr="tinkerpop.jpg"/>
+          <p:cNvPr id="281" name="tinkerpop.jpg" descr="tinkerpop.jpg"/>
           <p:cNvPicPr>
             <a:picLocks noChangeAspect="1"/>
           </p:cNvPicPr>
@@ -9855,7 +9851,7 @@
 </file>
 
 <file path=ppt/slides/slide33.xml><?xml version="1.0" encoding="utf-8"?>
-<p:sld xmlns:a="http://schemas.openxmlformats.org/drawingml/2006/main" xmlns:r="http://schemas.openxmlformats.org/officeDocument/2006/relationships" xmlns:p="http://schemas.openxmlformats.org/presentationml/2006/main" showMasterSp="1" showMasterPhAnim="1">
+<p:sld xmlns:a="http://schemas.openxmlformats.org/drawingml/2006/main" xmlns:r="http://schemas.openxmlformats.org/officeDocument/2006/relationships" xmlns:p="http://schemas.openxmlformats.org/presentationml/2006/main" xmlns:m="http://schemas.openxmlformats.org/officeDocument/2006/math" xmlns:a14="http://schemas.microsoft.com/office/drawing/2010/main" showMasterSp="1" showMasterPhAnim="1">
   <p:cSld>
     <p:spTree>
       <p:nvGrpSpPr>
@@ -9873,7 +9869,7 @@
       </p:grpSpPr>
       <p:sp>
         <p:nvSpPr>
-          <p:cNvPr id="284" name="Conclusions"/>
+          <p:cNvPr id="283" name="Conclusions"/>
           <p:cNvSpPr txBox="1"/>
           <p:nvPr>
             <p:ph type="title"/>
@@ -9901,7 +9897,7 @@
       </p:sp>
       <p:graphicFrame>
         <p:nvGraphicFramePr>
-          <p:cNvPr id="285" name="Table"/>
+          <p:cNvPr id="284" name="Table"/>
           <p:cNvGraphicFramePr/>
           <p:nvPr/>
         </p:nvGraphicFramePr>
@@ -10331,7 +10327,7 @@
                       <a:miter lim="400000"/>
                     </a:lnB>
                     <a:blipFill rotWithShape="1">
-                      <a:blip r:embed="rId2"/>
+                      <a:blip r:embed="rId3"/>
                       <a:srcRect l="0" t="0" r="0" b="0"/>
                       <a:tile tx="0" ty="0" sx="100000" sy="100000" flip="none" algn="tl"/>
                     </a:blipFill>
@@ -10524,7 +10520,7 @@
                       <a:miter lim="400000"/>
                     </a:lnB>
                     <a:blipFill rotWithShape="1">
-                      <a:blip r:embed="rId2"/>
+                      <a:blip r:embed="rId4"/>
                       <a:srcRect l="0" t="0" r="0" b="0"/>
                       <a:tile tx="0" ty="0" sx="100000" sy="100000" flip="none" algn="tl"/>
                     </a:blipFill>
@@ -10715,7 +10711,7 @@
                       <a:miter lim="400000"/>
                     </a:lnB>
                     <a:blipFill rotWithShape="1">
-                      <a:blip r:embed="rId2"/>
+                      <a:blip r:embed="rId5"/>
                       <a:srcRect l="0" t="0" r="0" b="0"/>
                       <a:tile tx="0" ty="0" sx="100000" sy="100000" flip="none" algn="tl"/>
                     </a:blipFill>
@@ -10909,7 +10905,7 @@
                       <a:miter lim="400000"/>
                     </a:lnB>
                     <a:blipFill rotWithShape="1">
-                      <a:blip r:embed="rId2"/>
+                      <a:blip r:embed="rId6"/>
                       <a:srcRect l="0" t="0" r="0" b="0"/>
                       <a:tile tx="0" ty="0" sx="100000" sy="100000" flip="none" algn="tl"/>
                     </a:blipFill>
@@ -11099,7 +11095,7 @@
                       <a:miter lim="400000"/>
                     </a:lnB>
                     <a:blipFill rotWithShape="1">
-                      <a:blip r:embed="rId2"/>
+                      <a:blip r:embed="rId7"/>
                       <a:srcRect l="0" t="0" r="0" b="0"/>
                       <a:tile tx="0" ty="0" sx="100000" sy="100000" flip="none" algn="tl"/>
                     </a:blipFill>
@@ -11244,7 +11240,7 @@
 </file>
 
 <file path=ppt/slides/slide34.xml><?xml version="1.0" encoding="utf-8"?>
-<p:sld xmlns:a="http://schemas.openxmlformats.org/drawingml/2006/main" xmlns:r="http://schemas.openxmlformats.org/officeDocument/2006/relationships" xmlns:p="http://schemas.openxmlformats.org/presentationml/2006/main" showMasterSp="1" showMasterPhAnim="1">
+<p:sld xmlns:a="http://schemas.openxmlformats.org/drawingml/2006/main" xmlns:r="http://schemas.openxmlformats.org/officeDocument/2006/relationships" xmlns:p="http://schemas.openxmlformats.org/presentationml/2006/main" xmlns:m="http://schemas.openxmlformats.org/officeDocument/2006/math" xmlns:a14="http://schemas.microsoft.com/office/drawing/2010/main" showMasterSp="1" showMasterPhAnim="1">
   <p:cSld>
     <p:spTree>
       <p:nvGrpSpPr>
@@ -11262,7 +11258,7 @@
       </p:grpSpPr>
       <p:sp>
         <p:nvSpPr>
-          <p:cNvPr id="287" name="Conclusions"/>
+          <p:cNvPr id="286" name="Conclusions"/>
           <p:cNvSpPr txBox="1"/>
           <p:nvPr>
             <p:ph type="title"/>
@@ -11290,7 +11286,7 @@
       </p:sp>
       <p:pic>
         <p:nvPicPr>
-          <p:cNvPr id="288" name="conclusions_backend.png" descr="conclusions_backend.png"/>
+          <p:cNvPr id="287" name="conclusions_backend.png" descr="conclusions_backend.png"/>
           <p:cNvPicPr>
             <a:picLocks noChangeAspect="1"/>
           </p:cNvPicPr>
@@ -11327,7 +11323,7 @@
 </file>
 
 <file path=ppt/slides/slide35.xml><?xml version="1.0" encoding="utf-8"?>
-<p:sld xmlns:a="http://schemas.openxmlformats.org/drawingml/2006/main" xmlns:r="http://schemas.openxmlformats.org/officeDocument/2006/relationships" xmlns:p="http://schemas.openxmlformats.org/presentationml/2006/main" showMasterSp="1" showMasterPhAnim="1">
+<p:sld xmlns:a="http://schemas.openxmlformats.org/drawingml/2006/main" xmlns:r="http://schemas.openxmlformats.org/officeDocument/2006/relationships" xmlns:p="http://schemas.openxmlformats.org/presentationml/2006/main" xmlns:m="http://schemas.openxmlformats.org/officeDocument/2006/math" xmlns:a14="http://schemas.microsoft.com/office/drawing/2010/main" showMasterSp="1" showMasterPhAnim="1">
   <p:cSld>
     <p:spTree>
       <p:nvGrpSpPr>
@@ -11345,7 +11341,7 @@
       </p:grpSpPr>
       <p:sp>
         <p:nvSpPr>
-          <p:cNvPr id="290" name="Conclusions"/>
+          <p:cNvPr id="289" name="Conclusions"/>
           <p:cNvSpPr txBox="1"/>
           <p:nvPr>
             <p:ph type="title"/>
@@ -11373,7 +11369,7 @@
       </p:sp>
       <p:pic>
         <p:nvPicPr>
-          <p:cNvPr id="291" name="conclusions_format.png" descr="conclusions_format.png"/>
+          <p:cNvPr id="290" name="conclusions_format.png" descr="conclusions_format.png"/>
           <p:cNvPicPr>
             <a:picLocks noChangeAspect="1"/>
           </p:cNvPicPr>
@@ -11417,7 +11413,7 @@
 </file>
 
 <file path=ppt/slides/slide36.xml><?xml version="1.0" encoding="utf-8"?>
-<p:sld xmlns:a="http://schemas.openxmlformats.org/drawingml/2006/main" xmlns:r="http://schemas.openxmlformats.org/officeDocument/2006/relationships" xmlns:p="http://schemas.openxmlformats.org/presentationml/2006/main" showMasterSp="1" showMasterPhAnim="1">
+<p:sld xmlns:a="http://schemas.openxmlformats.org/drawingml/2006/main" xmlns:r="http://schemas.openxmlformats.org/officeDocument/2006/relationships" xmlns:p="http://schemas.openxmlformats.org/presentationml/2006/main" xmlns:m="http://schemas.openxmlformats.org/officeDocument/2006/math" xmlns:a14="http://schemas.microsoft.com/office/drawing/2010/main" showMasterSp="1" showMasterPhAnim="1">
   <p:cSld>
     <p:spTree>
       <p:nvGrpSpPr>
@@ -11435,7 +11431,7 @@
       </p:grpSpPr>
       <p:sp>
         <p:nvSpPr>
-          <p:cNvPr id="293" name="Conclusions"/>
+          <p:cNvPr id="292" name="Conclusions"/>
           <p:cNvSpPr txBox="1"/>
           <p:nvPr>
             <p:ph type="title"/>
@@ -11463,7 +11459,7 @@
       </p:sp>
       <p:pic>
         <p:nvPicPr>
-          <p:cNvPr id="294" name="conclusions_store.png" descr="conclusions_store.png"/>
+          <p:cNvPr id="293" name="conclusions_store.png" descr="conclusions_store.png"/>
           <p:cNvPicPr>
             <a:picLocks noChangeAspect="1"/>
           </p:cNvPicPr>
@@ -11507,7 +11503,7 @@
 </file>
 
 <file path=ppt/slides/slide37.xml><?xml version="1.0" encoding="utf-8"?>
-<p:sld xmlns:a="http://schemas.openxmlformats.org/drawingml/2006/main" xmlns:r="http://schemas.openxmlformats.org/officeDocument/2006/relationships" xmlns:p="http://schemas.openxmlformats.org/presentationml/2006/main" showMasterSp="1" showMasterPhAnim="1">
+<p:sld xmlns:a="http://schemas.openxmlformats.org/drawingml/2006/main" xmlns:r="http://schemas.openxmlformats.org/officeDocument/2006/relationships" xmlns:p="http://schemas.openxmlformats.org/presentationml/2006/main" xmlns:m="http://schemas.openxmlformats.org/officeDocument/2006/math" xmlns:a14="http://schemas.microsoft.com/office/drawing/2010/main" showMasterSp="1" showMasterPhAnim="1">
   <p:cSld>
     <p:spTree>
       <p:nvGrpSpPr>
@@ -11525,7 +11521,7 @@
       </p:grpSpPr>
       <p:sp>
         <p:nvSpPr>
-          <p:cNvPr id="296" name="Why?"/>
+          <p:cNvPr id="295" name="Why?"/>
           <p:cNvSpPr txBox="1"/>
           <p:nvPr>
             <p:ph type="title"/>
@@ -11553,7 +11549,7 @@
       </p:sp>
       <p:sp>
         <p:nvSpPr>
-          <p:cNvPr id="297" name="Graph + APIs…"/>
+          <p:cNvPr id="296" name="Graph + APIs…"/>
           <p:cNvSpPr txBox="1"/>
           <p:nvPr>
             <p:ph type="body" idx="1"/>
@@ -11652,7 +11648,7 @@
       </p:sp>
       <p:grpSp>
         <p:nvGrpSpPr>
-          <p:cNvPr id="301" name="Group"/>
+          <p:cNvPr id="300" name="Group"/>
           <p:cNvGrpSpPr/>
           <p:nvPr/>
         </p:nvGrpSpPr>
@@ -11666,7 +11662,7 @@
         </p:grpSpPr>
         <p:pic>
           <p:nvPicPr>
-            <p:cNvPr id="298" name="conclusions_format.png" descr="conclusions_format.png"/>
+            <p:cNvPr id="297" name="conclusions_format.png" descr="conclusions_format.png"/>
             <p:cNvPicPr>
               <a:picLocks noChangeAspect="1"/>
             </p:cNvPicPr>
@@ -11703,7 +11699,7 @@
         </p:pic>
         <p:pic>
           <p:nvPicPr>
-            <p:cNvPr id="299" name="conclusions_store.png" descr="conclusions_store.png"/>
+            <p:cNvPr id="298" name="conclusions_store.png" descr="conclusions_store.png"/>
             <p:cNvPicPr>
               <a:picLocks noChangeAspect="1"/>
             </p:cNvPicPr>
@@ -11740,7 +11736,7 @@
         </p:pic>
         <p:pic>
           <p:nvPicPr>
-            <p:cNvPr id="300" name="conclusions_backend.png" descr="conclusions_backend.png"/>
+            <p:cNvPr id="299" name="conclusions_backend.png" descr="conclusions_backend.png"/>
             <p:cNvPicPr>
               <a:picLocks noChangeAspect="1"/>
             </p:cNvPicPr>
@@ -11780,7 +11776,7 @@
 </file>
 
 <file path=ppt/slides/slide38.xml><?xml version="1.0" encoding="utf-8"?>
-<p:sld xmlns:a="http://schemas.openxmlformats.org/drawingml/2006/main" xmlns:r="http://schemas.openxmlformats.org/officeDocument/2006/relationships" xmlns:p="http://schemas.openxmlformats.org/presentationml/2006/main" showMasterSp="1" showMasterPhAnim="1">
+<p:sld xmlns:a="http://schemas.openxmlformats.org/drawingml/2006/main" xmlns:r="http://schemas.openxmlformats.org/officeDocument/2006/relationships" xmlns:p="http://schemas.openxmlformats.org/presentationml/2006/main" xmlns:m="http://schemas.openxmlformats.org/officeDocument/2006/math" xmlns:a14="http://schemas.microsoft.com/office/drawing/2010/main" showMasterSp="1" showMasterPhAnim="1">
   <p:cSld>
     <p:spTree>
       <p:nvGrpSpPr>
@@ -11798,7 +11794,7 @@
       </p:grpSpPr>
       <p:sp>
         <p:nvSpPr>
-          <p:cNvPr id="303" name="Conclusions"/>
+          <p:cNvPr id="302" name="Conclusions"/>
           <p:cNvSpPr txBox="1"/>
           <p:nvPr>
             <p:ph type="title"/>
@@ -11826,7 +11822,7 @@
       </p:sp>
       <p:pic>
         <p:nvPicPr>
-          <p:cNvPr id="304" name="conclusions_format.png" descr="conclusions_format.png"/>
+          <p:cNvPr id="303" name="conclusions_format.png" descr="conclusions_format.png"/>
           <p:cNvPicPr>
             <a:picLocks noChangeAspect="1"/>
           </p:cNvPicPr>
@@ -11862,7 +11858,7 @@
       </p:pic>
       <p:pic>
         <p:nvPicPr>
-          <p:cNvPr id="305" name="conclusions_store.png" descr="conclusions_store.png"/>
+          <p:cNvPr id="304" name="conclusions_store.png" descr="conclusions_store.png"/>
           <p:cNvPicPr>
             <a:picLocks noChangeAspect="1"/>
           </p:cNvPicPr>
@@ -11898,7 +11894,7 @@
       </p:pic>
       <p:pic>
         <p:nvPicPr>
-          <p:cNvPr id="306" name="conclusions_backend.png" descr="conclusions_backend.png"/>
+          <p:cNvPr id="305" name="conclusions_backend.png" descr="conclusions_backend.png"/>
           <p:cNvPicPr>
             <a:picLocks noChangeAspect="1"/>
           </p:cNvPicPr>
@@ -11935,7 +11931,7 @@
 </file>
 
 <file path=ppt/slides/slide4.xml><?xml version="1.0" encoding="utf-8"?>
-<p:sld xmlns:a="http://schemas.openxmlformats.org/drawingml/2006/main" xmlns:r="http://schemas.openxmlformats.org/officeDocument/2006/relationships" xmlns:p="http://schemas.openxmlformats.org/presentationml/2006/main" showMasterSp="1" showMasterPhAnim="1">
+<p:sld xmlns:a="http://schemas.openxmlformats.org/drawingml/2006/main" xmlns:r="http://schemas.openxmlformats.org/officeDocument/2006/relationships" xmlns:p="http://schemas.openxmlformats.org/presentationml/2006/main" xmlns:m="http://schemas.openxmlformats.org/officeDocument/2006/math" xmlns:a14="http://schemas.microsoft.com/office/drawing/2010/main" showMasterSp="1" showMasterPhAnim="1">
   <p:cSld>
     <p:spTree>
       <p:nvGrpSpPr>
@@ -11979,100 +11975,80 @@
           </a:p>
         </p:txBody>
       </p:sp>
-      <p:grpSp>
-        <p:nvGrpSpPr>
-          <p:cNvPr id="151" name="Group"/>
-          <p:cNvGrpSpPr/>
+      <p:sp>
+        <p:nvSpPr>
+          <p:cNvPr id="149" name="Rounded Rectangle"/>
+          <p:cNvSpPr/>
           <p:nvPr/>
-        </p:nvGrpSpPr>
-        <p:grpSpPr>
+        </p:nvSpPr>
+        <p:spPr>
           <a:xfrm>
-            <a:off x="434108" y="4664273"/>
-            <a:ext cx="23515785" cy="7346170"/>
-            <a:chOff x="0" y="0"/>
-            <a:chExt cx="23515783" cy="7346168"/>
+            <a:off x="570908" y="4664273"/>
+            <a:ext cx="23378985" cy="7161312"/>
           </a:xfrm>
-        </p:grpSpPr>
-        <p:sp>
-          <p:nvSpPr>
-            <p:cNvPr id="149" name="Rounded Rectangle"/>
-            <p:cNvSpPr/>
-            <p:nvPr/>
-          </p:nvSpPr>
-          <p:spPr>
-            <a:xfrm>
-              <a:off x="136800" y="0"/>
-              <a:ext cx="23378984" cy="7161311"/>
-            </a:xfrm>
-            <a:prstGeom prst="roundRect">
-              <a:avLst>
-                <a:gd name="adj" fmla="val 5135"/>
-              </a:avLst>
-            </a:prstGeom>
-            <a:solidFill>
-              <a:srgbClr val="FFFFFF"/>
-            </a:solidFill>
-            <a:ln w="12700" cap="flat">
-              <a:noFill/>
-              <a:miter lim="400000"/>
-            </a:ln>
-            <a:effectLst/>
-          </p:spPr>
-          <p:txBody>
-            <a:bodyPr wrap="square" lIns="30137" tIns="30137" rIns="30137" bIns="30137" numCol="1" anchor="ctr">
-              <a:noAutofit/>
-            </a:bodyPr>
-            <a:lstStyle/>
-            <a:p>
-              <a:pPr>
-                <a:defRPr cap="all" spc="512" sz="3200">
-                  <a:latin typeface="Avenir Medium"/>
-                  <a:ea typeface="Avenir Medium"/>
-                  <a:cs typeface="Avenir Medium"/>
-                  <a:sym typeface="Avenir Medium"/>
-                </a:defRPr>
-              </a:pPr>
-            </a:p>
-          </p:txBody>
-        </p:sp>
-        <p:pic>
-          <p:nvPicPr>
-            <p:cNvPr id="150" name="rdf_pipeline.png" descr="rdf_pipeline.png"/>
-            <p:cNvPicPr>
-              <a:picLocks noChangeAspect="1"/>
-            </p:cNvPicPr>
-            <p:nvPr/>
-          </p:nvPicPr>
-          <p:blipFill>
-            <a:blip r:embed="rId2">
-              <a:extLst/>
-            </a:blip>
-            <a:stretch>
-              <a:fillRect/>
-            </a:stretch>
-          </p:blipFill>
-          <p:spPr>
-            <a:xfrm>
-              <a:off x="0" y="184858"/>
-              <a:ext cx="23378984" cy="7161311"/>
-            </a:xfrm>
-            <a:prstGeom prst="rect">
-              <a:avLst/>
-            </a:prstGeom>
-            <a:ln w="25400" cap="flat">
-              <a:noFill/>
-              <a:miter lim="400000"/>
-            </a:ln>
-            <a:effectLst>
-              <a:outerShdw sx="100000" sy="100000" kx="0" ky="0" algn="b" rotWithShape="0" blurRad="355600" dist="177800" dir="5400000">
-                <a:srgbClr val="000000">
-                  <a:alpha val="70000"/>
-                </a:srgbClr>
-              </a:outerShdw>
-            </a:effectLst>
-          </p:spPr>
-        </p:pic>
-      </p:grpSp>
+          <a:prstGeom prst="roundRect">
+            <a:avLst>
+              <a:gd name="adj" fmla="val 5135"/>
+            </a:avLst>
+          </a:prstGeom>
+          <a:solidFill>
+            <a:srgbClr val="FFFFFF"/>
+          </a:solidFill>
+          <a:ln w="12700">
+            <a:miter lim="400000"/>
+          </a:ln>
+        </p:spPr>
+        <p:txBody>
+          <a:bodyPr lIns="30137" tIns="30137" rIns="30137" bIns="30137" anchor="ctr"/>
+          <a:lstStyle/>
+          <a:p>
+            <a:pPr>
+              <a:defRPr cap="all" spc="512" sz="3200">
+                <a:latin typeface="Avenir Medium"/>
+                <a:ea typeface="Avenir Medium"/>
+                <a:cs typeface="Avenir Medium"/>
+                <a:sym typeface="Avenir Medium"/>
+              </a:defRPr>
+            </a:pPr>
+          </a:p>
+        </p:txBody>
+      </p:sp>
+      <p:pic>
+        <p:nvPicPr>
+          <p:cNvPr id="150" name="rdf_pipeline.png" descr="rdf_pipeline.png"/>
+          <p:cNvPicPr>
+            <a:picLocks noChangeAspect="1"/>
+          </p:cNvPicPr>
+          <p:nvPr/>
+        </p:nvPicPr>
+        <p:blipFill>
+          <a:blip r:embed="rId2">
+            <a:extLst/>
+          </a:blip>
+          <a:stretch>
+            <a:fillRect/>
+          </a:stretch>
+        </p:blipFill>
+        <p:spPr>
+          <a:xfrm>
+            <a:off x="434108" y="4849131"/>
+            <a:ext cx="23378985" cy="7161312"/>
+          </a:xfrm>
+          <a:prstGeom prst="rect">
+            <a:avLst/>
+          </a:prstGeom>
+          <a:ln w="25400">
+            <a:miter lim="400000"/>
+          </a:ln>
+          <a:effectLst>
+            <a:outerShdw sx="100000" sy="100000" kx="0" ky="0" algn="b" rotWithShape="0" blurRad="355600" dist="177800" dir="5400000">
+              <a:srgbClr val="000000">
+                <a:alpha val="70000"/>
+              </a:srgbClr>
+            </a:outerShdw>
+          </a:effectLst>
+        </p:spPr>
+      </p:pic>
     </p:spTree>
   </p:cSld>
   <p:clrMapOvr>
@@ -12083,7 +12059,7 @@
 </file>
 
 <file path=ppt/slides/slide5.xml><?xml version="1.0" encoding="utf-8"?>
-<p:sld xmlns:a="http://schemas.openxmlformats.org/drawingml/2006/main" xmlns:r="http://schemas.openxmlformats.org/officeDocument/2006/relationships" xmlns:p="http://schemas.openxmlformats.org/presentationml/2006/main" showMasterSp="1" showMasterPhAnim="1">
+<p:sld xmlns:a="http://schemas.openxmlformats.org/drawingml/2006/main" xmlns:r="http://schemas.openxmlformats.org/officeDocument/2006/relationships" xmlns:p="http://schemas.openxmlformats.org/presentationml/2006/main" xmlns:m="http://schemas.openxmlformats.org/officeDocument/2006/math" xmlns:a14="http://schemas.microsoft.com/office/drawing/2010/main" showMasterSp="1" showMasterPhAnim="1">
   <p:cSld>
     <p:spTree>
       <p:nvGrpSpPr>
@@ -12101,7 +12077,7 @@
       </p:grpSpPr>
       <p:sp>
         <p:nvSpPr>
-          <p:cNvPr id="153" name="Test Settings (Neo4J)"/>
+          <p:cNvPr id="152" name="Test Settings (Neo4J)"/>
           <p:cNvSpPr txBox="1"/>
           <p:nvPr>
             <p:ph type="title"/>
@@ -12129,7 +12105,7 @@
       </p:sp>
       <p:grpSp>
         <p:nvGrpSpPr>
-          <p:cNvPr id="156" name="Group"/>
+          <p:cNvPr id="155" name="Group"/>
           <p:cNvGrpSpPr/>
           <p:nvPr/>
         </p:nvGrpSpPr>
@@ -12143,7 +12119,7 @@
         </p:grpSpPr>
         <p:sp>
           <p:nvSpPr>
-            <p:cNvPr id="154" name="Rounded Rectangle"/>
+            <p:cNvPr id="153" name="Rounded Rectangle"/>
             <p:cNvSpPr/>
             <p:nvPr/>
           </p:nvSpPr>
@@ -12185,7 +12161,7 @@
         </p:sp>
         <p:pic>
           <p:nvPicPr>
-            <p:cNvPr id="155" name="neo4j_pipeline.png" descr="neo4j_pipeline.png"/>
+            <p:cNvPr id="154" name="neo4j_pipeline.png" descr="neo4j_pipeline.png"/>
             <p:cNvPicPr>
               <a:picLocks noChangeAspect="1"/>
             </p:cNvPicPr>
@@ -12231,7 +12207,7 @@
 </file>
 
 <file path=ppt/slides/slide6.xml><?xml version="1.0" encoding="utf-8"?>
-<p:sld xmlns:a="http://schemas.openxmlformats.org/drawingml/2006/main" xmlns:r="http://schemas.openxmlformats.org/officeDocument/2006/relationships" xmlns:p="http://schemas.openxmlformats.org/presentationml/2006/main" showMasterSp="1" showMasterPhAnim="1">
+<p:sld xmlns:a="http://schemas.openxmlformats.org/drawingml/2006/main" xmlns:r="http://schemas.openxmlformats.org/officeDocument/2006/relationships" xmlns:p="http://schemas.openxmlformats.org/presentationml/2006/main" xmlns:m="http://schemas.openxmlformats.org/officeDocument/2006/math" xmlns:a14="http://schemas.microsoft.com/office/drawing/2010/main" showMasterSp="1" showMasterPhAnim="1">
   <p:cSld>
     <p:spTree>
       <p:nvGrpSpPr>
@@ -12249,7 +12225,7 @@
       </p:grpSpPr>
       <p:sp>
         <p:nvSpPr>
-          <p:cNvPr id="158" name="RDF"/>
+          <p:cNvPr id="157" name="RDF"/>
           <p:cNvSpPr txBox="1"/>
           <p:nvPr>
             <p:ph type="title"/>
@@ -12281,7 +12257,7 @@
 </file>
 
 <file path=ppt/slides/slide7.xml><?xml version="1.0" encoding="utf-8"?>
-<p:sld xmlns:a="http://schemas.openxmlformats.org/drawingml/2006/main" xmlns:r="http://schemas.openxmlformats.org/officeDocument/2006/relationships" xmlns:p="http://schemas.openxmlformats.org/presentationml/2006/main" showMasterSp="1" showMasterPhAnim="1">
+<p:sld xmlns:a="http://schemas.openxmlformats.org/drawingml/2006/main" xmlns:r="http://schemas.openxmlformats.org/officeDocument/2006/relationships" xmlns:p="http://schemas.openxmlformats.org/presentationml/2006/main" xmlns:m="http://schemas.openxmlformats.org/officeDocument/2006/math" xmlns:a14="http://schemas.microsoft.com/office/drawing/2010/main" showMasterSp="1" showMasterPhAnim="1">
   <p:cSld>
     <p:spTree>
       <p:nvGrpSpPr>
@@ -12299,7 +12275,7 @@
       </p:grpSpPr>
       <p:sp>
         <p:nvSpPr>
-          <p:cNvPr id="160" name="RDF/Linked Data Essentials"/>
+          <p:cNvPr id="159" name="RDF/Linked Data Essentials"/>
           <p:cNvSpPr txBox="1"/>
           <p:nvPr>
             <p:ph type="title"/>
@@ -12327,7 +12303,7 @@
       </p:sp>
       <p:sp>
         <p:nvSpPr>
-          <p:cNvPr id="161" name="Simple, Fine-Grained Data Model: Property/Value Pairs &amp; Typed Links…"/>
+          <p:cNvPr id="160" name="Simple, Fine-Grained Data Model: Property/Value Pairs &amp; Typed Links…"/>
           <p:cNvSpPr txBox="1"/>
           <p:nvPr>
             <p:ph type="body" sz="half" idx="1"/>
@@ -12404,7 +12380,7 @@
       </p:sp>
       <p:grpSp>
         <p:nvGrpSpPr>
-          <p:cNvPr id="164" name="Group"/>
+          <p:cNvPr id="163" name="Group"/>
           <p:cNvGrpSpPr/>
           <p:nvPr/>
         </p:nvGrpSpPr>
@@ -12418,7 +12394,7 @@
         </p:grpSpPr>
         <p:sp>
           <p:nvSpPr>
-            <p:cNvPr id="162" name="Rounded Rectangle"/>
+            <p:cNvPr id="161" name="Rounded Rectangle"/>
             <p:cNvSpPr/>
             <p:nvPr/>
           </p:nvSpPr>
@@ -12460,7 +12436,7 @@
         </p:sp>
         <p:pic>
           <p:nvPicPr>
-            <p:cNvPr id="163" name="Image" descr="Image"/>
+            <p:cNvPr id="162" name="Image" descr="Image"/>
             <p:cNvPicPr>
               <a:picLocks noChangeAspect="1"/>
             </p:cNvPicPr>
@@ -12500,7 +12476,7 @@
 </file>
 
 <file path=ppt/slides/slide8.xml><?xml version="1.0" encoding="utf-8"?>
-<p:sld xmlns:a="http://schemas.openxmlformats.org/drawingml/2006/main" xmlns:r="http://schemas.openxmlformats.org/officeDocument/2006/relationships" xmlns:p="http://schemas.openxmlformats.org/presentationml/2006/main" showMasterSp="1" showMasterPhAnim="1">
+<p:sld xmlns:a="http://schemas.openxmlformats.org/drawingml/2006/main" xmlns:r="http://schemas.openxmlformats.org/officeDocument/2006/relationships" xmlns:p="http://schemas.openxmlformats.org/presentationml/2006/main" xmlns:m="http://schemas.openxmlformats.org/officeDocument/2006/math" xmlns:a14="http://schemas.microsoft.com/office/drawing/2010/main" showMasterSp="1" showMasterPhAnim="1">
   <p:cSld>
     <p:spTree>
       <p:nvGrpSpPr>
@@ -12518,7 +12494,7 @@
       </p:grpSpPr>
       <p:sp>
         <p:nvSpPr>
-          <p:cNvPr id="166" name="RDF/Linked Data Essentials"/>
+          <p:cNvPr id="165" name="RDF/Linked Data Essentials"/>
           <p:cNvSpPr txBox="1"/>
           <p:nvPr>
             <p:ph type="title"/>
@@ -12546,7 +12522,7 @@
       </p:sp>
       <p:sp>
         <p:nvSpPr>
-          <p:cNvPr id="167" name="Integration as native citizen, strong emphasis on knowledge modelling, schemas, ontologies"/>
+          <p:cNvPr id="166" name="Integration as native citizen, strong emphasis on knowledge modelling, schemas, ontologies"/>
           <p:cNvSpPr txBox="1"/>
           <p:nvPr>
             <p:ph type="body" sz="quarter" idx="1"/>
@@ -12579,7 +12555,7 @@
       </p:sp>
       <p:grpSp>
         <p:nvGrpSpPr>
-          <p:cNvPr id="170" name="Group"/>
+          <p:cNvPr id="169" name="Group"/>
           <p:cNvGrpSpPr/>
           <p:nvPr/>
         </p:nvGrpSpPr>
@@ -12593,7 +12569,7 @@
         </p:grpSpPr>
         <p:sp>
           <p:nvSpPr>
-            <p:cNvPr id="168" name="Rounded Rectangle"/>
+            <p:cNvPr id="167" name="Rounded Rectangle"/>
             <p:cNvSpPr/>
             <p:nvPr/>
           </p:nvSpPr>
@@ -12635,7 +12611,7 @@
         </p:sp>
         <p:pic>
           <p:nvPicPr>
-            <p:cNvPr id="169" name="Image" descr="Image"/>
+            <p:cNvPr id="168" name="Image" descr="Image"/>
             <p:cNvPicPr>
               <a:picLocks noChangeAspect="1"/>
             </p:cNvPicPr>
@@ -12675,7 +12651,7 @@
 </file>
 
 <file path=ppt/slides/slide9.xml><?xml version="1.0" encoding="utf-8"?>
-<p:sld xmlns:a="http://schemas.openxmlformats.org/drawingml/2006/main" xmlns:r="http://schemas.openxmlformats.org/officeDocument/2006/relationships" xmlns:p="http://schemas.openxmlformats.org/presentationml/2006/main" showMasterSp="1" showMasterPhAnim="1">
+<p:sld xmlns:a="http://schemas.openxmlformats.org/drawingml/2006/main" xmlns:r="http://schemas.openxmlformats.org/officeDocument/2006/relationships" xmlns:p="http://schemas.openxmlformats.org/presentationml/2006/main" xmlns:m="http://schemas.openxmlformats.org/officeDocument/2006/math" xmlns:a14="http://schemas.microsoft.com/office/drawing/2010/main" showMasterSp="1" showMasterPhAnim="1">
   <p:cSld>
     <p:spTree>
       <p:nvGrpSpPr>
@@ -12693,7 +12669,7 @@
       </p:grpSpPr>
       <p:sp>
         <p:nvSpPr>
-          <p:cNvPr id="172" name="Rounded Rectangle"/>
+          <p:cNvPr id="171" name="Rounded Rectangle"/>
           <p:cNvSpPr/>
           <p:nvPr/>
         </p:nvSpPr>
@@ -12731,7 +12707,7 @@
       </p:sp>
       <p:sp>
         <p:nvSpPr>
-          <p:cNvPr id="173" name="Data MODEL: ONDEX in RDF"/>
+          <p:cNvPr id="172" name="Data MODEL: ONDEX in RDF"/>
           <p:cNvSpPr txBox="1"/>
           <p:nvPr>
             <p:ph type="body" idx="14"/>
@@ -12763,7 +12739,7 @@
       </p:sp>
       <p:pic>
         <p:nvPicPr>
-          <p:cNvPr id="174" name="rdf_data_model.png" descr="rdf_data_model.png"/>
+          <p:cNvPr id="173" name="rdf_data_model.png" descr="rdf_data_model.png"/>
           <p:cNvPicPr>
             <a:picLocks noChangeAspect="1"/>
           </p:cNvPicPr>
